--- a/materials/slides/11.3.pptx
+++ b/materials/slides/11.3.pptx
@@ -4985,159 +4985,6 @@
           <a:chExt cx="0" cy="0"/>
         </a:xfrm>
       </p:grpSpPr>
-      <p:sp>
-        <p:nvSpPr>
-          <p:cNvPr id="3074" name="Rectangle 6"/>
-          <p:cNvSpPr>
-            <a:spLocks noGrp="1" noChangeArrowheads="1"/>
-          </p:cNvSpPr>
-          <p:nvPr>
-            <p:ph type="sldNum" sz="quarter" idx="12"/>
-          </p:nvPr>
-        </p:nvSpPr>
-        <p:spPr>
-          <a:noFill/>
-          <a:ln/>
-          <a:extLst>
-            <a:ext uri="{909E8E84-426E-40DD-AFC4-6F175D3DCCD1}">
-              <a14:hiddenFill xmlns:a14="http://schemas.microsoft.com/office/drawing/2010/main">
-                <a:solidFill>
-                  <a:srgbClr val="FFFFFF"/>
-                </a:solidFill>
-              </a14:hiddenFill>
-            </a:ext>
-            <a:ext uri="{91240B29-F687-4F45-9708-019B960494DF}">
-              <a14:hiddenLine xmlns:a14="http://schemas.microsoft.com/office/drawing/2010/main" w="9525">
-                <a:solidFill>
-                  <a:srgbClr val="000000"/>
-                </a:solidFill>
-                <a:miter lim="800000"/>
-                <a:headEnd/>
-                <a:tailEnd/>
-              </a14:hiddenLine>
-            </a:ext>
-          </a:extLst>
-        </p:spPr>
-        <p:txBody>
-          <a:bodyPr/>
-          <a:lstStyle>
-            <a:lvl1pPr eaLnBrk="0" hangingPunct="0">
-              <a:defRPr>
-                <a:solidFill>
-                  <a:schemeClr val="tx1"/>
-                </a:solidFill>
-                <a:latin typeface="Verdana" pitchFamily="34" charset="0"/>
-                <a:ea typeface="宋体" pitchFamily="2" charset="-122"/>
-              </a:defRPr>
-            </a:lvl1pPr>
-            <a:lvl2pPr marL="742950" indent="-285750" eaLnBrk="0" hangingPunct="0">
-              <a:defRPr>
-                <a:solidFill>
-                  <a:schemeClr val="tx1"/>
-                </a:solidFill>
-                <a:latin typeface="Verdana" pitchFamily="34" charset="0"/>
-                <a:ea typeface="宋体" pitchFamily="2" charset="-122"/>
-              </a:defRPr>
-            </a:lvl2pPr>
-            <a:lvl3pPr marL="1143000" indent="-228600" eaLnBrk="0" hangingPunct="0">
-              <a:defRPr>
-                <a:solidFill>
-                  <a:schemeClr val="tx1"/>
-                </a:solidFill>
-                <a:latin typeface="Verdana" pitchFamily="34" charset="0"/>
-                <a:ea typeface="宋体" pitchFamily="2" charset="-122"/>
-              </a:defRPr>
-            </a:lvl3pPr>
-            <a:lvl4pPr marL="1600200" indent="-228600" eaLnBrk="0" hangingPunct="0">
-              <a:defRPr>
-                <a:solidFill>
-                  <a:schemeClr val="tx1"/>
-                </a:solidFill>
-                <a:latin typeface="Verdana" pitchFamily="34" charset="0"/>
-                <a:ea typeface="宋体" pitchFamily="2" charset="-122"/>
-              </a:defRPr>
-            </a:lvl4pPr>
-            <a:lvl5pPr marL="2057400" indent="-228600" eaLnBrk="0" hangingPunct="0">
-              <a:defRPr>
-                <a:solidFill>
-                  <a:schemeClr val="tx1"/>
-                </a:solidFill>
-                <a:latin typeface="Verdana" pitchFamily="34" charset="0"/>
-                <a:ea typeface="宋体" pitchFamily="2" charset="-122"/>
-              </a:defRPr>
-            </a:lvl5pPr>
-            <a:lvl6pPr marL="2514600" indent="-228600" eaLnBrk="0" fontAlgn="base" hangingPunct="0">
-              <a:spcBef>
-                <a:spcPct val="0"/>
-              </a:spcBef>
-              <a:spcAft>
-                <a:spcPct val="0"/>
-              </a:spcAft>
-              <a:defRPr>
-                <a:solidFill>
-                  <a:schemeClr val="tx1"/>
-                </a:solidFill>
-                <a:latin typeface="Verdana" pitchFamily="34" charset="0"/>
-                <a:ea typeface="宋体" pitchFamily="2" charset="-122"/>
-              </a:defRPr>
-            </a:lvl6pPr>
-            <a:lvl7pPr marL="2971800" indent="-228600" eaLnBrk="0" fontAlgn="base" hangingPunct="0">
-              <a:spcBef>
-                <a:spcPct val="0"/>
-              </a:spcBef>
-              <a:spcAft>
-                <a:spcPct val="0"/>
-              </a:spcAft>
-              <a:defRPr>
-                <a:solidFill>
-                  <a:schemeClr val="tx1"/>
-                </a:solidFill>
-                <a:latin typeface="Verdana" pitchFamily="34" charset="0"/>
-                <a:ea typeface="宋体" pitchFamily="2" charset="-122"/>
-              </a:defRPr>
-            </a:lvl7pPr>
-            <a:lvl8pPr marL="3429000" indent="-228600" eaLnBrk="0" fontAlgn="base" hangingPunct="0">
-              <a:spcBef>
-                <a:spcPct val="0"/>
-              </a:spcBef>
-              <a:spcAft>
-                <a:spcPct val="0"/>
-              </a:spcAft>
-              <a:defRPr>
-                <a:solidFill>
-                  <a:schemeClr val="tx1"/>
-                </a:solidFill>
-                <a:latin typeface="Verdana" pitchFamily="34" charset="0"/>
-                <a:ea typeface="宋体" pitchFamily="2" charset="-122"/>
-              </a:defRPr>
-            </a:lvl8pPr>
-            <a:lvl9pPr marL="3886200" indent="-228600" eaLnBrk="0" fontAlgn="base" hangingPunct="0">
-              <a:spcBef>
-                <a:spcPct val="0"/>
-              </a:spcBef>
-              <a:spcAft>
-                <a:spcPct val="0"/>
-              </a:spcAft>
-              <a:defRPr>
-                <a:solidFill>
-                  <a:schemeClr val="tx1"/>
-                </a:solidFill>
-                <a:latin typeface="Verdana" pitchFamily="34" charset="0"/>
-                <a:ea typeface="宋体" pitchFamily="2" charset="-122"/>
-              </a:defRPr>
-            </a:lvl9pPr>
-          </a:lstStyle>
-          <a:p>
-            <a:pPr eaLnBrk="1" hangingPunct="1"/>
-            <a:fld id="{AE4AF2A0-B184-49B8-9ABA-6104AA3B9D79}" type="slidenum">
-              <a:rPr lang="en-US" altLang="zh-CN" smtClean="0"/>
-              <a:pPr eaLnBrk="1" hangingPunct="1"/>
-              <a:t>1</a:t>
-            </a:fld>
-            <a:endParaRPr lang="en-US" altLang="zh-CN" smtClean="0"/>
-          </a:p>
-        </p:txBody>
-      </p:sp>
       <p:sp>
         <p:nvSpPr>
           <p:cNvPr id="3075" name="Rectangle 2"/>

--- a/materials/slides/11.3.pptx
+++ b/materials/slides/11.3.pptx
@@ -5,19 +5,21 @@
     <p:sldMasterId id="2147483776" r:id="rId1"/>
   </p:sldMasterIdLst>
   <p:notesMasterIdLst>
-    <p:notesMasterId r:id="rId7"/>
+    <p:notesMasterId r:id="rId9"/>
   </p:notesMasterIdLst>
   <p:handoutMasterIdLst>
-    <p:handoutMasterId r:id="rId8"/>
+    <p:handoutMasterId r:id="rId10"/>
   </p:handoutMasterIdLst>
   <p:sldIdLst>
     <p:sldId id="256" r:id="rId2"/>
-    <p:sldId id="285" r:id="rId3"/>
-    <p:sldId id="318" r:id="rId4"/>
-    <p:sldId id="325" r:id="rId5"/>
-    <p:sldId id="323" r:id="rId6"/>
+    <p:sldId id="550" r:id="rId3"/>
+    <p:sldId id="551" r:id="rId4"/>
+    <p:sldId id="553" r:id="rId5"/>
+    <p:sldId id="552" r:id="rId6"/>
+    <p:sldId id="554" r:id="rId7"/>
+    <p:sldId id="549" r:id="rId8"/>
   </p:sldIdLst>
-  <p:sldSz cx="9144000" cy="6858000" type="screen4x3"/>
+  <p:sldSz cx="12192000" cy="6858000"/>
   <p:notesSz cx="6858000" cy="9144000"/>
   <p:defaultTextStyle>
     <a:defPPr>
@@ -35,7 +37,7 @@
           <a:schemeClr val="tx1"/>
         </a:solidFill>
         <a:latin typeface="Verdana" pitchFamily="34" charset="0"/>
-        <a:ea typeface="宋体" pitchFamily="2" charset="-122"/>
+        <a:ea typeface="宋体" charset="-122"/>
         <a:cs typeface="+mn-cs"/>
       </a:defRPr>
     </a:lvl1pPr>
@@ -51,7 +53,7 @@
           <a:schemeClr val="tx1"/>
         </a:solidFill>
         <a:latin typeface="Verdana" pitchFamily="34" charset="0"/>
-        <a:ea typeface="宋体" pitchFamily="2" charset="-122"/>
+        <a:ea typeface="宋体" charset="-122"/>
         <a:cs typeface="+mn-cs"/>
       </a:defRPr>
     </a:lvl2pPr>
@@ -67,7 +69,7 @@
           <a:schemeClr val="tx1"/>
         </a:solidFill>
         <a:latin typeface="Verdana" pitchFamily="34" charset="0"/>
-        <a:ea typeface="宋体" pitchFamily="2" charset="-122"/>
+        <a:ea typeface="宋体" charset="-122"/>
         <a:cs typeface="+mn-cs"/>
       </a:defRPr>
     </a:lvl3pPr>
@@ -83,7 +85,7 @@
           <a:schemeClr val="tx1"/>
         </a:solidFill>
         <a:latin typeface="Verdana" pitchFamily="34" charset="0"/>
-        <a:ea typeface="宋体" pitchFamily="2" charset="-122"/>
+        <a:ea typeface="宋体" charset="-122"/>
         <a:cs typeface="+mn-cs"/>
       </a:defRPr>
     </a:lvl4pPr>
@@ -99,7 +101,7 @@
           <a:schemeClr val="tx1"/>
         </a:solidFill>
         <a:latin typeface="Verdana" pitchFamily="34" charset="0"/>
-        <a:ea typeface="宋体" pitchFamily="2" charset="-122"/>
+        <a:ea typeface="宋体" charset="-122"/>
         <a:cs typeface="+mn-cs"/>
       </a:defRPr>
     </a:lvl5pPr>
@@ -109,7 +111,7 @@
           <a:schemeClr val="tx1"/>
         </a:solidFill>
         <a:latin typeface="Verdana" pitchFamily="34" charset="0"/>
-        <a:ea typeface="宋体" pitchFamily="2" charset="-122"/>
+        <a:ea typeface="宋体" charset="-122"/>
         <a:cs typeface="+mn-cs"/>
       </a:defRPr>
     </a:lvl6pPr>
@@ -119,7 +121,7 @@
           <a:schemeClr val="tx1"/>
         </a:solidFill>
         <a:latin typeface="Verdana" pitchFamily="34" charset="0"/>
-        <a:ea typeface="宋体" pitchFamily="2" charset="-122"/>
+        <a:ea typeface="宋体" charset="-122"/>
         <a:cs typeface="+mn-cs"/>
       </a:defRPr>
     </a:lvl7pPr>
@@ -129,7 +131,7 @@
           <a:schemeClr val="tx1"/>
         </a:solidFill>
         <a:latin typeface="Verdana" pitchFamily="34" charset="0"/>
-        <a:ea typeface="宋体" pitchFamily="2" charset="-122"/>
+        <a:ea typeface="宋体" charset="-122"/>
         <a:cs typeface="+mn-cs"/>
       </a:defRPr>
     </a:lvl8pPr>
@@ -139,11 +141,41 @@
           <a:schemeClr val="tx1"/>
         </a:solidFill>
         <a:latin typeface="Verdana" pitchFamily="34" charset="0"/>
-        <a:ea typeface="宋体" pitchFamily="2" charset="-122"/>
+        <a:ea typeface="宋体" charset="-122"/>
         <a:cs typeface="+mn-cs"/>
       </a:defRPr>
     </a:lvl9pPr>
   </p:defaultTextStyle>
+  <p:extLst>
+    <p:ext uri="{EFAFB233-063F-42B5-8137-9DF3F51BA10A}">
+      <p15:sldGuideLst xmlns:p15="http://schemas.microsoft.com/office/powerpoint/2012/main">
+        <p15:guide id="1" orient="horz" pos="2160" userDrawn="1">
+          <p15:clr>
+            <a:srgbClr val="A4A3A4"/>
+          </p15:clr>
+        </p15:guide>
+        <p15:guide id="2" pos="3840" userDrawn="1">
+          <p15:clr>
+            <a:srgbClr val="A4A3A4"/>
+          </p15:clr>
+        </p15:guide>
+      </p15:sldGuideLst>
+    </p:ext>
+    <p:ext uri="{2D200454-40CA-4A62-9FC3-DE9A4176ACB9}">
+      <p15:notesGuideLst xmlns:p15="http://schemas.microsoft.com/office/powerpoint/2012/main">
+        <p15:guide id="1" orient="horz" pos="2880">
+          <p15:clr>
+            <a:srgbClr val="A4A3A4"/>
+          </p15:clr>
+        </p15:guide>
+        <p15:guide id="2" pos="2160">
+          <p15:clr>
+            <a:srgbClr val="A4A3A4"/>
+          </p15:clr>
+        </p15:guide>
+      </p15:notesGuideLst>
+    </p:ext>
+  </p:extLst>
 </p:presentation>
 </file>
 
@@ -209,6 +241,7 @@
             <a:lvl1pPr>
               <a:defRPr sz="1200">
                 <a:latin typeface="Arial" charset="0"/>
+                <a:ea typeface="宋体" pitchFamily="2" charset="-122"/>
               </a:defRPr>
             </a:lvl1pPr>
           </a:lstStyle>
@@ -216,7 +249,7 @@
             <a:pPr>
               <a:defRPr/>
             </a:pPr>
-            <a:endParaRPr lang="en-US" altLang="zh-CN"/>
+            <a:endParaRPr lang="en-US" altLang="zh-CN" dirty="0"/>
           </a:p>
         </p:txBody>
       </p:sp>
@@ -257,6 +290,7 @@
             <a:lvl1pPr algn="r">
               <a:defRPr sz="1200">
                 <a:latin typeface="Arial" charset="0"/>
+                <a:ea typeface="宋体" pitchFamily="2" charset="-122"/>
               </a:defRPr>
             </a:lvl1pPr>
           </a:lstStyle>
@@ -264,7 +298,7 @@
             <a:pPr>
               <a:defRPr/>
             </a:pPr>
-            <a:endParaRPr lang="en-US" altLang="zh-CN"/>
+            <a:endParaRPr lang="en-US" altLang="zh-CN" dirty="0"/>
           </a:p>
         </p:txBody>
       </p:sp>
@@ -305,6 +339,7 @@
             <a:lvl1pPr>
               <a:defRPr sz="1200">
                 <a:latin typeface="Arial" charset="0"/>
+                <a:ea typeface="宋体" pitchFamily="2" charset="-122"/>
               </a:defRPr>
             </a:lvl1pPr>
           </a:lstStyle>
@@ -312,7 +347,7 @@
             <a:pPr>
               <a:defRPr/>
             </a:pPr>
-            <a:endParaRPr lang="en-US" altLang="zh-CN"/>
+            <a:endParaRPr lang="en-US" altLang="zh-CN" dirty="0"/>
           </a:p>
         </p:txBody>
       </p:sp>
@@ -353,6 +388,7 @@
             <a:lvl1pPr algn="r">
               <a:defRPr sz="1200">
                 <a:latin typeface="Arial" charset="0"/>
+                <a:ea typeface="宋体" pitchFamily="2" charset="-122"/>
               </a:defRPr>
             </a:lvl1pPr>
           </a:lstStyle>
@@ -360,25 +396,26 @@
             <a:pPr>
               <a:defRPr/>
             </a:pPr>
-            <a:fld id="{D3AB0175-4F28-4A5C-88E4-EEAF4B85F77E}" type="slidenum">
+            <a:fld id="{7BE119F4-F7CC-4430-A1DB-88C455E8BC26}" type="slidenum">
               <a:rPr lang="en-US" altLang="zh-CN"/>
               <a:pPr>
                 <a:defRPr/>
               </a:pPr>
               <a:t>‹#›</a:t>
             </a:fld>
-            <a:endParaRPr lang="en-US" altLang="zh-CN"/>
+            <a:endParaRPr lang="en-US" altLang="zh-CN" dirty="0"/>
           </a:p>
         </p:txBody>
       </p:sp>
     </p:spTree>
     <p:extLst>
       <p:ext uri="{BB962C8B-B14F-4D97-AF65-F5344CB8AC3E}">
-        <p14:creationId xmlns:p14="http://schemas.microsoft.com/office/powerpoint/2010/main" val="3003721596"/>
+        <p14:creationId xmlns:p14="http://schemas.microsoft.com/office/powerpoint/2010/main" val="276209965"/>
       </p:ext>
     </p:extLst>
   </p:cSld>
   <p:clrMap bg1="lt1" tx1="dk1" bg2="lt2" tx2="dk2" accent1="accent1" accent2="accent2" accent3="accent3" accent4="accent4" accent5="accent5" accent6="accent6" hlink="hlink" folHlink="folHlink"/>
+  <p:hf sldNum="0" hdr="0" ftr="0" dt="0"/>
 </p:handoutMaster>
 </file>
 
@@ -444,6 +481,7 @@
             <a:lvl1pPr>
               <a:defRPr sz="1200">
                 <a:latin typeface="Arial" charset="0"/>
+                <a:ea typeface="宋体" pitchFamily="2" charset="-122"/>
               </a:defRPr>
             </a:lvl1pPr>
           </a:lstStyle>
@@ -451,7 +489,7 @@
             <a:pPr>
               <a:defRPr/>
             </a:pPr>
-            <a:endParaRPr lang="en-US" altLang="zh-CN"/>
+            <a:endParaRPr lang="en-US" altLang="zh-CN" dirty="0"/>
           </a:p>
         </p:txBody>
       </p:sp>
@@ -492,6 +530,7 @@
             <a:lvl1pPr algn="r">
               <a:defRPr sz="1200">
                 <a:latin typeface="Arial" charset="0"/>
+                <a:ea typeface="宋体" pitchFamily="2" charset="-122"/>
               </a:defRPr>
             </a:lvl1pPr>
           </a:lstStyle>
@@ -499,13 +538,13 @@
             <a:pPr>
               <a:defRPr/>
             </a:pPr>
-            <a:endParaRPr lang="en-US" altLang="zh-CN"/>
-          </a:p>
-        </p:txBody>
-      </p:sp>
-      <p:sp>
-        <p:nvSpPr>
-          <p:cNvPr id="62468" name="Rectangle 4"/>
+            <a:endParaRPr lang="en-US" altLang="zh-CN" dirty="0"/>
+          </a:p>
+        </p:txBody>
+      </p:sp>
+      <p:sp>
+        <p:nvSpPr>
+          <p:cNvPr id="16388" name="Rectangle 4"/>
           <p:cNvSpPr>
             <a:spLocks noGrp="1" noRot="1" noChangeAspect="1" noChangeArrowheads="1" noTextEdit="1"/>
           </p:cNvSpPr>
@@ -515,8 +554,8 @@
         </p:nvSpPr>
         <p:spPr bwMode="auto">
           <a:xfrm>
-            <a:off x="1143000" y="685800"/>
-            <a:ext cx="4572000" cy="3429000"/>
+            <a:off x="381000" y="685800"/>
+            <a:ext cx="6096000" cy="3429000"/>
           </a:xfrm>
           <a:prstGeom prst="rect">
             <a:avLst/>
@@ -649,6 +688,7 @@
             <a:lvl1pPr>
               <a:defRPr sz="1200">
                 <a:latin typeface="Arial" charset="0"/>
+                <a:ea typeface="宋体" pitchFamily="2" charset="-122"/>
               </a:defRPr>
             </a:lvl1pPr>
           </a:lstStyle>
@@ -656,7 +696,7 @@
             <a:pPr>
               <a:defRPr/>
             </a:pPr>
-            <a:endParaRPr lang="en-US" altLang="zh-CN"/>
+            <a:endParaRPr lang="en-US" altLang="zh-CN" dirty="0"/>
           </a:p>
         </p:txBody>
       </p:sp>
@@ -697,6 +737,7 @@
             <a:lvl1pPr algn="r">
               <a:defRPr sz="1200">
                 <a:latin typeface="Arial" charset="0"/>
+                <a:ea typeface="宋体" pitchFamily="2" charset="-122"/>
               </a:defRPr>
             </a:lvl1pPr>
           </a:lstStyle>
@@ -704,25 +745,26 @@
             <a:pPr>
               <a:defRPr/>
             </a:pPr>
-            <a:fld id="{CF836D35-76A8-4217-8B0C-7690A9984741}" type="slidenum">
+            <a:fld id="{06DBFBB8-2C88-4EF5-ACA0-AB33D3C579D0}" type="slidenum">
               <a:rPr lang="en-US" altLang="zh-CN"/>
               <a:pPr>
                 <a:defRPr/>
               </a:pPr>
               <a:t>‹#›</a:t>
             </a:fld>
-            <a:endParaRPr lang="en-US" altLang="zh-CN"/>
+            <a:endParaRPr lang="en-US" altLang="zh-CN" dirty="0"/>
           </a:p>
         </p:txBody>
       </p:sp>
     </p:spTree>
     <p:extLst>
       <p:ext uri="{BB962C8B-B14F-4D97-AF65-F5344CB8AC3E}">
-        <p14:creationId xmlns:p14="http://schemas.microsoft.com/office/powerpoint/2010/main" val="1217841120"/>
+        <p14:creationId xmlns:p14="http://schemas.microsoft.com/office/powerpoint/2010/main" val="2953713297"/>
       </p:ext>
     </p:extLst>
   </p:cSld>
   <p:clrMap bg1="lt1" tx1="dk1" bg2="lt2" tx2="dk2" accent1="accent1" accent2="accent2" accent3="accent3" accent4="accent4" accent5="accent5" accent6="accent6" hlink="hlink" folHlink="folHlink"/>
+  <p:hf sldNum="0" hdr="0" ftr="0" dt="0"/>
   <p:notesStyle>
     <a:lvl1pPr algn="l" rtl="0" eaLnBrk="0" fontAlgn="base" hangingPunct="0">
       <a:spcBef>
@@ -889,49 +931,19 @@
         </p:nvSpPr>
         <p:spPr/>
         <p:txBody>
-          <a:bodyPr>
-            <a:normAutofit/>
-          </a:bodyPr>
-          <a:lstStyle/>
-          <a:p>
-            <a:r>
-              <a:rPr lang="zh-CN" altLang="en-US" dirty="0" smtClean="0"/>
-              <a:t>公司内部测试结束前的总结性文档</a:t>
-            </a:r>
-            <a:endParaRPr lang="zh-CN" altLang="en-US" dirty="0"/>
-          </a:p>
-        </p:txBody>
-      </p:sp>
-      <p:sp>
-        <p:nvSpPr>
-          <p:cNvPr id="4" name="灯片编号占位符 3"/>
-          <p:cNvSpPr>
-            <a:spLocks noGrp="1"/>
-          </p:cNvSpPr>
-          <p:nvPr>
-            <p:ph type="sldNum" sz="quarter" idx="10"/>
-          </p:nvPr>
-        </p:nvSpPr>
-        <p:spPr/>
-        <p:txBody>
           <a:bodyPr/>
           <a:lstStyle/>
           <a:p>
-            <a:pPr>
-              <a:defRPr/>
-            </a:pPr>
-            <a:fld id="{CBFB72AA-FFA9-427A-8480-5ACFBD2982FB}" type="slidenum">
-              <a:rPr lang="zh-CN" altLang="en-US" smtClean="0"/>
-              <a:pPr>
-                <a:defRPr/>
-              </a:pPr>
-              <a:t>3</a:t>
-            </a:fld>
-            <a:endParaRPr lang="en-US" altLang="zh-CN"/>
+            <a:endParaRPr lang="zh-CN" altLang="en-US" dirty="0"/>
           </a:p>
         </p:txBody>
       </p:sp>
     </p:spTree>
+    <p:extLst>
+      <p:ext uri="{BB962C8B-B14F-4D97-AF65-F5344CB8AC3E}">
+        <p14:creationId xmlns:p14="http://schemas.microsoft.com/office/powerpoint/2010/main" val="693655753"/>
+      </p:ext>
+    </p:extLst>
   </p:cSld>
   <p:clrMapOvr>
     <a:masterClrMapping/>
@@ -980,40 +992,316 @@
         </p:nvSpPr>
         <p:spPr/>
         <p:txBody>
+          <a:bodyPr>
+            <a:normAutofit/>
+          </a:bodyPr>
+          <a:lstStyle/>
+          <a:p>
+            <a:r>
+              <a:rPr lang="zh-CN" altLang="en-US" dirty="0" smtClean="0"/>
+              <a:t>公司内部测试结束前的总结性文档</a:t>
+            </a:r>
+            <a:endParaRPr lang="zh-CN" altLang="en-US" dirty="0"/>
+          </a:p>
+        </p:txBody>
+      </p:sp>
+      <p:sp>
+        <p:nvSpPr>
+          <p:cNvPr id="4" name="灯片编号占位符 3"/>
+          <p:cNvSpPr>
+            <a:spLocks noGrp="1"/>
+          </p:cNvSpPr>
+          <p:nvPr>
+            <p:ph type="sldNum" sz="quarter" idx="10"/>
+          </p:nvPr>
+        </p:nvSpPr>
+        <p:spPr/>
+        <p:txBody>
           <a:bodyPr/>
           <a:lstStyle/>
           <a:p>
-            <a:endParaRPr lang="zh-CN" altLang="en-US" dirty="0"/>
-          </a:p>
-        </p:txBody>
-      </p:sp>
-      <p:sp>
-        <p:nvSpPr>
-          <p:cNvPr id="4" name="灯片编号占位符 3"/>
-          <p:cNvSpPr>
-            <a:spLocks noGrp="1"/>
-          </p:cNvSpPr>
-          <p:nvPr>
-            <p:ph type="sldNum" sz="quarter" idx="10"/>
-          </p:nvPr>
-        </p:nvSpPr>
-        <p:spPr/>
-        <p:txBody>
-          <a:bodyPr/>
-          <a:lstStyle/>
-          <a:p>
-            <a:fld id="{7E6D7D06-67E9-4228-9B8A-6529393A6330}" type="slidenum">
+            <a:pPr>
+              <a:defRPr/>
+            </a:pPr>
+            <a:fld id="{CBFB72AA-FFA9-427A-8480-5ACFBD2982FB}" type="slidenum">
               <a:rPr lang="zh-CN" altLang="en-US" smtClean="0"/>
-              <a:t>4</a:t>
+              <a:pPr>
+                <a:defRPr/>
+              </a:pPr>
+              <a:t>3</a:t>
             </a:fld>
-            <a:endParaRPr lang="zh-CN" altLang="en-US"/>
+            <a:endParaRPr lang="en-US" altLang="zh-CN"/>
           </a:p>
         </p:txBody>
       </p:sp>
     </p:spTree>
     <p:extLst>
       <p:ext uri="{BB962C8B-B14F-4D97-AF65-F5344CB8AC3E}">
-        <p14:creationId xmlns:p14="http://schemas.microsoft.com/office/powerpoint/2010/main" val="2226897641"/>
+        <p14:creationId xmlns:p14="http://schemas.microsoft.com/office/powerpoint/2010/main" val="2918840323"/>
+      </p:ext>
+    </p:extLst>
+  </p:cSld>
+  <p:clrMapOvr>
+    <a:masterClrMapping/>
+  </p:clrMapOvr>
+</p:notes>
+</file>
+
+<file path=ppt/notesSlides/notesSlide3.xml><?xml version="1.0" encoding="utf-8"?>
+<p:notes xmlns:a="http://schemas.openxmlformats.org/drawingml/2006/main" xmlns:r="http://schemas.openxmlformats.org/officeDocument/2006/relationships" xmlns:p="http://schemas.openxmlformats.org/presentationml/2006/main">
+  <p:cSld>
+    <p:spTree>
+      <p:nvGrpSpPr>
+        <p:cNvPr id="1" name=""/>
+        <p:cNvGrpSpPr/>
+        <p:nvPr/>
+      </p:nvGrpSpPr>
+      <p:grpSpPr>
+        <a:xfrm>
+          <a:off x="0" y="0"/>
+          <a:ext cx="0" cy="0"/>
+          <a:chOff x="0" y="0"/>
+          <a:chExt cx="0" cy="0"/>
+        </a:xfrm>
+      </p:grpSpPr>
+      <p:sp>
+        <p:nvSpPr>
+          <p:cNvPr id="2" name="幻灯片图像占位符 1"/>
+          <p:cNvSpPr>
+            <a:spLocks noGrp="1" noRot="1" noChangeAspect="1"/>
+          </p:cNvSpPr>
+          <p:nvPr>
+            <p:ph type="sldImg"/>
+          </p:nvPr>
+        </p:nvSpPr>
+        <p:spPr/>
+      </p:sp>
+      <p:sp>
+        <p:nvSpPr>
+          <p:cNvPr id="3" name="备注占位符 2"/>
+          <p:cNvSpPr>
+            <a:spLocks noGrp="1"/>
+          </p:cNvSpPr>
+          <p:nvPr>
+            <p:ph type="body" idx="1"/>
+          </p:nvPr>
+        </p:nvSpPr>
+        <p:spPr/>
+        <p:txBody>
+          <a:bodyPr>
+            <a:normAutofit/>
+          </a:bodyPr>
+          <a:lstStyle/>
+          <a:p>
+            <a:r>
+              <a:rPr lang="zh-CN" altLang="en-US" dirty="0" smtClean="0"/>
+              <a:t>公司内部测试结束前的总结性文档</a:t>
+            </a:r>
+            <a:endParaRPr lang="zh-CN" altLang="en-US" dirty="0"/>
+          </a:p>
+        </p:txBody>
+      </p:sp>
+      <p:sp>
+        <p:nvSpPr>
+          <p:cNvPr id="4" name="灯片编号占位符 3"/>
+          <p:cNvSpPr>
+            <a:spLocks noGrp="1"/>
+          </p:cNvSpPr>
+          <p:nvPr>
+            <p:ph type="sldNum" sz="quarter" idx="10"/>
+          </p:nvPr>
+        </p:nvSpPr>
+        <p:spPr/>
+        <p:txBody>
+          <a:bodyPr/>
+          <a:lstStyle/>
+          <a:p>
+            <a:pPr>
+              <a:defRPr/>
+            </a:pPr>
+            <a:fld id="{CBFB72AA-FFA9-427A-8480-5ACFBD2982FB}" type="slidenum">
+              <a:rPr lang="zh-CN" altLang="en-US" smtClean="0"/>
+              <a:pPr>
+                <a:defRPr/>
+              </a:pPr>
+              <a:t>4</a:t>
+            </a:fld>
+            <a:endParaRPr lang="en-US" altLang="zh-CN"/>
+          </a:p>
+        </p:txBody>
+      </p:sp>
+    </p:spTree>
+    <p:extLst>
+      <p:ext uri="{BB962C8B-B14F-4D97-AF65-F5344CB8AC3E}">
+        <p14:creationId xmlns:p14="http://schemas.microsoft.com/office/powerpoint/2010/main" val="3575227524"/>
+      </p:ext>
+    </p:extLst>
+  </p:cSld>
+  <p:clrMapOvr>
+    <a:masterClrMapping/>
+  </p:clrMapOvr>
+</p:notes>
+</file>
+
+<file path=ppt/notesSlides/notesSlide4.xml><?xml version="1.0" encoding="utf-8"?>
+<p:notes xmlns:a="http://schemas.openxmlformats.org/drawingml/2006/main" xmlns:r="http://schemas.openxmlformats.org/officeDocument/2006/relationships" xmlns:p="http://schemas.openxmlformats.org/presentationml/2006/main">
+  <p:cSld>
+    <p:spTree>
+      <p:nvGrpSpPr>
+        <p:cNvPr id="1" name=""/>
+        <p:cNvGrpSpPr/>
+        <p:nvPr/>
+      </p:nvGrpSpPr>
+      <p:grpSpPr>
+        <a:xfrm>
+          <a:off x="0" y="0"/>
+          <a:ext cx="0" cy="0"/>
+          <a:chOff x="0" y="0"/>
+          <a:chExt cx="0" cy="0"/>
+        </a:xfrm>
+      </p:grpSpPr>
+      <p:sp>
+        <p:nvSpPr>
+          <p:cNvPr id="2" name="幻灯片图像占位符 1"/>
+          <p:cNvSpPr>
+            <a:spLocks noGrp="1" noRot="1" noChangeAspect="1"/>
+          </p:cNvSpPr>
+          <p:nvPr>
+            <p:ph type="sldImg"/>
+          </p:nvPr>
+        </p:nvSpPr>
+        <p:spPr/>
+      </p:sp>
+      <p:sp>
+        <p:nvSpPr>
+          <p:cNvPr id="3" name="备注占位符 2"/>
+          <p:cNvSpPr>
+            <a:spLocks noGrp="1"/>
+          </p:cNvSpPr>
+          <p:nvPr>
+            <p:ph type="body" idx="1"/>
+          </p:nvPr>
+        </p:nvSpPr>
+        <p:spPr/>
+        <p:txBody>
+          <a:bodyPr/>
+          <a:lstStyle/>
+          <a:p>
+            <a:endParaRPr lang="zh-CN" altLang="en-US" dirty="0"/>
+          </a:p>
+        </p:txBody>
+      </p:sp>
+      <p:sp>
+        <p:nvSpPr>
+          <p:cNvPr id="4" name="灯片编号占位符 3"/>
+          <p:cNvSpPr>
+            <a:spLocks noGrp="1"/>
+          </p:cNvSpPr>
+          <p:nvPr>
+            <p:ph type="sldNum" sz="quarter" idx="10"/>
+          </p:nvPr>
+        </p:nvSpPr>
+        <p:spPr/>
+        <p:txBody>
+          <a:bodyPr/>
+          <a:lstStyle/>
+          <a:p>
+            <a:fld id="{7E6D7D06-67E9-4228-9B8A-6529393A6330}" type="slidenum">
+              <a:rPr lang="zh-CN" altLang="en-US" smtClean="0"/>
+              <a:t>5</a:t>
+            </a:fld>
+            <a:endParaRPr lang="zh-CN" altLang="en-US"/>
+          </a:p>
+        </p:txBody>
+      </p:sp>
+    </p:spTree>
+    <p:extLst>
+      <p:ext uri="{BB962C8B-B14F-4D97-AF65-F5344CB8AC3E}">
+        <p14:creationId xmlns:p14="http://schemas.microsoft.com/office/powerpoint/2010/main" val="1849787772"/>
+      </p:ext>
+    </p:extLst>
+  </p:cSld>
+  <p:clrMapOvr>
+    <a:masterClrMapping/>
+  </p:clrMapOvr>
+</p:notes>
+</file>
+
+<file path=ppt/notesSlides/notesSlide5.xml><?xml version="1.0" encoding="utf-8"?>
+<p:notes xmlns:a="http://schemas.openxmlformats.org/drawingml/2006/main" xmlns:r="http://schemas.openxmlformats.org/officeDocument/2006/relationships" xmlns:p="http://schemas.openxmlformats.org/presentationml/2006/main">
+  <p:cSld>
+    <p:spTree>
+      <p:nvGrpSpPr>
+        <p:cNvPr id="1" name=""/>
+        <p:cNvGrpSpPr/>
+        <p:nvPr/>
+      </p:nvGrpSpPr>
+      <p:grpSpPr>
+        <a:xfrm>
+          <a:off x="0" y="0"/>
+          <a:ext cx="0" cy="0"/>
+          <a:chOff x="0" y="0"/>
+          <a:chExt cx="0" cy="0"/>
+        </a:xfrm>
+      </p:grpSpPr>
+      <p:sp>
+        <p:nvSpPr>
+          <p:cNvPr id="2" name="幻灯片图像占位符 1"/>
+          <p:cNvSpPr>
+            <a:spLocks noGrp="1" noRot="1" noChangeAspect="1"/>
+          </p:cNvSpPr>
+          <p:nvPr>
+            <p:ph type="sldImg"/>
+          </p:nvPr>
+        </p:nvSpPr>
+        <p:spPr/>
+      </p:sp>
+      <p:sp>
+        <p:nvSpPr>
+          <p:cNvPr id="3" name="备注占位符 2"/>
+          <p:cNvSpPr>
+            <a:spLocks noGrp="1"/>
+          </p:cNvSpPr>
+          <p:nvPr>
+            <p:ph type="body" idx="1"/>
+          </p:nvPr>
+        </p:nvSpPr>
+        <p:spPr/>
+        <p:txBody>
+          <a:bodyPr/>
+          <a:lstStyle/>
+          <a:p>
+            <a:endParaRPr lang="zh-CN" altLang="en-US" dirty="0"/>
+          </a:p>
+        </p:txBody>
+      </p:sp>
+      <p:sp>
+        <p:nvSpPr>
+          <p:cNvPr id="4" name="灯片编号占位符 3"/>
+          <p:cNvSpPr>
+            <a:spLocks noGrp="1"/>
+          </p:cNvSpPr>
+          <p:nvPr>
+            <p:ph type="sldNum" sz="quarter" idx="10"/>
+          </p:nvPr>
+        </p:nvSpPr>
+        <p:spPr/>
+        <p:txBody>
+          <a:bodyPr/>
+          <a:lstStyle/>
+          <a:p>
+            <a:fld id="{7E6D7D06-67E9-4228-9B8A-6529393A6330}" type="slidenum">
+              <a:rPr lang="zh-CN" altLang="en-US" smtClean="0"/>
+              <a:t>6</a:t>
+            </a:fld>
+            <a:endParaRPr lang="zh-CN" altLang="en-US"/>
+          </a:p>
+        </p:txBody>
+      </p:sp>
+    </p:spTree>
+    <p:extLst>
+      <p:ext uri="{BB962C8B-B14F-4D97-AF65-F5344CB8AC3E}">
+        <p14:creationId xmlns:p14="http://schemas.microsoft.com/office/powerpoint/2010/main" val="746435293"/>
       </p:ext>
     </p:extLst>
   </p:cSld>
@@ -1024,7 +1312,7 @@
 </file>
 
 <file path=ppt/slideLayouts/slideLayout1.xml><?xml version="1.0" encoding="utf-8"?>
-<p:sldLayout xmlns:a="http://schemas.openxmlformats.org/drawingml/2006/main" xmlns:r="http://schemas.openxmlformats.org/officeDocument/2006/relationships" xmlns:p="http://schemas.openxmlformats.org/presentationml/2006/main" showMasterSp="0" type="title" preserve="1">
+<p:sldLayout xmlns:a="http://schemas.openxmlformats.org/drawingml/2006/main" xmlns:r="http://schemas.openxmlformats.org/officeDocument/2006/relationships" xmlns:p="http://schemas.openxmlformats.org/presentationml/2006/main" type="title" preserve="1">
   <p:cSld name="标题幻灯片">
     <p:spTree>
       <p:nvGrpSpPr>
@@ -1042,112 +1330,6 @@
       </p:grpSpPr>
       <p:sp>
         <p:nvSpPr>
-          <p:cNvPr id="4" name="AutoShape 7"/>
-          <p:cNvSpPr>
-            <a:spLocks noChangeArrowheads="1"/>
-          </p:cNvSpPr>
-          <p:nvPr/>
-        </p:nvSpPr>
-        <p:spPr bwMode="auto">
-          <a:xfrm>
-            <a:off x="685800" y="2393950"/>
-            <a:ext cx="7772400" cy="109538"/>
-          </a:xfrm>
-          <a:custGeom>
-            <a:avLst/>
-            <a:gdLst>
-              <a:gd name="T0" fmla="*/ 0 w 1000"/>
-              <a:gd name="T1" fmla="*/ 0 h 1000"/>
-              <a:gd name="T2" fmla="*/ 618 w 1000"/>
-              <a:gd name="T3" fmla="*/ 0 h 1000"/>
-              <a:gd name="T4" fmla="*/ 618 w 1000"/>
-              <a:gd name="T5" fmla="*/ 1000 h 1000"/>
-              <a:gd name="T6" fmla="*/ 0 w 1000"/>
-              <a:gd name="T7" fmla="*/ 1000 h 1000"/>
-              <a:gd name="T8" fmla="*/ 0 w 1000"/>
-              <a:gd name="T9" fmla="*/ 0 h 1000"/>
-              <a:gd name="T10" fmla="*/ 1000 w 1000"/>
-              <a:gd name="T11" fmla="*/ 0 h 1000"/>
-              <a:gd name="T12" fmla="*/ 0 60000 65536"/>
-              <a:gd name="T13" fmla="*/ 0 60000 65536"/>
-              <a:gd name="T14" fmla="*/ 0 60000 65536"/>
-              <a:gd name="T15" fmla="*/ 0 60000 65536"/>
-              <a:gd name="T16" fmla="*/ 0 60000 65536"/>
-              <a:gd name="T17" fmla="*/ 0 60000 65536"/>
-            </a:gdLst>
-            <a:ahLst/>
-            <a:cxnLst>
-              <a:cxn ang="T12">
-                <a:pos x="T0" y="T1"/>
-              </a:cxn>
-              <a:cxn ang="T13">
-                <a:pos x="T2" y="T3"/>
-              </a:cxn>
-              <a:cxn ang="T14">
-                <a:pos x="T4" y="T5"/>
-              </a:cxn>
-              <a:cxn ang="T15">
-                <a:pos x="T6" y="T7"/>
-              </a:cxn>
-              <a:cxn ang="T16">
-                <a:pos x="T8" y="T9"/>
-              </a:cxn>
-              <a:cxn ang="T17">
-                <a:pos x="T10" y="T11"/>
-              </a:cxn>
-            </a:cxnLst>
-            <a:rect l="0" t="0" r="r" b="b"/>
-            <a:pathLst>
-              <a:path w="1000" h="1000" stroke="0">
-                <a:moveTo>
-                  <a:pt x="0" y="0"/>
-                </a:moveTo>
-                <a:lnTo>
-                  <a:pt x="618" y="0"/>
-                </a:lnTo>
-                <a:lnTo>
-                  <a:pt x="618" y="1000"/>
-                </a:lnTo>
-                <a:lnTo>
-                  <a:pt x="0" y="1000"/>
-                </a:lnTo>
-                <a:lnTo>
-                  <a:pt x="0" y="0"/>
-                </a:lnTo>
-                <a:close/>
-              </a:path>
-              <a:path w="1000" h="1000">
-                <a:moveTo>
-                  <a:pt x="0" y="0"/>
-                </a:moveTo>
-                <a:lnTo>
-                  <a:pt x="1000" y="0"/>
-                </a:lnTo>
-              </a:path>
-            </a:pathLst>
-          </a:custGeom>
-          <a:solidFill>
-            <a:schemeClr val="accent2"/>
-          </a:solidFill>
-          <a:ln w="9525">
-            <a:solidFill>
-              <a:schemeClr val="accent2"/>
-            </a:solidFill>
-            <a:round/>
-            <a:headEnd/>
-            <a:tailEnd/>
-          </a:ln>
-        </p:spPr>
-        <p:txBody>
-          <a:bodyPr/>
-          <a:lstStyle/>
-          <a:p>
-            <a:endParaRPr lang="zh-CN" altLang="en-US"/>
-          </a:p>
-        </p:txBody>
-      </p:sp>
-      <p:sp>
-        <p:nvSpPr>
           <p:cNvPr id="184322" name="Rectangle 2"/>
           <p:cNvSpPr>
             <a:spLocks noGrp="1" noChangeArrowheads="1"/>
@@ -1158,8 +1340,8 @@
         </p:nvSpPr>
         <p:spPr>
           <a:xfrm>
-            <a:off x="685800" y="990600"/>
-            <a:ext cx="7772400" cy="1371600"/>
+            <a:off x="1055440" y="1484784"/>
+            <a:ext cx="10363200" cy="1128192"/>
           </a:xfrm>
         </p:spPr>
         <p:txBody>
@@ -1171,7 +1353,7 @@
           </a:lstStyle>
           <a:p>
             <a:r>
-              <a:rPr lang="zh-CN" altLang="en-US"/>
+              <a:rPr lang="zh-CN" altLang="en-US" dirty="0"/>
               <a:t>单击此处编辑母版标题样式</a:t>
             </a:r>
           </a:p>
@@ -1189,8 +1371,8 @@
         </p:nvSpPr>
         <p:spPr>
           <a:xfrm>
-            <a:off x="1447800" y="3429000"/>
-            <a:ext cx="7010400" cy="1600200"/>
+            <a:off x="1930400" y="3429000"/>
+            <a:ext cx="9347200" cy="1600200"/>
           </a:xfrm>
         </p:spPr>
         <p:txBody>
@@ -1204,790 +1386,51 @@
           </a:lstStyle>
           <a:p>
             <a:r>
-              <a:rPr lang="zh-CN" altLang="en-US"/>
+              <a:rPr lang="zh-CN" altLang="en-US" dirty="0"/>
               <a:t>单击此处编辑母版副标题样式</a:t>
             </a:r>
           </a:p>
         </p:txBody>
       </p:sp>
-      <p:sp>
-        <p:nvSpPr>
-          <p:cNvPr id="5" name="Rectangle 4"/>
-          <p:cNvSpPr>
-            <a:spLocks noGrp="1" noChangeArrowheads="1"/>
-          </p:cNvSpPr>
-          <p:nvPr>
-            <p:ph type="dt" sz="half" idx="10"/>
-          </p:nvPr>
-        </p:nvSpPr>
+      <p:pic>
+        <p:nvPicPr>
+          <p:cNvPr id="8" name="图片 7"/>
+          <p:cNvPicPr>
+            <a:picLocks noChangeAspect="1"/>
+          </p:cNvPicPr>
+          <p:nvPr userDrawn="1"/>
+        </p:nvPicPr>
+        <p:blipFill>
+          <a:blip r:embed="rId2">
+            <a:clrChange>
+              <a:clrFrom>
+                <a:srgbClr val="F5F5F5"/>
+              </a:clrFrom>
+              <a:clrTo>
+                <a:srgbClr val="F5F5F5">
+                  <a:alpha val="0"/>
+                </a:srgbClr>
+              </a:clrTo>
+            </a:clrChange>
+          </a:blip>
+          <a:stretch>
+            <a:fillRect/>
+          </a:stretch>
+        </p:blipFill>
         <p:spPr>
           <a:xfrm>
-            <a:off x="685800" y="6248400"/>
-            <a:ext cx="1905000" cy="457200"/>
+            <a:off x="263352" y="6093296"/>
+            <a:ext cx="3209524" cy="647619"/>
           </a:xfrm>
+          <a:prstGeom prst="rect">
+            <a:avLst/>
+          </a:prstGeom>
         </p:spPr>
-        <p:txBody>
-          <a:bodyPr/>
-          <a:lstStyle>
-            <a:lvl1pPr>
-              <a:defRPr/>
-            </a:lvl1pPr>
-          </a:lstStyle>
-          <a:p>
-            <a:pPr>
-              <a:defRPr/>
-            </a:pPr>
-            <a:endParaRPr lang="en-US" altLang="zh-CN"/>
-          </a:p>
-        </p:txBody>
-      </p:sp>
-      <p:sp>
-        <p:nvSpPr>
-          <p:cNvPr id="6" name="Rectangle 5"/>
-          <p:cNvSpPr>
-            <a:spLocks noGrp="1" noChangeArrowheads="1"/>
-          </p:cNvSpPr>
-          <p:nvPr>
-            <p:ph type="ftr" sz="quarter" idx="11"/>
-          </p:nvPr>
-        </p:nvSpPr>
-        <p:spPr>
-          <a:xfrm>
-            <a:off x="3124200" y="6248400"/>
-            <a:ext cx="2895600" cy="457200"/>
-          </a:xfrm>
-        </p:spPr>
-        <p:txBody>
-          <a:bodyPr/>
-          <a:lstStyle>
-            <a:lvl1pPr>
-              <a:defRPr/>
-            </a:lvl1pPr>
-          </a:lstStyle>
-          <a:p>
-            <a:pPr>
-              <a:defRPr/>
-            </a:pPr>
-            <a:endParaRPr lang="en-US" altLang="zh-CN"/>
-          </a:p>
-        </p:txBody>
-      </p:sp>
-      <p:sp>
-        <p:nvSpPr>
-          <p:cNvPr id="7" name="Rectangle 6"/>
-          <p:cNvSpPr>
-            <a:spLocks noGrp="1" noChangeArrowheads="1"/>
-          </p:cNvSpPr>
-          <p:nvPr>
-            <p:ph type="sldNum" sz="quarter" idx="12"/>
-          </p:nvPr>
-        </p:nvSpPr>
-        <p:spPr>
-          <a:xfrm>
-            <a:off x="6553200" y="6248400"/>
-            <a:ext cx="1905000" cy="457200"/>
-          </a:xfrm>
-        </p:spPr>
-        <p:txBody>
-          <a:bodyPr/>
-          <a:lstStyle>
-            <a:lvl1pPr>
-              <a:defRPr/>
-            </a:lvl1pPr>
-          </a:lstStyle>
-          <a:p>
-            <a:pPr>
-              <a:defRPr/>
-            </a:pPr>
-            <a:fld id="{4B473F04-6514-4734-848C-F892F99C2705}" type="slidenum">
-              <a:rPr lang="en-US" altLang="zh-CN"/>
-              <a:pPr>
-                <a:defRPr/>
-              </a:pPr>
-              <a:t>‹#›</a:t>
-            </a:fld>
-            <a:endParaRPr lang="en-US" altLang="zh-CN"/>
-          </a:p>
-        </p:txBody>
-      </p:sp>
+      </p:pic>
     </p:spTree>
     <p:extLst>
       <p:ext uri="{BB962C8B-B14F-4D97-AF65-F5344CB8AC3E}">
-        <p14:creationId xmlns:p14="http://schemas.microsoft.com/office/powerpoint/2010/main" val="1552497040"/>
-      </p:ext>
-    </p:extLst>
-  </p:cSld>
-  <p:clrMapOvr>
-    <a:masterClrMapping/>
-  </p:clrMapOvr>
-  <p:transition>
-    <p:blinds dir="vert"/>
-  </p:transition>
-</p:sldLayout>
-</file>
-
-<file path=ppt/slideLayouts/slideLayout10.xml><?xml version="1.0" encoding="utf-8"?>
-<p:sldLayout xmlns:a="http://schemas.openxmlformats.org/drawingml/2006/main" xmlns:r="http://schemas.openxmlformats.org/officeDocument/2006/relationships" xmlns:p="http://schemas.openxmlformats.org/presentationml/2006/main" type="vertTx" preserve="1">
-  <p:cSld name="标题和竖排文字">
-    <p:spTree>
-      <p:nvGrpSpPr>
-        <p:cNvPr id="1" name=""/>
-        <p:cNvGrpSpPr/>
-        <p:nvPr/>
-      </p:nvGrpSpPr>
-      <p:grpSpPr>
-        <a:xfrm>
-          <a:off x="0" y="0"/>
-          <a:ext cx="0" cy="0"/>
-          <a:chOff x="0" y="0"/>
-          <a:chExt cx="0" cy="0"/>
-        </a:xfrm>
-      </p:grpSpPr>
-      <p:sp>
-        <p:nvSpPr>
-          <p:cNvPr id="2" name="标题 1"/>
-          <p:cNvSpPr>
-            <a:spLocks noGrp="1"/>
-          </p:cNvSpPr>
-          <p:nvPr>
-            <p:ph type="title"/>
-          </p:nvPr>
-        </p:nvSpPr>
-        <p:spPr/>
-        <p:txBody>
-          <a:bodyPr/>
-          <a:lstStyle/>
-          <a:p>
-            <a:r>
-              <a:rPr lang="zh-CN" altLang="en-US" smtClean="0"/>
-              <a:t>单击此处编辑母版标题样式</a:t>
-            </a:r>
-            <a:endParaRPr lang="zh-CN" altLang="en-US"/>
-          </a:p>
-        </p:txBody>
-      </p:sp>
-      <p:sp>
-        <p:nvSpPr>
-          <p:cNvPr id="3" name="竖排文字占位符 2"/>
-          <p:cNvSpPr>
-            <a:spLocks noGrp="1"/>
-          </p:cNvSpPr>
-          <p:nvPr>
-            <p:ph type="body" orient="vert" idx="1"/>
-          </p:nvPr>
-        </p:nvSpPr>
-        <p:spPr/>
-        <p:txBody>
-          <a:bodyPr vert="eaVert"/>
-          <a:lstStyle/>
-          <a:p>
-            <a:pPr lvl="0"/>
-            <a:r>
-              <a:rPr lang="zh-CN" altLang="en-US" smtClean="0"/>
-              <a:t>单击此处编辑母版文本样式</a:t>
-            </a:r>
-          </a:p>
-          <a:p>
-            <a:pPr lvl="1"/>
-            <a:r>
-              <a:rPr lang="zh-CN" altLang="en-US" smtClean="0"/>
-              <a:t>第二级</a:t>
-            </a:r>
-          </a:p>
-          <a:p>
-            <a:pPr lvl="2"/>
-            <a:r>
-              <a:rPr lang="zh-CN" altLang="en-US" smtClean="0"/>
-              <a:t>第三级</a:t>
-            </a:r>
-          </a:p>
-          <a:p>
-            <a:pPr lvl="3"/>
-            <a:r>
-              <a:rPr lang="zh-CN" altLang="en-US" smtClean="0"/>
-              <a:t>第四级</a:t>
-            </a:r>
-          </a:p>
-          <a:p>
-            <a:pPr lvl="4"/>
-            <a:r>
-              <a:rPr lang="zh-CN" altLang="en-US" smtClean="0"/>
-              <a:t>第五级</a:t>
-            </a:r>
-            <a:endParaRPr lang="zh-CN" altLang="en-US"/>
-          </a:p>
-        </p:txBody>
-      </p:sp>
-      <p:sp>
-        <p:nvSpPr>
-          <p:cNvPr id="4" name="Rectangle 6"/>
-          <p:cNvSpPr>
-            <a:spLocks noGrp="1" noChangeArrowheads="1"/>
-          </p:cNvSpPr>
-          <p:nvPr>
-            <p:ph type="dt" sz="half" idx="10"/>
-          </p:nvPr>
-        </p:nvSpPr>
-        <p:spPr>
-          <a:ln/>
-        </p:spPr>
-        <p:txBody>
-          <a:bodyPr/>
-          <a:lstStyle>
-            <a:lvl1pPr>
-              <a:defRPr/>
-            </a:lvl1pPr>
-          </a:lstStyle>
-          <a:p>
-            <a:pPr>
-              <a:defRPr/>
-            </a:pPr>
-            <a:endParaRPr lang="en-US" altLang="zh-CN"/>
-          </a:p>
-        </p:txBody>
-      </p:sp>
-      <p:sp>
-        <p:nvSpPr>
-          <p:cNvPr id="5" name="Rectangle 7"/>
-          <p:cNvSpPr>
-            <a:spLocks noGrp="1" noChangeArrowheads="1"/>
-          </p:cNvSpPr>
-          <p:nvPr>
-            <p:ph type="ftr" sz="quarter" idx="11"/>
-          </p:nvPr>
-        </p:nvSpPr>
-        <p:spPr>
-          <a:ln/>
-        </p:spPr>
-        <p:txBody>
-          <a:bodyPr/>
-          <a:lstStyle>
-            <a:lvl1pPr>
-              <a:defRPr/>
-            </a:lvl1pPr>
-          </a:lstStyle>
-          <a:p>
-            <a:pPr>
-              <a:defRPr/>
-            </a:pPr>
-            <a:endParaRPr lang="en-US" altLang="zh-CN"/>
-          </a:p>
-        </p:txBody>
-      </p:sp>
-      <p:sp>
-        <p:nvSpPr>
-          <p:cNvPr id="6" name="Rectangle 8"/>
-          <p:cNvSpPr>
-            <a:spLocks noGrp="1" noChangeArrowheads="1"/>
-          </p:cNvSpPr>
-          <p:nvPr>
-            <p:ph type="sldNum" sz="quarter" idx="12"/>
-          </p:nvPr>
-        </p:nvSpPr>
-        <p:spPr>
-          <a:ln/>
-        </p:spPr>
-        <p:txBody>
-          <a:bodyPr/>
-          <a:lstStyle>
-            <a:lvl1pPr>
-              <a:defRPr/>
-            </a:lvl1pPr>
-          </a:lstStyle>
-          <a:p>
-            <a:pPr>
-              <a:defRPr/>
-            </a:pPr>
-            <a:fld id="{4E4AAC41-EA36-4A53-B79A-D9BF33D13E05}" type="slidenum">
-              <a:rPr lang="en-US" altLang="zh-CN"/>
-              <a:pPr>
-                <a:defRPr/>
-              </a:pPr>
-              <a:t>‹#›</a:t>
-            </a:fld>
-            <a:endParaRPr lang="en-US" altLang="zh-CN"/>
-          </a:p>
-        </p:txBody>
-      </p:sp>
-    </p:spTree>
-    <p:extLst>
-      <p:ext uri="{BB962C8B-B14F-4D97-AF65-F5344CB8AC3E}">
-        <p14:creationId xmlns:p14="http://schemas.microsoft.com/office/powerpoint/2010/main" val="1448112041"/>
-      </p:ext>
-    </p:extLst>
-  </p:cSld>
-  <p:clrMapOvr>
-    <a:masterClrMapping/>
-  </p:clrMapOvr>
-  <p:transition>
-    <p:blinds dir="vert"/>
-  </p:transition>
-</p:sldLayout>
-</file>
-
-<file path=ppt/slideLayouts/slideLayout11.xml><?xml version="1.0" encoding="utf-8"?>
-<p:sldLayout xmlns:a="http://schemas.openxmlformats.org/drawingml/2006/main" xmlns:r="http://schemas.openxmlformats.org/officeDocument/2006/relationships" xmlns:p="http://schemas.openxmlformats.org/presentationml/2006/main" type="vertTitleAndTx" preserve="1">
-  <p:cSld name="垂直排列标题与文本">
-    <p:spTree>
-      <p:nvGrpSpPr>
-        <p:cNvPr id="1" name=""/>
-        <p:cNvGrpSpPr/>
-        <p:nvPr/>
-      </p:nvGrpSpPr>
-      <p:grpSpPr>
-        <a:xfrm>
-          <a:off x="0" y="0"/>
-          <a:ext cx="0" cy="0"/>
-          <a:chOff x="0" y="0"/>
-          <a:chExt cx="0" cy="0"/>
-        </a:xfrm>
-      </p:grpSpPr>
-      <p:sp>
-        <p:nvSpPr>
-          <p:cNvPr id="2" name="竖排标题 1"/>
-          <p:cNvSpPr>
-            <a:spLocks noGrp="1"/>
-          </p:cNvSpPr>
-          <p:nvPr>
-            <p:ph type="title" orient="vert"/>
-          </p:nvPr>
-        </p:nvSpPr>
-        <p:spPr>
-          <a:xfrm>
-            <a:off x="6573838" y="304800"/>
-            <a:ext cx="2001837" cy="5715000"/>
-          </a:xfrm>
-        </p:spPr>
-        <p:txBody>
-          <a:bodyPr vert="eaVert"/>
-          <a:lstStyle/>
-          <a:p>
-            <a:r>
-              <a:rPr lang="zh-CN" altLang="en-US" smtClean="0"/>
-              <a:t>单击此处编辑母版标题样式</a:t>
-            </a:r>
-            <a:endParaRPr lang="zh-CN" altLang="en-US"/>
-          </a:p>
-        </p:txBody>
-      </p:sp>
-      <p:sp>
-        <p:nvSpPr>
-          <p:cNvPr id="3" name="竖排文字占位符 2"/>
-          <p:cNvSpPr>
-            <a:spLocks noGrp="1"/>
-          </p:cNvSpPr>
-          <p:nvPr>
-            <p:ph type="body" orient="vert" idx="1"/>
-          </p:nvPr>
-        </p:nvSpPr>
-        <p:spPr>
-          <a:xfrm>
-            <a:off x="566738" y="304800"/>
-            <a:ext cx="5854700" cy="5715000"/>
-          </a:xfrm>
-        </p:spPr>
-        <p:txBody>
-          <a:bodyPr vert="eaVert"/>
-          <a:lstStyle/>
-          <a:p>
-            <a:pPr lvl="0"/>
-            <a:r>
-              <a:rPr lang="zh-CN" altLang="en-US" smtClean="0"/>
-              <a:t>单击此处编辑母版文本样式</a:t>
-            </a:r>
-          </a:p>
-          <a:p>
-            <a:pPr lvl="1"/>
-            <a:r>
-              <a:rPr lang="zh-CN" altLang="en-US" smtClean="0"/>
-              <a:t>第二级</a:t>
-            </a:r>
-          </a:p>
-          <a:p>
-            <a:pPr lvl="2"/>
-            <a:r>
-              <a:rPr lang="zh-CN" altLang="en-US" smtClean="0"/>
-              <a:t>第三级</a:t>
-            </a:r>
-          </a:p>
-          <a:p>
-            <a:pPr lvl="3"/>
-            <a:r>
-              <a:rPr lang="zh-CN" altLang="en-US" smtClean="0"/>
-              <a:t>第四级</a:t>
-            </a:r>
-          </a:p>
-          <a:p>
-            <a:pPr lvl="4"/>
-            <a:r>
-              <a:rPr lang="zh-CN" altLang="en-US" smtClean="0"/>
-              <a:t>第五级</a:t>
-            </a:r>
-            <a:endParaRPr lang="zh-CN" altLang="en-US"/>
-          </a:p>
-        </p:txBody>
-      </p:sp>
-      <p:sp>
-        <p:nvSpPr>
-          <p:cNvPr id="4" name="Rectangle 6"/>
-          <p:cNvSpPr>
-            <a:spLocks noGrp="1" noChangeArrowheads="1"/>
-          </p:cNvSpPr>
-          <p:nvPr>
-            <p:ph type="dt" sz="half" idx="10"/>
-          </p:nvPr>
-        </p:nvSpPr>
-        <p:spPr>
-          <a:ln/>
-        </p:spPr>
-        <p:txBody>
-          <a:bodyPr/>
-          <a:lstStyle>
-            <a:lvl1pPr>
-              <a:defRPr/>
-            </a:lvl1pPr>
-          </a:lstStyle>
-          <a:p>
-            <a:pPr>
-              <a:defRPr/>
-            </a:pPr>
-            <a:endParaRPr lang="en-US" altLang="zh-CN"/>
-          </a:p>
-        </p:txBody>
-      </p:sp>
-      <p:sp>
-        <p:nvSpPr>
-          <p:cNvPr id="5" name="Rectangle 7"/>
-          <p:cNvSpPr>
-            <a:spLocks noGrp="1" noChangeArrowheads="1"/>
-          </p:cNvSpPr>
-          <p:nvPr>
-            <p:ph type="ftr" sz="quarter" idx="11"/>
-          </p:nvPr>
-        </p:nvSpPr>
-        <p:spPr>
-          <a:ln/>
-        </p:spPr>
-        <p:txBody>
-          <a:bodyPr/>
-          <a:lstStyle>
-            <a:lvl1pPr>
-              <a:defRPr/>
-            </a:lvl1pPr>
-          </a:lstStyle>
-          <a:p>
-            <a:pPr>
-              <a:defRPr/>
-            </a:pPr>
-            <a:endParaRPr lang="en-US" altLang="zh-CN"/>
-          </a:p>
-        </p:txBody>
-      </p:sp>
-      <p:sp>
-        <p:nvSpPr>
-          <p:cNvPr id="6" name="Rectangle 8"/>
-          <p:cNvSpPr>
-            <a:spLocks noGrp="1" noChangeArrowheads="1"/>
-          </p:cNvSpPr>
-          <p:nvPr>
-            <p:ph type="sldNum" sz="quarter" idx="12"/>
-          </p:nvPr>
-        </p:nvSpPr>
-        <p:spPr>
-          <a:ln/>
-        </p:spPr>
-        <p:txBody>
-          <a:bodyPr/>
-          <a:lstStyle>
-            <a:lvl1pPr>
-              <a:defRPr/>
-            </a:lvl1pPr>
-          </a:lstStyle>
-          <a:p>
-            <a:pPr>
-              <a:defRPr/>
-            </a:pPr>
-            <a:fld id="{544A7B6D-62B6-4537-809E-ABDC6B07BA51}" type="slidenum">
-              <a:rPr lang="en-US" altLang="zh-CN"/>
-              <a:pPr>
-                <a:defRPr/>
-              </a:pPr>
-              <a:t>‹#›</a:t>
-            </a:fld>
-            <a:endParaRPr lang="en-US" altLang="zh-CN"/>
-          </a:p>
-        </p:txBody>
-      </p:sp>
-    </p:spTree>
-    <p:extLst>
-      <p:ext uri="{BB962C8B-B14F-4D97-AF65-F5344CB8AC3E}">
-        <p14:creationId xmlns:p14="http://schemas.microsoft.com/office/powerpoint/2010/main" val="3955271555"/>
-      </p:ext>
-    </p:extLst>
-  </p:cSld>
-  <p:clrMapOvr>
-    <a:masterClrMapping/>
-  </p:clrMapOvr>
-  <p:transition>
-    <p:blinds dir="vert"/>
-  </p:transition>
-</p:sldLayout>
-</file>
-
-<file path=ppt/slideLayouts/slideLayout12.xml><?xml version="1.0" encoding="utf-8"?>
-<p:sldLayout xmlns:a="http://schemas.openxmlformats.org/drawingml/2006/main" xmlns:r="http://schemas.openxmlformats.org/officeDocument/2006/relationships" xmlns:p="http://schemas.openxmlformats.org/presentationml/2006/main" type="txAndObj" preserve="1">
-  <p:cSld name="标题，文本与内容">
-    <p:spTree>
-      <p:nvGrpSpPr>
-        <p:cNvPr id="1" name=""/>
-        <p:cNvGrpSpPr/>
-        <p:nvPr/>
-      </p:nvGrpSpPr>
-      <p:grpSpPr>
-        <a:xfrm>
-          <a:off x="0" y="0"/>
-          <a:ext cx="0" cy="0"/>
-          <a:chOff x="0" y="0"/>
-          <a:chExt cx="0" cy="0"/>
-        </a:xfrm>
-      </p:grpSpPr>
-      <p:sp>
-        <p:nvSpPr>
-          <p:cNvPr id="2" name="标题 1"/>
-          <p:cNvSpPr>
-            <a:spLocks noGrp="1"/>
-          </p:cNvSpPr>
-          <p:nvPr>
-            <p:ph type="title"/>
-          </p:nvPr>
-        </p:nvSpPr>
-        <p:spPr>
-          <a:xfrm>
-            <a:off x="574675" y="304800"/>
-            <a:ext cx="8001000" cy="1216025"/>
-          </a:xfrm>
-        </p:spPr>
-        <p:txBody>
-          <a:bodyPr/>
-          <a:lstStyle/>
-          <a:p>
-            <a:r>
-              <a:rPr lang="zh-CN" altLang="en-US" smtClean="0"/>
-              <a:t>单击此处编辑母版标题样式</a:t>
-            </a:r>
-            <a:endParaRPr lang="zh-CN" altLang="en-US"/>
-          </a:p>
-        </p:txBody>
-      </p:sp>
-      <p:sp>
-        <p:nvSpPr>
-          <p:cNvPr id="3" name="文本占位符 2"/>
-          <p:cNvSpPr>
-            <a:spLocks noGrp="1"/>
-          </p:cNvSpPr>
-          <p:nvPr>
-            <p:ph type="body" sz="half" idx="1"/>
-          </p:nvPr>
-        </p:nvSpPr>
-        <p:spPr>
-          <a:xfrm>
-            <a:off x="566738" y="1752600"/>
-            <a:ext cx="3924300" cy="4267200"/>
-          </a:xfrm>
-        </p:spPr>
-        <p:txBody>
-          <a:bodyPr/>
-          <a:lstStyle/>
-          <a:p>
-            <a:pPr lvl="0"/>
-            <a:r>
-              <a:rPr lang="zh-CN" altLang="en-US" smtClean="0"/>
-              <a:t>单击此处编辑母版文本样式</a:t>
-            </a:r>
-          </a:p>
-          <a:p>
-            <a:pPr lvl="1"/>
-            <a:r>
-              <a:rPr lang="zh-CN" altLang="en-US" smtClean="0"/>
-              <a:t>第二级</a:t>
-            </a:r>
-          </a:p>
-          <a:p>
-            <a:pPr lvl="2"/>
-            <a:r>
-              <a:rPr lang="zh-CN" altLang="en-US" smtClean="0"/>
-              <a:t>第三级</a:t>
-            </a:r>
-          </a:p>
-          <a:p>
-            <a:pPr lvl="3"/>
-            <a:r>
-              <a:rPr lang="zh-CN" altLang="en-US" smtClean="0"/>
-              <a:t>第四级</a:t>
-            </a:r>
-          </a:p>
-          <a:p>
-            <a:pPr lvl="4"/>
-            <a:r>
-              <a:rPr lang="zh-CN" altLang="en-US" smtClean="0"/>
-              <a:t>第五级</a:t>
-            </a:r>
-            <a:endParaRPr lang="zh-CN" altLang="en-US"/>
-          </a:p>
-        </p:txBody>
-      </p:sp>
-      <p:sp>
-        <p:nvSpPr>
-          <p:cNvPr id="4" name="内容占位符 3"/>
-          <p:cNvSpPr>
-            <a:spLocks noGrp="1"/>
-          </p:cNvSpPr>
-          <p:nvPr>
-            <p:ph sz="half" idx="2"/>
-          </p:nvPr>
-        </p:nvSpPr>
-        <p:spPr>
-          <a:xfrm>
-            <a:off x="4643438" y="1752600"/>
-            <a:ext cx="3924300" cy="4267200"/>
-          </a:xfrm>
-        </p:spPr>
-        <p:txBody>
-          <a:bodyPr/>
-          <a:lstStyle/>
-          <a:p>
-            <a:pPr lvl="0"/>
-            <a:r>
-              <a:rPr lang="zh-CN" altLang="en-US" smtClean="0"/>
-              <a:t>单击此处编辑母版文本样式</a:t>
-            </a:r>
-          </a:p>
-          <a:p>
-            <a:pPr lvl="1"/>
-            <a:r>
-              <a:rPr lang="zh-CN" altLang="en-US" smtClean="0"/>
-              <a:t>第二级</a:t>
-            </a:r>
-          </a:p>
-          <a:p>
-            <a:pPr lvl="2"/>
-            <a:r>
-              <a:rPr lang="zh-CN" altLang="en-US" smtClean="0"/>
-              <a:t>第三级</a:t>
-            </a:r>
-          </a:p>
-          <a:p>
-            <a:pPr lvl="3"/>
-            <a:r>
-              <a:rPr lang="zh-CN" altLang="en-US" smtClean="0"/>
-              <a:t>第四级</a:t>
-            </a:r>
-          </a:p>
-          <a:p>
-            <a:pPr lvl="4"/>
-            <a:r>
-              <a:rPr lang="zh-CN" altLang="en-US" smtClean="0"/>
-              <a:t>第五级</a:t>
-            </a:r>
-            <a:endParaRPr lang="zh-CN" altLang="en-US"/>
-          </a:p>
-        </p:txBody>
-      </p:sp>
-      <p:sp>
-        <p:nvSpPr>
-          <p:cNvPr id="5" name="Rectangle 6"/>
-          <p:cNvSpPr>
-            <a:spLocks noGrp="1" noChangeArrowheads="1"/>
-          </p:cNvSpPr>
-          <p:nvPr>
-            <p:ph type="dt" sz="half" idx="10"/>
-          </p:nvPr>
-        </p:nvSpPr>
-        <p:spPr>
-          <a:ln/>
-        </p:spPr>
-        <p:txBody>
-          <a:bodyPr/>
-          <a:lstStyle>
-            <a:lvl1pPr>
-              <a:defRPr/>
-            </a:lvl1pPr>
-          </a:lstStyle>
-          <a:p>
-            <a:pPr>
-              <a:defRPr/>
-            </a:pPr>
-            <a:endParaRPr lang="en-US" altLang="zh-CN"/>
-          </a:p>
-        </p:txBody>
-      </p:sp>
-      <p:sp>
-        <p:nvSpPr>
-          <p:cNvPr id="6" name="Rectangle 7"/>
-          <p:cNvSpPr>
-            <a:spLocks noGrp="1" noChangeArrowheads="1"/>
-          </p:cNvSpPr>
-          <p:nvPr>
-            <p:ph type="ftr" sz="quarter" idx="11"/>
-          </p:nvPr>
-        </p:nvSpPr>
-        <p:spPr>
-          <a:ln/>
-        </p:spPr>
-        <p:txBody>
-          <a:bodyPr/>
-          <a:lstStyle>
-            <a:lvl1pPr>
-              <a:defRPr/>
-            </a:lvl1pPr>
-          </a:lstStyle>
-          <a:p>
-            <a:pPr>
-              <a:defRPr/>
-            </a:pPr>
-            <a:endParaRPr lang="en-US" altLang="zh-CN"/>
-          </a:p>
-        </p:txBody>
-      </p:sp>
-      <p:sp>
-        <p:nvSpPr>
-          <p:cNvPr id="7" name="Rectangle 8"/>
-          <p:cNvSpPr>
-            <a:spLocks noGrp="1" noChangeArrowheads="1"/>
-          </p:cNvSpPr>
-          <p:nvPr>
-            <p:ph type="sldNum" sz="quarter" idx="12"/>
-          </p:nvPr>
-        </p:nvSpPr>
-        <p:spPr>
-          <a:ln/>
-        </p:spPr>
-        <p:txBody>
-          <a:bodyPr/>
-          <a:lstStyle>
-            <a:lvl1pPr>
-              <a:defRPr/>
-            </a:lvl1pPr>
-          </a:lstStyle>
-          <a:p>
-            <a:pPr>
-              <a:defRPr/>
-            </a:pPr>
-            <a:fld id="{80EFA88B-FF8D-4C74-A1F1-4BDE2EC13198}" type="slidenum">
-              <a:rPr lang="en-US" altLang="zh-CN"/>
-              <a:pPr>
-                <a:defRPr/>
-              </a:pPr>
-              <a:t>‹#›</a:t>
-            </a:fld>
-            <a:endParaRPr lang="en-US" altLang="zh-CN"/>
-          </a:p>
-        </p:txBody>
-      </p:sp>
-    </p:spTree>
-    <p:extLst>
-      <p:ext uri="{BB962C8B-B14F-4D97-AF65-F5344CB8AC3E}">
-        <p14:creationId xmlns:p14="http://schemas.microsoft.com/office/powerpoint/2010/main" val="90479454"/>
+        <p14:creationId xmlns:p14="http://schemas.microsoft.com/office/powerpoint/2010/main" val="2717098660"/>
       </p:ext>
     </p:extLst>
   </p:cSld>
@@ -2030,13 +1473,19 @@
         <p:spPr/>
         <p:txBody>
           <a:bodyPr/>
-          <a:lstStyle/>
-          <a:p>
-            <a:r>
-              <a:rPr lang="zh-CN" altLang="en-US" smtClean="0"/>
+          <a:lstStyle>
+            <a:lvl1pPr>
+              <a:defRPr baseline="0">
+                <a:ea typeface="楷体" panose="02010609060101010101" pitchFamily="49" charset="-122"/>
+              </a:defRPr>
+            </a:lvl1pPr>
+          </a:lstStyle>
+          <a:p>
+            <a:r>
+              <a:rPr lang="zh-CN" altLang="en-US" dirty="0" smtClean="0"/>
               <a:t>单击此处编辑母版标题样式</a:t>
             </a:r>
-            <a:endParaRPr lang="zh-CN" altLang="en-US"/>
+            <a:endParaRPr lang="zh-CN" altLang="en-US" dirty="0"/>
           </a:p>
         </p:txBody>
       </p:sp>
@@ -2053,43 +1502,67 @@
         <p:spPr/>
         <p:txBody>
           <a:bodyPr/>
-          <a:lstStyle/>
+          <a:lstStyle>
+            <a:lvl1pPr marL="469900" indent="-469900">
+              <a:buFont typeface="Wingdings" panose="05000000000000000000" pitchFamily="2" charset="2"/>
+              <a:buChar char="Ø"/>
+              <a:defRPr baseline="0">
+                <a:ea typeface="楷体" panose="02010609060101010101" pitchFamily="49" charset="-122"/>
+              </a:defRPr>
+            </a:lvl1pPr>
+            <a:lvl2pPr marL="908050" indent="-436563">
+              <a:buFont typeface="Wingdings" panose="05000000000000000000" pitchFamily="2" charset="2"/>
+              <a:buChar char="l"/>
+              <a:defRPr baseline="0">
+                <a:ea typeface="楷体" panose="02010609060101010101" pitchFamily="49" charset="-122"/>
+              </a:defRPr>
+            </a:lvl2pPr>
+            <a:lvl3pPr marL="1304925" indent="-395288">
+              <a:buFont typeface="Arial" panose="020B0604020202020204" pitchFamily="34" charset="0"/>
+              <a:buChar char="•"/>
+              <a:defRPr baseline="0">
+                <a:ea typeface="楷体" panose="02010609060101010101" pitchFamily="49" charset="-122"/>
+              </a:defRPr>
+            </a:lvl3pPr>
+            <a:lvl4pPr>
+              <a:defRPr baseline="0">
+                <a:ea typeface="楷体" panose="02010609060101010101" pitchFamily="49" charset="-122"/>
+              </a:defRPr>
+            </a:lvl4pPr>
+            <a:lvl5pPr>
+              <a:defRPr baseline="0">
+                <a:ea typeface="楷体" panose="02010609060101010101" pitchFamily="49" charset="-122"/>
+              </a:defRPr>
+            </a:lvl5pPr>
+          </a:lstStyle>
           <a:p>
             <a:pPr lvl="0"/>
             <a:r>
-              <a:rPr lang="zh-CN" altLang="en-US" smtClean="0"/>
+              <a:rPr lang="zh-CN" altLang="en-US" dirty="0" smtClean="0"/>
               <a:t>单击此处编辑母版文本样式</a:t>
             </a:r>
           </a:p>
           <a:p>
             <a:pPr lvl="1"/>
             <a:r>
-              <a:rPr lang="zh-CN" altLang="en-US" smtClean="0"/>
+              <a:rPr lang="zh-CN" altLang="en-US" dirty="0" smtClean="0"/>
               <a:t>第二级</a:t>
             </a:r>
           </a:p>
           <a:p>
             <a:pPr lvl="2"/>
             <a:r>
-              <a:rPr lang="zh-CN" altLang="en-US" smtClean="0"/>
+              <a:rPr lang="zh-CN" altLang="en-US" dirty="0" smtClean="0"/>
               <a:t>第三级</a:t>
             </a:r>
           </a:p>
           <a:p>
             <a:pPr lvl="3"/>
             <a:r>
-              <a:rPr lang="zh-CN" altLang="en-US" smtClean="0"/>
+              <a:rPr lang="zh-CN" altLang="en-US" dirty="0" smtClean="0"/>
               <a:t>第四级</a:t>
             </a:r>
           </a:p>
-          <a:p>
-            <a:pPr lvl="4"/>
-            <a:r>
-              <a:rPr lang="zh-CN" altLang="en-US" smtClean="0"/>
-              <a:t>第五级</a:t>
-            </a:r>
-            <a:endParaRPr lang="zh-CN" altLang="en-US"/>
-          </a:p>
         </p:txBody>
       </p:sp>
       <p:sp>
@@ -2103,6 +1576,13 @@
           </p:nvPr>
         </p:nvSpPr>
         <p:spPr>
+          <a:xfrm>
+            <a:off x="812800" y="6245225"/>
+            <a:ext cx="2641600" cy="476250"/>
+          </a:xfrm>
+          <a:prstGeom prst="rect">
+            <a:avLst/>
+          </a:prstGeom>
           <a:ln/>
         </p:spPr>
         <p:txBody>
@@ -2116,7 +1596,7 @@
             <a:pPr>
               <a:defRPr/>
             </a:pPr>
-            <a:endParaRPr lang="en-US" altLang="zh-CN"/>
+            <a:endParaRPr lang="en-US" altLang="zh-CN" dirty="0"/>
           </a:p>
         </p:txBody>
       </p:sp>
@@ -2131,6 +1611,13 @@
           </p:nvPr>
         </p:nvSpPr>
         <p:spPr>
+          <a:xfrm>
+            <a:off x="4165600" y="6245225"/>
+            <a:ext cx="3860800" cy="476250"/>
+          </a:xfrm>
+          <a:prstGeom prst="rect">
+            <a:avLst/>
+          </a:prstGeom>
           <a:ln/>
         </p:spPr>
         <p:txBody>
@@ -2144,49 +1631,14 @@
             <a:pPr>
               <a:defRPr/>
             </a:pPr>
-            <a:endParaRPr lang="en-US" altLang="zh-CN"/>
-          </a:p>
-        </p:txBody>
-      </p:sp>
-      <p:sp>
-        <p:nvSpPr>
-          <p:cNvPr id="6" name="Rectangle 8"/>
-          <p:cNvSpPr>
-            <a:spLocks noGrp="1" noChangeArrowheads="1"/>
-          </p:cNvSpPr>
-          <p:nvPr>
-            <p:ph type="sldNum" sz="quarter" idx="12"/>
-          </p:nvPr>
-        </p:nvSpPr>
-        <p:spPr>
-          <a:ln/>
-        </p:spPr>
-        <p:txBody>
-          <a:bodyPr/>
-          <a:lstStyle>
-            <a:lvl1pPr>
-              <a:defRPr/>
-            </a:lvl1pPr>
-          </a:lstStyle>
-          <a:p>
-            <a:pPr>
-              <a:defRPr/>
-            </a:pPr>
-            <a:fld id="{CB6A985E-BE02-4E5A-8B89-C24F6CB4E833}" type="slidenum">
-              <a:rPr lang="en-US" altLang="zh-CN"/>
-              <a:pPr>
-                <a:defRPr/>
-              </a:pPr>
-              <a:t>‹#›</a:t>
-            </a:fld>
-            <a:endParaRPr lang="en-US" altLang="zh-CN"/>
+            <a:endParaRPr lang="en-US" altLang="zh-CN" dirty="0"/>
           </a:p>
         </p:txBody>
       </p:sp>
     </p:spTree>
     <p:extLst>
       <p:ext uri="{BB962C8B-B14F-4D97-AF65-F5344CB8AC3E}">
-        <p14:creationId xmlns:p14="http://schemas.microsoft.com/office/powerpoint/2010/main" val="1806581887"/>
+        <p14:creationId xmlns:p14="http://schemas.microsoft.com/office/powerpoint/2010/main" val="3364467347"/>
       </p:ext>
     </p:extLst>
   </p:cSld>
@@ -2196,10 +1648,262 @@
   <p:transition>
     <p:blinds dir="vert"/>
   </p:transition>
+  <p:timing>
+    <p:tnLst>
+      <p:par>
+        <p:cTn id="1" dur="indefinite" restart="never" nodeType="tmRoot"/>
+      </p:par>
+    </p:tnLst>
+  </p:timing>
 </p:sldLayout>
 </file>
 
 <file path=ppt/slideLayouts/slideLayout3.xml><?xml version="1.0" encoding="utf-8"?>
+<p:sldLayout xmlns:a="http://schemas.openxmlformats.org/drawingml/2006/main" xmlns:r="http://schemas.openxmlformats.org/officeDocument/2006/relationships" xmlns:p="http://schemas.openxmlformats.org/presentationml/2006/main" type="obj" preserve="1">
+  <p:cSld name="2_标题和内容">
+    <p:spTree>
+      <p:nvGrpSpPr>
+        <p:cNvPr id="1" name=""/>
+        <p:cNvGrpSpPr/>
+        <p:nvPr/>
+      </p:nvGrpSpPr>
+      <p:grpSpPr>
+        <a:xfrm>
+          <a:off x="0" y="0"/>
+          <a:ext cx="0" cy="0"/>
+          <a:chOff x="0" y="0"/>
+          <a:chExt cx="0" cy="0"/>
+        </a:xfrm>
+      </p:grpSpPr>
+      <p:sp>
+        <p:nvSpPr>
+          <p:cNvPr id="2" name="标题 1"/>
+          <p:cNvSpPr>
+            <a:spLocks noGrp="1"/>
+          </p:cNvSpPr>
+          <p:nvPr>
+            <p:ph type="title"/>
+          </p:nvPr>
+        </p:nvSpPr>
+        <p:spPr/>
+        <p:txBody>
+          <a:bodyPr/>
+          <a:lstStyle>
+            <a:lvl1pPr>
+              <a:defRPr>
+                <a:latin typeface="华文新魏" panose="02010800040101010101" pitchFamily="2" charset="-122"/>
+                <a:ea typeface="华文新魏" panose="02010800040101010101" pitchFamily="2" charset="-122"/>
+              </a:defRPr>
+            </a:lvl1pPr>
+          </a:lstStyle>
+          <a:p>
+            <a:r>
+              <a:rPr lang="zh-CN" altLang="en-US" dirty="0" smtClean="0"/>
+              <a:t>单击此处编辑母版标题样式</a:t>
+            </a:r>
+            <a:endParaRPr lang="zh-CN" altLang="en-US" dirty="0"/>
+          </a:p>
+        </p:txBody>
+      </p:sp>
+      <p:sp>
+        <p:nvSpPr>
+          <p:cNvPr id="3" name="内容占位符 2"/>
+          <p:cNvSpPr>
+            <a:spLocks noGrp="1"/>
+          </p:cNvSpPr>
+          <p:nvPr>
+            <p:ph idx="1"/>
+          </p:nvPr>
+        </p:nvSpPr>
+        <p:spPr/>
+        <p:txBody>
+          <a:bodyPr/>
+          <a:lstStyle>
+            <a:lvl1pPr>
+              <a:defRPr>
+                <a:solidFill>
+                  <a:srgbClr val="0000FF"/>
+                </a:solidFill>
+                <a:latin typeface="华文新魏" panose="02010800040101010101" pitchFamily="2" charset="-122"/>
+                <a:ea typeface="华文新魏" panose="02010800040101010101" pitchFamily="2" charset="-122"/>
+              </a:defRPr>
+            </a:lvl1pPr>
+            <a:lvl2pPr>
+              <a:defRPr>
+                <a:solidFill>
+                  <a:srgbClr val="0000FF"/>
+                </a:solidFill>
+                <a:latin typeface="华文新魏" panose="02010800040101010101" pitchFamily="2" charset="-122"/>
+                <a:ea typeface="华文新魏" panose="02010800040101010101" pitchFamily="2" charset="-122"/>
+              </a:defRPr>
+            </a:lvl2pPr>
+            <a:lvl3pPr marL="1304925" indent="-395288">
+              <a:defRPr lang="zh-CN" altLang="en-US" sz="2400" b="1" baseline="0" dirty="0" smtClean="0">
+                <a:solidFill>
+                  <a:srgbClr val="0000FF"/>
+                </a:solidFill>
+                <a:latin typeface="华文楷体" panose="02010600040101010101" pitchFamily="2" charset="-122"/>
+                <a:ea typeface="楷体" panose="02010609060101010101" pitchFamily="49" charset="-122"/>
+              </a:defRPr>
+            </a:lvl3pPr>
+            <a:lvl4pPr>
+              <a:defRPr>
+                <a:solidFill>
+                  <a:srgbClr val="0000FF"/>
+                </a:solidFill>
+                <a:latin typeface="华文新魏" panose="02010800040101010101" pitchFamily="2" charset="-122"/>
+                <a:ea typeface="华文新魏" panose="02010800040101010101" pitchFamily="2" charset="-122"/>
+              </a:defRPr>
+            </a:lvl4pPr>
+            <a:lvl5pPr>
+              <a:defRPr>
+                <a:solidFill>
+                  <a:srgbClr val="0000FF"/>
+                </a:solidFill>
+                <a:latin typeface="华文新魏" panose="02010800040101010101" pitchFamily="2" charset="-122"/>
+                <a:ea typeface="华文新魏" panose="02010800040101010101" pitchFamily="2" charset="-122"/>
+              </a:defRPr>
+            </a:lvl5pPr>
+          </a:lstStyle>
+          <a:p>
+            <a:pPr lvl="0"/>
+            <a:r>
+              <a:rPr lang="zh-CN" altLang="en-US" dirty="0" smtClean="0"/>
+              <a:t>单击此处编辑母版文本样式</a:t>
+            </a:r>
+          </a:p>
+          <a:p>
+            <a:pPr lvl="1"/>
+            <a:r>
+              <a:rPr lang="zh-CN" altLang="en-US" dirty="0" smtClean="0"/>
+              <a:t>第二级</a:t>
+            </a:r>
+          </a:p>
+          <a:p>
+            <a:pPr marL="1304925" lvl="2" indent="-395288" algn="l" rtl="0" eaLnBrk="0" fontAlgn="base" hangingPunct="0">
+              <a:lnSpc>
+                <a:spcPct val="150000"/>
+              </a:lnSpc>
+              <a:spcBef>
+                <a:spcPct val="20000"/>
+              </a:spcBef>
+              <a:spcAft>
+                <a:spcPct val="0"/>
+              </a:spcAft>
+              <a:buClr>
+                <a:schemeClr val="accent2"/>
+              </a:buClr>
+              <a:buFont typeface="Arial" panose="020B0604020202020204" pitchFamily="34" charset="0"/>
+              <a:buChar char="•"/>
+            </a:pPr>
+            <a:r>
+              <a:rPr lang="zh-CN" altLang="en-US" dirty="0" smtClean="0"/>
+              <a:t>第三级</a:t>
+            </a:r>
+          </a:p>
+          <a:p>
+            <a:pPr lvl="3"/>
+            <a:r>
+              <a:rPr lang="zh-CN" altLang="en-US" dirty="0" smtClean="0"/>
+              <a:t>第四级</a:t>
+            </a:r>
+          </a:p>
+        </p:txBody>
+      </p:sp>
+      <p:sp>
+        <p:nvSpPr>
+          <p:cNvPr id="4" name="Rectangle 6"/>
+          <p:cNvSpPr>
+            <a:spLocks noGrp="1" noChangeArrowheads="1"/>
+          </p:cNvSpPr>
+          <p:nvPr>
+            <p:ph type="dt" sz="half" idx="10"/>
+          </p:nvPr>
+        </p:nvSpPr>
+        <p:spPr>
+          <a:xfrm>
+            <a:off x="812800" y="6245225"/>
+            <a:ext cx="2641600" cy="476250"/>
+          </a:xfrm>
+          <a:prstGeom prst="rect">
+            <a:avLst/>
+          </a:prstGeom>
+          <a:ln/>
+        </p:spPr>
+        <p:txBody>
+          <a:bodyPr/>
+          <a:lstStyle>
+            <a:lvl1pPr>
+              <a:defRPr/>
+            </a:lvl1pPr>
+          </a:lstStyle>
+          <a:p>
+            <a:pPr>
+              <a:defRPr/>
+            </a:pPr>
+            <a:endParaRPr lang="en-US" altLang="zh-CN" dirty="0"/>
+          </a:p>
+        </p:txBody>
+      </p:sp>
+      <p:sp>
+        <p:nvSpPr>
+          <p:cNvPr id="5" name="Rectangle 7"/>
+          <p:cNvSpPr>
+            <a:spLocks noGrp="1" noChangeArrowheads="1"/>
+          </p:cNvSpPr>
+          <p:nvPr>
+            <p:ph type="ftr" sz="quarter" idx="11"/>
+          </p:nvPr>
+        </p:nvSpPr>
+        <p:spPr>
+          <a:xfrm>
+            <a:off x="4165600" y="6245225"/>
+            <a:ext cx="3860800" cy="476250"/>
+          </a:xfrm>
+          <a:prstGeom prst="rect">
+            <a:avLst/>
+          </a:prstGeom>
+          <a:ln/>
+        </p:spPr>
+        <p:txBody>
+          <a:bodyPr/>
+          <a:lstStyle>
+            <a:lvl1pPr>
+              <a:defRPr/>
+            </a:lvl1pPr>
+          </a:lstStyle>
+          <a:p>
+            <a:pPr>
+              <a:defRPr/>
+            </a:pPr>
+            <a:endParaRPr lang="en-US" altLang="zh-CN" dirty="0"/>
+          </a:p>
+        </p:txBody>
+      </p:sp>
+    </p:spTree>
+    <p:extLst>
+      <p:ext uri="{BB962C8B-B14F-4D97-AF65-F5344CB8AC3E}">
+        <p14:creationId xmlns:p14="http://schemas.microsoft.com/office/powerpoint/2010/main" val="3846945651"/>
+      </p:ext>
+    </p:extLst>
+  </p:cSld>
+  <p:clrMapOvr>
+    <a:masterClrMapping/>
+  </p:clrMapOvr>
+  <p:transition>
+    <p:blinds dir="vert"/>
+  </p:transition>
+  <p:timing>
+    <p:tnLst>
+      <p:par>
+        <p:cTn id="1" dur="indefinite" restart="never" nodeType="tmRoot"/>
+      </p:par>
+    </p:tnLst>
+  </p:timing>
+</p:sldLayout>
+</file>
+
+<file path=ppt/slideLayouts/slideLayout4.xml><?xml version="1.0" encoding="utf-8"?>
 <p:sldLayout xmlns:a="http://schemas.openxmlformats.org/drawingml/2006/main" xmlns:r="http://schemas.openxmlformats.org/officeDocument/2006/relationships" xmlns:p="http://schemas.openxmlformats.org/presentationml/2006/main" type="secHead" preserve="1">
   <p:cSld name="节标题">
     <p:spTree>
@@ -2228,8 +1932,8 @@
         </p:nvSpPr>
         <p:spPr>
           <a:xfrm>
-            <a:off x="722313" y="4406900"/>
-            <a:ext cx="7772400" cy="1362075"/>
+            <a:off x="963084" y="4406901"/>
+            <a:ext cx="10363200" cy="1362075"/>
           </a:xfrm>
         </p:spPr>
         <p:txBody>
@@ -2260,8 +1964,8 @@
         </p:nvSpPr>
         <p:spPr>
           <a:xfrm>
-            <a:off x="722313" y="2906713"/>
-            <a:ext cx="7772400" cy="1500187"/>
+            <a:off x="963084" y="2906713"/>
+            <a:ext cx="10363200" cy="1500187"/>
           </a:xfrm>
         </p:spPr>
         <p:txBody>
@@ -2324,6 +2028,13 @@
           </p:nvPr>
         </p:nvSpPr>
         <p:spPr>
+          <a:xfrm>
+            <a:off x="812800" y="6245225"/>
+            <a:ext cx="2641600" cy="476250"/>
+          </a:xfrm>
+          <a:prstGeom prst="rect">
+            <a:avLst/>
+          </a:prstGeom>
           <a:ln/>
         </p:spPr>
         <p:txBody>
@@ -2337,7 +2048,7 @@
             <a:pPr>
               <a:defRPr/>
             </a:pPr>
-            <a:endParaRPr lang="en-US" altLang="zh-CN"/>
+            <a:endParaRPr lang="en-US" altLang="zh-CN" dirty="0"/>
           </a:p>
         </p:txBody>
       </p:sp>
@@ -2352,6 +2063,13 @@
           </p:nvPr>
         </p:nvSpPr>
         <p:spPr>
+          <a:xfrm>
+            <a:off x="4165600" y="6245225"/>
+            <a:ext cx="3860800" cy="476250"/>
+          </a:xfrm>
+          <a:prstGeom prst="rect">
+            <a:avLst/>
+          </a:prstGeom>
           <a:ln/>
         </p:spPr>
         <p:txBody>
@@ -2365,7 +2083,7 @@
             <a:pPr>
               <a:defRPr/>
             </a:pPr>
-            <a:endParaRPr lang="en-US" altLang="zh-CN"/>
+            <a:endParaRPr lang="en-US" altLang="zh-CN" dirty="0"/>
           </a:p>
         </p:txBody>
       </p:sp>
@@ -2380,6 +2098,13 @@
           </p:nvPr>
         </p:nvSpPr>
         <p:spPr>
+          <a:xfrm>
+            <a:off x="8737600" y="6245225"/>
+            <a:ext cx="2641600" cy="476250"/>
+          </a:xfrm>
+          <a:prstGeom prst="rect">
+            <a:avLst/>
+          </a:prstGeom>
           <a:ln/>
         </p:spPr>
         <p:txBody>
@@ -2393,21 +2118,21 @@
             <a:pPr>
               <a:defRPr/>
             </a:pPr>
-            <a:fld id="{A564B876-B44A-43F9-909D-16B3927D33BE}" type="slidenum">
+            <a:fld id="{B62FBA93-7C77-4D32-BA8C-F7EFDB1910E6}" type="slidenum">
               <a:rPr lang="en-US" altLang="zh-CN"/>
               <a:pPr>
                 <a:defRPr/>
               </a:pPr>
               <a:t>‹#›</a:t>
             </a:fld>
-            <a:endParaRPr lang="en-US" altLang="zh-CN"/>
+            <a:endParaRPr lang="en-US" altLang="zh-CN" dirty="0"/>
           </a:p>
         </p:txBody>
       </p:sp>
     </p:spTree>
     <p:extLst>
       <p:ext uri="{BB962C8B-B14F-4D97-AF65-F5344CB8AC3E}">
-        <p14:creationId xmlns:p14="http://schemas.microsoft.com/office/powerpoint/2010/main" val="2871773278"/>
+        <p14:creationId xmlns:p14="http://schemas.microsoft.com/office/powerpoint/2010/main" val="1355284535"/>
       </p:ext>
     </p:extLst>
   </p:cSld>
@@ -2420,7 +2145,7 @@
 </p:sldLayout>
 </file>
 
-<file path=ppt/slideLayouts/slideLayout4.xml><?xml version="1.0" encoding="utf-8"?>
+<file path=ppt/slideLayouts/slideLayout5.xml><?xml version="1.0" encoding="utf-8"?>
 <p:sldLayout xmlns:a="http://schemas.openxmlformats.org/drawingml/2006/main" xmlns:r="http://schemas.openxmlformats.org/officeDocument/2006/relationships" xmlns:p="http://schemas.openxmlformats.org/presentationml/2006/main" type="twoObj" preserve="1">
   <p:cSld name="两栏内容">
     <p:spTree>
@@ -2472,8 +2197,8 @@
         </p:nvSpPr>
         <p:spPr>
           <a:xfrm>
-            <a:off x="566738" y="1752600"/>
-            <a:ext cx="3924300" cy="4267200"/>
+            <a:off x="755651" y="1752600"/>
+            <a:ext cx="5232400" cy="4267200"/>
           </a:xfrm>
         </p:spPr>
         <p:txBody>
@@ -2485,8 +2210,14 @@
             <a:lvl2pPr>
               <a:defRPr sz="2400"/>
             </a:lvl2pPr>
-            <a:lvl3pPr>
-              <a:defRPr sz="2000"/>
+            <a:lvl3pPr marL="1304925" indent="-395288">
+              <a:defRPr lang="zh-CN" altLang="en-US" sz="2400" b="1" baseline="0" dirty="0" smtClean="0">
+                <a:solidFill>
+                  <a:schemeClr val="tx1"/>
+                </a:solidFill>
+                <a:latin typeface="华文楷体" panose="02010600040101010101" pitchFamily="2" charset="-122"/>
+                <a:ea typeface="楷体" panose="02010609060101010101" pitchFamily="49" charset="-122"/>
+              </a:defRPr>
             </a:lvl3pPr>
             <a:lvl4pPr>
               <a:defRPr sz="1800"/>
@@ -2510,38 +2241,45 @@
           <a:p>
             <a:pPr lvl="0"/>
             <a:r>
-              <a:rPr lang="zh-CN" altLang="en-US" smtClean="0"/>
+              <a:rPr lang="zh-CN" altLang="en-US" dirty="0" smtClean="0"/>
               <a:t>单击此处编辑母版文本样式</a:t>
             </a:r>
           </a:p>
           <a:p>
             <a:pPr lvl="1"/>
             <a:r>
-              <a:rPr lang="zh-CN" altLang="en-US" smtClean="0"/>
+              <a:rPr lang="zh-CN" altLang="en-US" dirty="0" smtClean="0"/>
               <a:t>第二级</a:t>
             </a:r>
           </a:p>
           <a:p>
-            <a:pPr lvl="2"/>
-            <a:r>
-              <a:rPr lang="zh-CN" altLang="en-US" smtClean="0"/>
+            <a:pPr marL="1304925" lvl="2" indent="-395288" algn="l" rtl="0" eaLnBrk="0" fontAlgn="base" hangingPunct="0">
+              <a:lnSpc>
+                <a:spcPct val="150000"/>
+              </a:lnSpc>
+              <a:spcBef>
+                <a:spcPct val="20000"/>
+              </a:spcBef>
+              <a:spcAft>
+                <a:spcPct val="0"/>
+              </a:spcAft>
+              <a:buClr>
+                <a:schemeClr val="accent2"/>
+              </a:buClr>
+              <a:buFont typeface="Arial" panose="020B0604020202020204" pitchFamily="34" charset="0"/>
+              <a:buChar char="•"/>
+            </a:pPr>
+            <a:r>
+              <a:rPr lang="zh-CN" altLang="en-US" dirty="0" smtClean="0"/>
               <a:t>第三级</a:t>
             </a:r>
           </a:p>
           <a:p>
             <a:pPr lvl="3"/>
             <a:r>
-              <a:rPr lang="zh-CN" altLang="en-US" smtClean="0"/>
+              <a:rPr lang="zh-CN" altLang="en-US" dirty="0" smtClean="0"/>
               <a:t>第四级</a:t>
             </a:r>
-          </a:p>
-          <a:p>
-            <a:pPr lvl="4"/>
-            <a:r>
-              <a:rPr lang="zh-CN" altLang="en-US" smtClean="0"/>
-              <a:t>第五级</a:t>
-            </a:r>
-            <a:endParaRPr lang="zh-CN" altLang="en-US"/>
           </a:p>
         </p:txBody>
       </p:sp>
@@ -2557,8 +2295,8 @@
         </p:nvSpPr>
         <p:spPr>
           <a:xfrm>
-            <a:off x="4643438" y="1752600"/>
-            <a:ext cx="3924300" cy="4267200"/>
+            <a:off x="6191251" y="1752600"/>
+            <a:ext cx="5232400" cy="4267200"/>
           </a:xfrm>
         </p:spPr>
         <p:txBody>
@@ -2570,8 +2308,14 @@
             <a:lvl2pPr>
               <a:defRPr sz="2400"/>
             </a:lvl2pPr>
-            <a:lvl3pPr>
-              <a:defRPr sz="2000"/>
+            <a:lvl3pPr marL="1304925" indent="-395288">
+              <a:defRPr lang="zh-CN" altLang="en-US" sz="2400" b="1" baseline="0" dirty="0" smtClean="0">
+                <a:solidFill>
+                  <a:schemeClr val="tx1"/>
+                </a:solidFill>
+                <a:latin typeface="华文楷体" panose="02010600040101010101" pitchFamily="2" charset="-122"/>
+                <a:ea typeface="楷体" panose="02010609060101010101" pitchFamily="49" charset="-122"/>
+              </a:defRPr>
             </a:lvl3pPr>
             <a:lvl4pPr>
               <a:defRPr sz="1800"/>
@@ -2595,39 +2339,46 @@
           <a:p>
             <a:pPr lvl="0"/>
             <a:r>
-              <a:rPr lang="zh-CN" altLang="en-US" smtClean="0"/>
+              <a:rPr lang="zh-CN" altLang="en-US" dirty="0" smtClean="0"/>
               <a:t>单击此处编辑母版文本样式</a:t>
             </a:r>
           </a:p>
           <a:p>
             <a:pPr lvl="1"/>
             <a:r>
-              <a:rPr lang="zh-CN" altLang="en-US" smtClean="0"/>
+              <a:rPr lang="zh-CN" altLang="en-US" dirty="0" smtClean="0"/>
               <a:t>第二级</a:t>
             </a:r>
           </a:p>
           <a:p>
-            <a:pPr lvl="2"/>
-            <a:r>
-              <a:rPr lang="zh-CN" altLang="en-US" smtClean="0"/>
+            <a:pPr marL="1304925" lvl="2" indent="-395288" algn="l" rtl="0" eaLnBrk="0" fontAlgn="base" hangingPunct="0">
+              <a:lnSpc>
+                <a:spcPct val="150000"/>
+              </a:lnSpc>
+              <a:spcBef>
+                <a:spcPct val="20000"/>
+              </a:spcBef>
+              <a:spcAft>
+                <a:spcPct val="0"/>
+              </a:spcAft>
+              <a:buClr>
+                <a:schemeClr val="accent2"/>
+              </a:buClr>
+              <a:buFont typeface="Arial" panose="020B0604020202020204" pitchFamily="34" charset="0"/>
+              <a:buChar char="•"/>
+            </a:pPr>
+            <a:r>
+              <a:rPr lang="zh-CN" altLang="en-US" dirty="0" smtClean="0"/>
               <a:t>第三级</a:t>
             </a:r>
           </a:p>
           <a:p>
             <a:pPr lvl="3"/>
             <a:r>
-              <a:rPr lang="zh-CN" altLang="en-US" smtClean="0"/>
+              <a:rPr lang="zh-CN" altLang="en-US" dirty="0" smtClean="0"/>
               <a:t>第四级</a:t>
             </a:r>
           </a:p>
-          <a:p>
-            <a:pPr lvl="4"/>
-            <a:r>
-              <a:rPr lang="zh-CN" altLang="en-US" smtClean="0"/>
-              <a:t>第五级</a:t>
-            </a:r>
-            <a:endParaRPr lang="zh-CN" altLang="en-US"/>
-          </a:p>
         </p:txBody>
       </p:sp>
       <p:sp>
@@ -2641,6 +2392,13 @@
           </p:nvPr>
         </p:nvSpPr>
         <p:spPr>
+          <a:xfrm>
+            <a:off x="812800" y="6245225"/>
+            <a:ext cx="2641600" cy="476250"/>
+          </a:xfrm>
+          <a:prstGeom prst="rect">
+            <a:avLst/>
+          </a:prstGeom>
           <a:ln/>
         </p:spPr>
         <p:txBody>
@@ -2654,7 +2412,7 @@
             <a:pPr>
               <a:defRPr/>
             </a:pPr>
-            <a:endParaRPr lang="en-US" altLang="zh-CN"/>
+            <a:endParaRPr lang="en-US" altLang="zh-CN" dirty="0"/>
           </a:p>
         </p:txBody>
       </p:sp>
@@ -2669,6 +2427,13 @@
           </p:nvPr>
         </p:nvSpPr>
         <p:spPr>
+          <a:xfrm>
+            <a:off x="4165600" y="6245225"/>
+            <a:ext cx="3860800" cy="476250"/>
+          </a:xfrm>
+          <a:prstGeom prst="rect">
+            <a:avLst/>
+          </a:prstGeom>
           <a:ln/>
         </p:spPr>
         <p:txBody>
@@ -2682,7 +2447,7 @@
             <a:pPr>
               <a:defRPr/>
             </a:pPr>
-            <a:endParaRPr lang="en-US" altLang="zh-CN"/>
+            <a:endParaRPr lang="en-US" altLang="zh-CN" dirty="0"/>
           </a:p>
         </p:txBody>
       </p:sp>
@@ -2697,6 +2462,13 @@
           </p:nvPr>
         </p:nvSpPr>
         <p:spPr>
+          <a:xfrm>
+            <a:off x="8737600" y="6245225"/>
+            <a:ext cx="2641600" cy="476250"/>
+          </a:xfrm>
+          <a:prstGeom prst="rect">
+            <a:avLst/>
+          </a:prstGeom>
           <a:ln/>
         </p:spPr>
         <p:txBody>
@@ -2710,477 +2482,21 @@
             <a:pPr>
               <a:defRPr/>
             </a:pPr>
-            <a:fld id="{73290F09-A56D-4D85-A7A9-189BF5CE8821}" type="slidenum">
+            <a:fld id="{85100CE9-0662-4089-B8E8-68467DB42791}" type="slidenum">
               <a:rPr lang="en-US" altLang="zh-CN"/>
               <a:pPr>
                 <a:defRPr/>
               </a:pPr>
               <a:t>‹#›</a:t>
             </a:fld>
-            <a:endParaRPr lang="en-US" altLang="zh-CN"/>
+            <a:endParaRPr lang="en-US" altLang="zh-CN" dirty="0"/>
           </a:p>
         </p:txBody>
       </p:sp>
     </p:spTree>
     <p:extLst>
       <p:ext uri="{BB962C8B-B14F-4D97-AF65-F5344CB8AC3E}">
-        <p14:creationId xmlns:p14="http://schemas.microsoft.com/office/powerpoint/2010/main" val="1854189924"/>
-      </p:ext>
-    </p:extLst>
-  </p:cSld>
-  <p:clrMapOvr>
-    <a:masterClrMapping/>
-  </p:clrMapOvr>
-  <p:transition>
-    <p:blinds dir="vert"/>
-  </p:transition>
-</p:sldLayout>
-</file>
-
-<file path=ppt/slideLayouts/slideLayout5.xml><?xml version="1.0" encoding="utf-8"?>
-<p:sldLayout xmlns:a="http://schemas.openxmlformats.org/drawingml/2006/main" xmlns:r="http://schemas.openxmlformats.org/officeDocument/2006/relationships" xmlns:p="http://schemas.openxmlformats.org/presentationml/2006/main" type="twoTxTwoObj" preserve="1">
-  <p:cSld name="比较">
-    <p:spTree>
-      <p:nvGrpSpPr>
-        <p:cNvPr id="1" name=""/>
-        <p:cNvGrpSpPr/>
-        <p:nvPr/>
-      </p:nvGrpSpPr>
-      <p:grpSpPr>
-        <a:xfrm>
-          <a:off x="0" y="0"/>
-          <a:ext cx="0" cy="0"/>
-          <a:chOff x="0" y="0"/>
-          <a:chExt cx="0" cy="0"/>
-        </a:xfrm>
-      </p:grpSpPr>
-      <p:sp>
-        <p:nvSpPr>
-          <p:cNvPr id="2" name="标题 1"/>
-          <p:cNvSpPr>
-            <a:spLocks noGrp="1"/>
-          </p:cNvSpPr>
-          <p:nvPr>
-            <p:ph type="title"/>
-          </p:nvPr>
-        </p:nvSpPr>
-        <p:spPr>
-          <a:xfrm>
-            <a:off x="457200" y="274638"/>
-            <a:ext cx="8229600" cy="1143000"/>
-          </a:xfrm>
-        </p:spPr>
-        <p:txBody>
-          <a:bodyPr/>
-          <a:lstStyle>
-            <a:lvl1pPr>
-              <a:defRPr/>
-            </a:lvl1pPr>
-          </a:lstStyle>
-          <a:p>
-            <a:r>
-              <a:rPr lang="zh-CN" altLang="en-US" smtClean="0"/>
-              <a:t>单击此处编辑母版标题样式</a:t>
-            </a:r>
-            <a:endParaRPr lang="zh-CN" altLang="en-US"/>
-          </a:p>
-        </p:txBody>
-      </p:sp>
-      <p:sp>
-        <p:nvSpPr>
-          <p:cNvPr id="3" name="文本占位符 2"/>
-          <p:cNvSpPr>
-            <a:spLocks noGrp="1"/>
-          </p:cNvSpPr>
-          <p:nvPr>
-            <p:ph type="body" idx="1"/>
-          </p:nvPr>
-        </p:nvSpPr>
-        <p:spPr>
-          <a:xfrm>
-            <a:off x="457200" y="1535113"/>
-            <a:ext cx="4040188" cy="639762"/>
-          </a:xfrm>
-        </p:spPr>
-        <p:txBody>
-          <a:bodyPr anchor="b"/>
-          <a:lstStyle>
-            <a:lvl1pPr marL="0" indent="0">
-              <a:buNone/>
-              <a:defRPr sz="2400" b="1"/>
-            </a:lvl1pPr>
-            <a:lvl2pPr marL="457200" indent="0">
-              <a:buNone/>
-              <a:defRPr sz="2000" b="1"/>
-            </a:lvl2pPr>
-            <a:lvl3pPr marL="914400" indent="0">
-              <a:buNone/>
-              <a:defRPr sz="1800" b="1"/>
-            </a:lvl3pPr>
-            <a:lvl4pPr marL="1371600" indent="0">
-              <a:buNone/>
-              <a:defRPr sz="1600" b="1"/>
-            </a:lvl4pPr>
-            <a:lvl5pPr marL="1828800" indent="0">
-              <a:buNone/>
-              <a:defRPr sz="1600" b="1"/>
-            </a:lvl5pPr>
-            <a:lvl6pPr marL="2286000" indent="0">
-              <a:buNone/>
-              <a:defRPr sz="1600" b="1"/>
-            </a:lvl6pPr>
-            <a:lvl7pPr marL="2743200" indent="0">
-              <a:buNone/>
-              <a:defRPr sz="1600" b="1"/>
-            </a:lvl7pPr>
-            <a:lvl8pPr marL="3200400" indent="0">
-              <a:buNone/>
-              <a:defRPr sz="1600" b="1"/>
-            </a:lvl8pPr>
-            <a:lvl9pPr marL="3657600" indent="0">
-              <a:buNone/>
-              <a:defRPr sz="1600" b="1"/>
-            </a:lvl9pPr>
-          </a:lstStyle>
-          <a:p>
-            <a:pPr lvl="0"/>
-            <a:r>
-              <a:rPr lang="zh-CN" altLang="en-US" smtClean="0"/>
-              <a:t>单击此处编辑母版文本样式</a:t>
-            </a:r>
-          </a:p>
-        </p:txBody>
-      </p:sp>
-      <p:sp>
-        <p:nvSpPr>
-          <p:cNvPr id="4" name="内容占位符 3"/>
-          <p:cNvSpPr>
-            <a:spLocks noGrp="1"/>
-          </p:cNvSpPr>
-          <p:nvPr>
-            <p:ph sz="half" idx="2"/>
-          </p:nvPr>
-        </p:nvSpPr>
-        <p:spPr>
-          <a:xfrm>
-            <a:off x="457200" y="2174875"/>
-            <a:ext cx="4040188" cy="3951288"/>
-          </a:xfrm>
-        </p:spPr>
-        <p:txBody>
-          <a:bodyPr/>
-          <a:lstStyle>
-            <a:lvl1pPr>
-              <a:defRPr sz="2400"/>
-            </a:lvl1pPr>
-            <a:lvl2pPr>
-              <a:defRPr sz="2000"/>
-            </a:lvl2pPr>
-            <a:lvl3pPr>
-              <a:defRPr sz="1800"/>
-            </a:lvl3pPr>
-            <a:lvl4pPr>
-              <a:defRPr sz="1600"/>
-            </a:lvl4pPr>
-            <a:lvl5pPr>
-              <a:defRPr sz="1600"/>
-            </a:lvl5pPr>
-            <a:lvl6pPr>
-              <a:defRPr sz="1600"/>
-            </a:lvl6pPr>
-            <a:lvl7pPr>
-              <a:defRPr sz="1600"/>
-            </a:lvl7pPr>
-            <a:lvl8pPr>
-              <a:defRPr sz="1600"/>
-            </a:lvl8pPr>
-            <a:lvl9pPr>
-              <a:defRPr sz="1600"/>
-            </a:lvl9pPr>
-          </a:lstStyle>
-          <a:p>
-            <a:pPr lvl="0"/>
-            <a:r>
-              <a:rPr lang="zh-CN" altLang="en-US" smtClean="0"/>
-              <a:t>单击此处编辑母版文本样式</a:t>
-            </a:r>
-          </a:p>
-          <a:p>
-            <a:pPr lvl="1"/>
-            <a:r>
-              <a:rPr lang="zh-CN" altLang="en-US" smtClean="0"/>
-              <a:t>第二级</a:t>
-            </a:r>
-          </a:p>
-          <a:p>
-            <a:pPr lvl="2"/>
-            <a:r>
-              <a:rPr lang="zh-CN" altLang="en-US" smtClean="0"/>
-              <a:t>第三级</a:t>
-            </a:r>
-          </a:p>
-          <a:p>
-            <a:pPr lvl="3"/>
-            <a:r>
-              <a:rPr lang="zh-CN" altLang="en-US" smtClean="0"/>
-              <a:t>第四级</a:t>
-            </a:r>
-          </a:p>
-          <a:p>
-            <a:pPr lvl="4"/>
-            <a:r>
-              <a:rPr lang="zh-CN" altLang="en-US" smtClean="0"/>
-              <a:t>第五级</a:t>
-            </a:r>
-            <a:endParaRPr lang="zh-CN" altLang="en-US"/>
-          </a:p>
-        </p:txBody>
-      </p:sp>
-      <p:sp>
-        <p:nvSpPr>
-          <p:cNvPr id="5" name="文本占位符 4"/>
-          <p:cNvSpPr>
-            <a:spLocks noGrp="1"/>
-          </p:cNvSpPr>
-          <p:nvPr>
-            <p:ph type="body" sz="quarter" idx="3"/>
-          </p:nvPr>
-        </p:nvSpPr>
-        <p:spPr>
-          <a:xfrm>
-            <a:off x="4645025" y="1535113"/>
-            <a:ext cx="4041775" cy="639762"/>
-          </a:xfrm>
-        </p:spPr>
-        <p:txBody>
-          <a:bodyPr anchor="b"/>
-          <a:lstStyle>
-            <a:lvl1pPr marL="0" indent="0">
-              <a:buNone/>
-              <a:defRPr sz="2400" b="1"/>
-            </a:lvl1pPr>
-            <a:lvl2pPr marL="457200" indent="0">
-              <a:buNone/>
-              <a:defRPr sz="2000" b="1"/>
-            </a:lvl2pPr>
-            <a:lvl3pPr marL="914400" indent="0">
-              <a:buNone/>
-              <a:defRPr sz="1800" b="1"/>
-            </a:lvl3pPr>
-            <a:lvl4pPr marL="1371600" indent="0">
-              <a:buNone/>
-              <a:defRPr sz="1600" b="1"/>
-            </a:lvl4pPr>
-            <a:lvl5pPr marL="1828800" indent="0">
-              <a:buNone/>
-              <a:defRPr sz="1600" b="1"/>
-            </a:lvl5pPr>
-            <a:lvl6pPr marL="2286000" indent="0">
-              <a:buNone/>
-              <a:defRPr sz="1600" b="1"/>
-            </a:lvl6pPr>
-            <a:lvl7pPr marL="2743200" indent="0">
-              <a:buNone/>
-              <a:defRPr sz="1600" b="1"/>
-            </a:lvl7pPr>
-            <a:lvl8pPr marL="3200400" indent="0">
-              <a:buNone/>
-              <a:defRPr sz="1600" b="1"/>
-            </a:lvl8pPr>
-            <a:lvl9pPr marL="3657600" indent="0">
-              <a:buNone/>
-              <a:defRPr sz="1600" b="1"/>
-            </a:lvl9pPr>
-          </a:lstStyle>
-          <a:p>
-            <a:pPr lvl="0"/>
-            <a:r>
-              <a:rPr lang="zh-CN" altLang="en-US" smtClean="0"/>
-              <a:t>单击此处编辑母版文本样式</a:t>
-            </a:r>
-          </a:p>
-        </p:txBody>
-      </p:sp>
-      <p:sp>
-        <p:nvSpPr>
-          <p:cNvPr id="6" name="内容占位符 5"/>
-          <p:cNvSpPr>
-            <a:spLocks noGrp="1"/>
-          </p:cNvSpPr>
-          <p:nvPr>
-            <p:ph sz="quarter" idx="4"/>
-          </p:nvPr>
-        </p:nvSpPr>
-        <p:spPr>
-          <a:xfrm>
-            <a:off x="4645025" y="2174875"/>
-            <a:ext cx="4041775" cy="3951288"/>
-          </a:xfrm>
-        </p:spPr>
-        <p:txBody>
-          <a:bodyPr/>
-          <a:lstStyle>
-            <a:lvl1pPr>
-              <a:defRPr sz="2400"/>
-            </a:lvl1pPr>
-            <a:lvl2pPr>
-              <a:defRPr sz="2000"/>
-            </a:lvl2pPr>
-            <a:lvl3pPr>
-              <a:defRPr sz="1800"/>
-            </a:lvl3pPr>
-            <a:lvl4pPr>
-              <a:defRPr sz="1600"/>
-            </a:lvl4pPr>
-            <a:lvl5pPr>
-              <a:defRPr sz="1600"/>
-            </a:lvl5pPr>
-            <a:lvl6pPr>
-              <a:defRPr sz="1600"/>
-            </a:lvl6pPr>
-            <a:lvl7pPr>
-              <a:defRPr sz="1600"/>
-            </a:lvl7pPr>
-            <a:lvl8pPr>
-              <a:defRPr sz="1600"/>
-            </a:lvl8pPr>
-            <a:lvl9pPr>
-              <a:defRPr sz="1600"/>
-            </a:lvl9pPr>
-          </a:lstStyle>
-          <a:p>
-            <a:pPr lvl="0"/>
-            <a:r>
-              <a:rPr lang="zh-CN" altLang="en-US" smtClean="0"/>
-              <a:t>单击此处编辑母版文本样式</a:t>
-            </a:r>
-          </a:p>
-          <a:p>
-            <a:pPr lvl="1"/>
-            <a:r>
-              <a:rPr lang="zh-CN" altLang="en-US" smtClean="0"/>
-              <a:t>第二级</a:t>
-            </a:r>
-          </a:p>
-          <a:p>
-            <a:pPr lvl="2"/>
-            <a:r>
-              <a:rPr lang="zh-CN" altLang="en-US" smtClean="0"/>
-              <a:t>第三级</a:t>
-            </a:r>
-          </a:p>
-          <a:p>
-            <a:pPr lvl="3"/>
-            <a:r>
-              <a:rPr lang="zh-CN" altLang="en-US" smtClean="0"/>
-              <a:t>第四级</a:t>
-            </a:r>
-          </a:p>
-          <a:p>
-            <a:pPr lvl="4"/>
-            <a:r>
-              <a:rPr lang="zh-CN" altLang="en-US" smtClean="0"/>
-              <a:t>第五级</a:t>
-            </a:r>
-            <a:endParaRPr lang="zh-CN" altLang="en-US"/>
-          </a:p>
-        </p:txBody>
-      </p:sp>
-      <p:sp>
-        <p:nvSpPr>
-          <p:cNvPr id="7" name="Rectangle 6"/>
-          <p:cNvSpPr>
-            <a:spLocks noGrp="1" noChangeArrowheads="1"/>
-          </p:cNvSpPr>
-          <p:nvPr>
-            <p:ph type="dt" sz="half" idx="10"/>
-          </p:nvPr>
-        </p:nvSpPr>
-        <p:spPr>
-          <a:ln/>
-        </p:spPr>
-        <p:txBody>
-          <a:bodyPr/>
-          <a:lstStyle>
-            <a:lvl1pPr>
-              <a:defRPr/>
-            </a:lvl1pPr>
-          </a:lstStyle>
-          <a:p>
-            <a:pPr>
-              <a:defRPr/>
-            </a:pPr>
-            <a:endParaRPr lang="en-US" altLang="zh-CN"/>
-          </a:p>
-        </p:txBody>
-      </p:sp>
-      <p:sp>
-        <p:nvSpPr>
-          <p:cNvPr id="8" name="Rectangle 7"/>
-          <p:cNvSpPr>
-            <a:spLocks noGrp="1" noChangeArrowheads="1"/>
-          </p:cNvSpPr>
-          <p:nvPr>
-            <p:ph type="ftr" sz="quarter" idx="11"/>
-          </p:nvPr>
-        </p:nvSpPr>
-        <p:spPr>
-          <a:ln/>
-        </p:spPr>
-        <p:txBody>
-          <a:bodyPr/>
-          <a:lstStyle>
-            <a:lvl1pPr>
-              <a:defRPr/>
-            </a:lvl1pPr>
-          </a:lstStyle>
-          <a:p>
-            <a:pPr>
-              <a:defRPr/>
-            </a:pPr>
-            <a:endParaRPr lang="en-US" altLang="zh-CN"/>
-          </a:p>
-        </p:txBody>
-      </p:sp>
-      <p:sp>
-        <p:nvSpPr>
-          <p:cNvPr id="9" name="Rectangle 8"/>
-          <p:cNvSpPr>
-            <a:spLocks noGrp="1" noChangeArrowheads="1"/>
-          </p:cNvSpPr>
-          <p:nvPr>
-            <p:ph type="sldNum" sz="quarter" idx="12"/>
-          </p:nvPr>
-        </p:nvSpPr>
-        <p:spPr>
-          <a:ln/>
-        </p:spPr>
-        <p:txBody>
-          <a:bodyPr/>
-          <a:lstStyle>
-            <a:lvl1pPr>
-              <a:defRPr/>
-            </a:lvl1pPr>
-          </a:lstStyle>
-          <a:p>
-            <a:pPr>
-              <a:defRPr/>
-            </a:pPr>
-            <a:fld id="{31A8E896-1D8F-454E-8E0C-F7CD3EEA4BCF}" type="slidenum">
-              <a:rPr lang="en-US" altLang="zh-CN"/>
-              <a:pPr>
-                <a:defRPr/>
-              </a:pPr>
-              <a:t>‹#›</a:t>
-            </a:fld>
-            <a:endParaRPr lang="en-US" altLang="zh-CN"/>
-          </a:p>
-        </p:txBody>
-      </p:sp>
-    </p:spTree>
-    <p:extLst>
-      <p:ext uri="{BB962C8B-B14F-4D97-AF65-F5344CB8AC3E}">
-        <p14:creationId xmlns:p14="http://schemas.microsoft.com/office/powerpoint/2010/main" val="1350857381"/>
+        <p14:creationId xmlns:p14="http://schemas.microsoft.com/office/powerpoint/2010/main" val="2246299959"/>
       </p:ext>
     </p:extLst>
   </p:cSld>
@@ -3244,6 +2560,13 @@
           </p:nvPr>
         </p:nvSpPr>
         <p:spPr>
+          <a:xfrm>
+            <a:off x="812800" y="6245225"/>
+            <a:ext cx="2641600" cy="476250"/>
+          </a:xfrm>
+          <a:prstGeom prst="rect">
+            <a:avLst/>
+          </a:prstGeom>
           <a:ln/>
         </p:spPr>
         <p:txBody>
@@ -3257,7 +2580,7 @@
             <a:pPr>
               <a:defRPr/>
             </a:pPr>
-            <a:endParaRPr lang="en-US" altLang="zh-CN"/>
+            <a:endParaRPr lang="en-US" altLang="zh-CN" dirty="0"/>
           </a:p>
         </p:txBody>
       </p:sp>
@@ -3272,6 +2595,13 @@
           </p:nvPr>
         </p:nvSpPr>
         <p:spPr>
+          <a:xfrm>
+            <a:off x="4165600" y="6245225"/>
+            <a:ext cx="3860800" cy="476250"/>
+          </a:xfrm>
+          <a:prstGeom prst="rect">
+            <a:avLst/>
+          </a:prstGeom>
           <a:ln/>
         </p:spPr>
         <p:txBody>
@@ -3285,7 +2615,7 @@
             <a:pPr>
               <a:defRPr/>
             </a:pPr>
-            <a:endParaRPr lang="en-US" altLang="zh-CN"/>
+            <a:endParaRPr lang="en-US" altLang="zh-CN" dirty="0"/>
           </a:p>
         </p:txBody>
       </p:sp>
@@ -3300,6 +2630,13 @@
           </p:nvPr>
         </p:nvSpPr>
         <p:spPr>
+          <a:xfrm>
+            <a:off x="8737600" y="6245225"/>
+            <a:ext cx="2641600" cy="476250"/>
+          </a:xfrm>
+          <a:prstGeom prst="rect">
+            <a:avLst/>
+          </a:prstGeom>
           <a:ln/>
         </p:spPr>
         <p:txBody>
@@ -3313,21 +2650,21 @@
             <a:pPr>
               <a:defRPr/>
             </a:pPr>
-            <a:fld id="{C8897FB0-C034-4891-AECB-0464FA75E6C4}" type="slidenum">
+            <a:fld id="{15209603-DA32-4E08-B993-D56C85C4BB77}" type="slidenum">
               <a:rPr lang="en-US" altLang="zh-CN"/>
               <a:pPr>
                 <a:defRPr/>
               </a:pPr>
               <a:t>‹#›</a:t>
             </a:fld>
-            <a:endParaRPr lang="en-US" altLang="zh-CN"/>
+            <a:endParaRPr lang="en-US" altLang="zh-CN" dirty="0"/>
           </a:p>
         </p:txBody>
       </p:sp>
     </p:spTree>
     <p:extLst>
       <p:ext uri="{BB962C8B-B14F-4D97-AF65-F5344CB8AC3E}">
-        <p14:creationId xmlns:p14="http://schemas.microsoft.com/office/powerpoint/2010/main" val="1549404246"/>
+        <p14:creationId xmlns:p14="http://schemas.microsoft.com/office/powerpoint/2010/main" val="2443479709"/>
       </p:ext>
     </p:extLst>
   </p:cSld>
@@ -3341,8 +2678,8 @@
 </file>
 
 <file path=ppt/slideLayouts/slideLayout7.xml><?xml version="1.0" encoding="utf-8"?>
-<p:sldLayout xmlns:a="http://schemas.openxmlformats.org/drawingml/2006/main" xmlns:r="http://schemas.openxmlformats.org/officeDocument/2006/relationships" xmlns:p="http://schemas.openxmlformats.org/presentationml/2006/main" type="blank" preserve="1">
-  <p:cSld name="空白">
+<p:sldLayout xmlns:a="http://schemas.openxmlformats.org/drawingml/2006/main" xmlns:r="http://schemas.openxmlformats.org/officeDocument/2006/relationships" xmlns:p="http://schemas.openxmlformats.org/presentationml/2006/main" preserve="1" userDrawn="1">
+  <p:cSld name="1_标题幻灯片">
     <p:spTree>
       <p:nvGrpSpPr>
         <p:cNvPr id="1" name=""/>
@@ -3359,16 +2696,50 @@
       </p:grpSpPr>
       <p:sp>
         <p:nvSpPr>
-          <p:cNvPr id="2" name="Rectangle 6"/>
+          <p:cNvPr id="184322" name="Rectangle 2"/>
           <p:cNvSpPr>
             <a:spLocks noGrp="1" noChangeArrowheads="1"/>
           </p:cNvSpPr>
           <p:nvPr>
+            <p:ph type="ctrTitle"/>
+          </p:nvPr>
+        </p:nvSpPr>
+        <p:spPr>
+          <a:xfrm>
+            <a:off x="1127448" y="2636912"/>
+            <a:ext cx="10363200" cy="1128192"/>
+          </a:xfrm>
+        </p:spPr>
+        <p:txBody>
+          <a:bodyPr/>
+          <a:lstStyle>
+            <a:lvl1pPr algn="ctr">
+              <a:defRPr sz="4000"/>
+            </a:lvl1pPr>
+          </a:lstStyle>
+          <a:p>
+            <a:endParaRPr lang="zh-CN" altLang="en-US" dirty="0"/>
+          </a:p>
+        </p:txBody>
+      </p:sp>
+      <p:sp>
+        <p:nvSpPr>
+          <p:cNvPr id="5" name="Rectangle 4"/>
+          <p:cNvSpPr>
+            <a:spLocks noGrp="1" noChangeArrowheads="1"/>
+          </p:cNvSpPr>
+          <p:nvPr>
             <p:ph type="dt" sz="half" idx="10"/>
           </p:nvPr>
         </p:nvSpPr>
         <p:spPr>
-          <a:ln/>
+          <a:xfrm>
+            <a:off x="914400" y="6248400"/>
+            <a:ext cx="2540000" cy="457200"/>
+          </a:xfrm>
+          <a:prstGeom prst="rect">
+            <a:avLst/>
+          </a:prstGeom>
         </p:spPr>
         <p:txBody>
           <a:bodyPr/>
@@ -3381,13 +2752,13 @@
             <a:pPr>
               <a:defRPr/>
             </a:pPr>
-            <a:endParaRPr lang="en-US" altLang="zh-CN"/>
-          </a:p>
-        </p:txBody>
-      </p:sp>
-      <p:sp>
-        <p:nvSpPr>
-          <p:cNvPr id="3" name="Rectangle 7"/>
+            <a:endParaRPr lang="en-US" altLang="zh-CN" dirty="0"/>
+          </a:p>
+        </p:txBody>
+      </p:sp>
+      <p:sp>
+        <p:nvSpPr>
+          <p:cNvPr id="6" name="Rectangle 5"/>
           <p:cNvSpPr>
             <a:spLocks noGrp="1" noChangeArrowheads="1"/>
           </p:cNvSpPr>
@@ -3396,7 +2767,13 @@
           </p:nvPr>
         </p:nvSpPr>
         <p:spPr>
-          <a:ln/>
+          <a:xfrm>
+            <a:off x="4165600" y="6248400"/>
+            <a:ext cx="3860800" cy="457200"/>
+          </a:xfrm>
+          <a:prstGeom prst="rect">
+            <a:avLst/>
+          </a:prstGeom>
         </p:spPr>
         <p:txBody>
           <a:bodyPr/>
@@ -3409,13 +2786,13 @@
             <a:pPr>
               <a:defRPr/>
             </a:pPr>
-            <a:endParaRPr lang="en-US" altLang="zh-CN"/>
-          </a:p>
-        </p:txBody>
-      </p:sp>
-      <p:sp>
-        <p:nvSpPr>
-          <p:cNvPr id="4" name="Rectangle 8"/>
+            <a:endParaRPr lang="en-US" altLang="zh-CN" dirty="0"/>
+          </a:p>
+        </p:txBody>
+      </p:sp>
+      <p:sp>
+        <p:nvSpPr>
+          <p:cNvPr id="7" name="Rectangle 6"/>
           <p:cNvSpPr>
             <a:spLocks noGrp="1" noChangeArrowheads="1"/>
           </p:cNvSpPr>
@@ -3424,7 +2801,13 @@
           </p:nvPr>
         </p:nvSpPr>
         <p:spPr>
-          <a:ln/>
+          <a:xfrm>
+            <a:off x="8737600" y="6248400"/>
+            <a:ext cx="2540000" cy="457200"/>
+          </a:xfrm>
+          <a:prstGeom prst="rect">
+            <a:avLst/>
+          </a:prstGeom>
         </p:spPr>
         <p:txBody>
           <a:bodyPr/>
@@ -3437,610 +2820,21 @@
             <a:pPr>
               <a:defRPr/>
             </a:pPr>
-            <a:fld id="{6104039E-83C1-4423-88C9-747AD56E9B28}" type="slidenum">
+            <a:fld id="{D69D5A50-F480-4E46-95E7-D0B4288BA79C}" type="slidenum">
               <a:rPr lang="en-US" altLang="zh-CN"/>
               <a:pPr>
                 <a:defRPr/>
               </a:pPr>
               <a:t>‹#›</a:t>
             </a:fld>
-            <a:endParaRPr lang="en-US" altLang="zh-CN"/>
+            <a:endParaRPr lang="en-US" altLang="zh-CN" dirty="0"/>
           </a:p>
         </p:txBody>
       </p:sp>
     </p:spTree>
     <p:extLst>
       <p:ext uri="{BB962C8B-B14F-4D97-AF65-F5344CB8AC3E}">
-        <p14:creationId xmlns:p14="http://schemas.microsoft.com/office/powerpoint/2010/main" val="3005909322"/>
-      </p:ext>
-    </p:extLst>
-  </p:cSld>
-  <p:clrMapOvr>
-    <a:masterClrMapping/>
-  </p:clrMapOvr>
-  <p:transition>
-    <p:blinds dir="vert"/>
-  </p:transition>
-</p:sldLayout>
-</file>
-
-<file path=ppt/slideLayouts/slideLayout8.xml><?xml version="1.0" encoding="utf-8"?>
-<p:sldLayout xmlns:a="http://schemas.openxmlformats.org/drawingml/2006/main" xmlns:r="http://schemas.openxmlformats.org/officeDocument/2006/relationships" xmlns:p="http://schemas.openxmlformats.org/presentationml/2006/main" type="objTx" preserve="1">
-  <p:cSld name="内容与标题">
-    <p:spTree>
-      <p:nvGrpSpPr>
-        <p:cNvPr id="1" name=""/>
-        <p:cNvGrpSpPr/>
-        <p:nvPr/>
-      </p:nvGrpSpPr>
-      <p:grpSpPr>
-        <a:xfrm>
-          <a:off x="0" y="0"/>
-          <a:ext cx="0" cy="0"/>
-          <a:chOff x="0" y="0"/>
-          <a:chExt cx="0" cy="0"/>
-        </a:xfrm>
-      </p:grpSpPr>
-      <p:sp>
-        <p:nvSpPr>
-          <p:cNvPr id="2" name="标题 1"/>
-          <p:cNvSpPr>
-            <a:spLocks noGrp="1"/>
-          </p:cNvSpPr>
-          <p:nvPr>
-            <p:ph type="title"/>
-          </p:nvPr>
-        </p:nvSpPr>
-        <p:spPr>
-          <a:xfrm>
-            <a:off x="457200" y="273050"/>
-            <a:ext cx="3008313" cy="1162050"/>
-          </a:xfrm>
-        </p:spPr>
-        <p:txBody>
-          <a:bodyPr/>
-          <a:lstStyle>
-            <a:lvl1pPr algn="l">
-              <a:defRPr sz="2000" b="1"/>
-            </a:lvl1pPr>
-          </a:lstStyle>
-          <a:p>
-            <a:r>
-              <a:rPr lang="zh-CN" altLang="en-US" smtClean="0"/>
-              <a:t>单击此处编辑母版标题样式</a:t>
-            </a:r>
-            <a:endParaRPr lang="zh-CN" altLang="en-US"/>
-          </a:p>
-        </p:txBody>
-      </p:sp>
-      <p:sp>
-        <p:nvSpPr>
-          <p:cNvPr id="3" name="内容占位符 2"/>
-          <p:cNvSpPr>
-            <a:spLocks noGrp="1"/>
-          </p:cNvSpPr>
-          <p:nvPr>
-            <p:ph idx="1"/>
-          </p:nvPr>
-        </p:nvSpPr>
-        <p:spPr>
-          <a:xfrm>
-            <a:off x="3575050" y="273050"/>
-            <a:ext cx="5111750" cy="5853113"/>
-          </a:xfrm>
-        </p:spPr>
-        <p:txBody>
-          <a:bodyPr/>
-          <a:lstStyle>
-            <a:lvl1pPr>
-              <a:defRPr sz="3200"/>
-            </a:lvl1pPr>
-            <a:lvl2pPr>
-              <a:defRPr sz="2800"/>
-            </a:lvl2pPr>
-            <a:lvl3pPr>
-              <a:defRPr sz="2400"/>
-            </a:lvl3pPr>
-            <a:lvl4pPr>
-              <a:defRPr sz="2000"/>
-            </a:lvl4pPr>
-            <a:lvl5pPr>
-              <a:defRPr sz="2000"/>
-            </a:lvl5pPr>
-            <a:lvl6pPr>
-              <a:defRPr sz="2000"/>
-            </a:lvl6pPr>
-            <a:lvl7pPr>
-              <a:defRPr sz="2000"/>
-            </a:lvl7pPr>
-            <a:lvl8pPr>
-              <a:defRPr sz="2000"/>
-            </a:lvl8pPr>
-            <a:lvl9pPr>
-              <a:defRPr sz="2000"/>
-            </a:lvl9pPr>
-          </a:lstStyle>
-          <a:p>
-            <a:pPr lvl="0"/>
-            <a:r>
-              <a:rPr lang="zh-CN" altLang="en-US" smtClean="0"/>
-              <a:t>单击此处编辑母版文本样式</a:t>
-            </a:r>
-          </a:p>
-          <a:p>
-            <a:pPr lvl="1"/>
-            <a:r>
-              <a:rPr lang="zh-CN" altLang="en-US" smtClean="0"/>
-              <a:t>第二级</a:t>
-            </a:r>
-          </a:p>
-          <a:p>
-            <a:pPr lvl="2"/>
-            <a:r>
-              <a:rPr lang="zh-CN" altLang="en-US" smtClean="0"/>
-              <a:t>第三级</a:t>
-            </a:r>
-          </a:p>
-          <a:p>
-            <a:pPr lvl="3"/>
-            <a:r>
-              <a:rPr lang="zh-CN" altLang="en-US" smtClean="0"/>
-              <a:t>第四级</a:t>
-            </a:r>
-          </a:p>
-          <a:p>
-            <a:pPr lvl="4"/>
-            <a:r>
-              <a:rPr lang="zh-CN" altLang="en-US" smtClean="0"/>
-              <a:t>第五级</a:t>
-            </a:r>
-            <a:endParaRPr lang="zh-CN" altLang="en-US"/>
-          </a:p>
-        </p:txBody>
-      </p:sp>
-      <p:sp>
-        <p:nvSpPr>
-          <p:cNvPr id="4" name="文本占位符 3"/>
-          <p:cNvSpPr>
-            <a:spLocks noGrp="1"/>
-          </p:cNvSpPr>
-          <p:nvPr>
-            <p:ph type="body" sz="half" idx="2"/>
-          </p:nvPr>
-        </p:nvSpPr>
-        <p:spPr>
-          <a:xfrm>
-            <a:off x="457200" y="1435100"/>
-            <a:ext cx="3008313" cy="4691063"/>
-          </a:xfrm>
-        </p:spPr>
-        <p:txBody>
-          <a:bodyPr/>
-          <a:lstStyle>
-            <a:lvl1pPr marL="0" indent="0">
-              <a:buNone/>
-              <a:defRPr sz="1400"/>
-            </a:lvl1pPr>
-            <a:lvl2pPr marL="457200" indent="0">
-              <a:buNone/>
-              <a:defRPr sz="1200"/>
-            </a:lvl2pPr>
-            <a:lvl3pPr marL="914400" indent="0">
-              <a:buNone/>
-              <a:defRPr sz="1000"/>
-            </a:lvl3pPr>
-            <a:lvl4pPr marL="1371600" indent="0">
-              <a:buNone/>
-              <a:defRPr sz="900"/>
-            </a:lvl4pPr>
-            <a:lvl5pPr marL="1828800" indent="0">
-              <a:buNone/>
-              <a:defRPr sz="900"/>
-            </a:lvl5pPr>
-            <a:lvl6pPr marL="2286000" indent="0">
-              <a:buNone/>
-              <a:defRPr sz="900"/>
-            </a:lvl6pPr>
-            <a:lvl7pPr marL="2743200" indent="0">
-              <a:buNone/>
-              <a:defRPr sz="900"/>
-            </a:lvl7pPr>
-            <a:lvl8pPr marL="3200400" indent="0">
-              <a:buNone/>
-              <a:defRPr sz="900"/>
-            </a:lvl8pPr>
-            <a:lvl9pPr marL="3657600" indent="0">
-              <a:buNone/>
-              <a:defRPr sz="900"/>
-            </a:lvl9pPr>
-          </a:lstStyle>
-          <a:p>
-            <a:pPr lvl="0"/>
-            <a:r>
-              <a:rPr lang="zh-CN" altLang="en-US" smtClean="0"/>
-              <a:t>单击此处编辑母版文本样式</a:t>
-            </a:r>
-          </a:p>
-        </p:txBody>
-      </p:sp>
-      <p:sp>
-        <p:nvSpPr>
-          <p:cNvPr id="5" name="Rectangle 6"/>
-          <p:cNvSpPr>
-            <a:spLocks noGrp="1" noChangeArrowheads="1"/>
-          </p:cNvSpPr>
-          <p:nvPr>
-            <p:ph type="dt" sz="half" idx="10"/>
-          </p:nvPr>
-        </p:nvSpPr>
-        <p:spPr>
-          <a:ln/>
-        </p:spPr>
-        <p:txBody>
-          <a:bodyPr/>
-          <a:lstStyle>
-            <a:lvl1pPr>
-              <a:defRPr/>
-            </a:lvl1pPr>
-          </a:lstStyle>
-          <a:p>
-            <a:pPr>
-              <a:defRPr/>
-            </a:pPr>
-            <a:endParaRPr lang="en-US" altLang="zh-CN"/>
-          </a:p>
-        </p:txBody>
-      </p:sp>
-      <p:sp>
-        <p:nvSpPr>
-          <p:cNvPr id="6" name="Rectangle 7"/>
-          <p:cNvSpPr>
-            <a:spLocks noGrp="1" noChangeArrowheads="1"/>
-          </p:cNvSpPr>
-          <p:nvPr>
-            <p:ph type="ftr" sz="quarter" idx="11"/>
-          </p:nvPr>
-        </p:nvSpPr>
-        <p:spPr>
-          <a:ln/>
-        </p:spPr>
-        <p:txBody>
-          <a:bodyPr/>
-          <a:lstStyle>
-            <a:lvl1pPr>
-              <a:defRPr/>
-            </a:lvl1pPr>
-          </a:lstStyle>
-          <a:p>
-            <a:pPr>
-              <a:defRPr/>
-            </a:pPr>
-            <a:endParaRPr lang="en-US" altLang="zh-CN"/>
-          </a:p>
-        </p:txBody>
-      </p:sp>
-      <p:sp>
-        <p:nvSpPr>
-          <p:cNvPr id="7" name="Rectangle 8"/>
-          <p:cNvSpPr>
-            <a:spLocks noGrp="1" noChangeArrowheads="1"/>
-          </p:cNvSpPr>
-          <p:nvPr>
-            <p:ph type="sldNum" sz="quarter" idx="12"/>
-          </p:nvPr>
-        </p:nvSpPr>
-        <p:spPr>
-          <a:ln/>
-        </p:spPr>
-        <p:txBody>
-          <a:bodyPr/>
-          <a:lstStyle>
-            <a:lvl1pPr>
-              <a:defRPr/>
-            </a:lvl1pPr>
-          </a:lstStyle>
-          <a:p>
-            <a:pPr>
-              <a:defRPr/>
-            </a:pPr>
-            <a:fld id="{FEA0CF74-0CBD-43DB-9A7E-1A254DE4CA15}" type="slidenum">
-              <a:rPr lang="en-US" altLang="zh-CN"/>
-              <a:pPr>
-                <a:defRPr/>
-              </a:pPr>
-              <a:t>‹#›</a:t>
-            </a:fld>
-            <a:endParaRPr lang="en-US" altLang="zh-CN"/>
-          </a:p>
-        </p:txBody>
-      </p:sp>
-    </p:spTree>
-    <p:extLst>
-      <p:ext uri="{BB962C8B-B14F-4D97-AF65-F5344CB8AC3E}">
-        <p14:creationId xmlns:p14="http://schemas.microsoft.com/office/powerpoint/2010/main" val="114587376"/>
-      </p:ext>
-    </p:extLst>
-  </p:cSld>
-  <p:clrMapOvr>
-    <a:masterClrMapping/>
-  </p:clrMapOvr>
-  <p:transition>
-    <p:blinds dir="vert"/>
-  </p:transition>
-</p:sldLayout>
-</file>
-
-<file path=ppt/slideLayouts/slideLayout9.xml><?xml version="1.0" encoding="utf-8"?>
-<p:sldLayout xmlns:a="http://schemas.openxmlformats.org/drawingml/2006/main" xmlns:r="http://schemas.openxmlformats.org/officeDocument/2006/relationships" xmlns:p="http://schemas.openxmlformats.org/presentationml/2006/main" type="picTx" preserve="1">
-  <p:cSld name="图片与标题">
-    <p:spTree>
-      <p:nvGrpSpPr>
-        <p:cNvPr id="1" name=""/>
-        <p:cNvGrpSpPr/>
-        <p:nvPr/>
-      </p:nvGrpSpPr>
-      <p:grpSpPr>
-        <a:xfrm>
-          <a:off x="0" y="0"/>
-          <a:ext cx="0" cy="0"/>
-          <a:chOff x="0" y="0"/>
-          <a:chExt cx="0" cy="0"/>
-        </a:xfrm>
-      </p:grpSpPr>
-      <p:sp>
-        <p:nvSpPr>
-          <p:cNvPr id="2" name="标题 1"/>
-          <p:cNvSpPr>
-            <a:spLocks noGrp="1"/>
-          </p:cNvSpPr>
-          <p:nvPr>
-            <p:ph type="title"/>
-          </p:nvPr>
-        </p:nvSpPr>
-        <p:spPr>
-          <a:xfrm>
-            <a:off x="1792288" y="4800600"/>
-            <a:ext cx="5486400" cy="566738"/>
-          </a:xfrm>
-        </p:spPr>
-        <p:txBody>
-          <a:bodyPr/>
-          <a:lstStyle>
-            <a:lvl1pPr algn="l">
-              <a:defRPr sz="2000" b="1"/>
-            </a:lvl1pPr>
-          </a:lstStyle>
-          <a:p>
-            <a:r>
-              <a:rPr lang="zh-CN" altLang="en-US" smtClean="0"/>
-              <a:t>单击此处编辑母版标题样式</a:t>
-            </a:r>
-            <a:endParaRPr lang="zh-CN" altLang="en-US"/>
-          </a:p>
-        </p:txBody>
-      </p:sp>
-      <p:sp>
-        <p:nvSpPr>
-          <p:cNvPr id="3" name="图片占位符 2"/>
-          <p:cNvSpPr>
-            <a:spLocks noGrp="1"/>
-          </p:cNvSpPr>
-          <p:nvPr>
-            <p:ph type="pic" idx="1"/>
-          </p:nvPr>
-        </p:nvSpPr>
-        <p:spPr>
-          <a:xfrm>
-            <a:off x="1792288" y="612775"/>
-            <a:ext cx="5486400" cy="4114800"/>
-          </a:xfrm>
-        </p:spPr>
-        <p:txBody>
-          <a:bodyPr/>
-          <a:lstStyle>
-            <a:lvl1pPr marL="0" indent="0">
-              <a:buNone/>
-              <a:defRPr sz="3200"/>
-            </a:lvl1pPr>
-            <a:lvl2pPr marL="457200" indent="0">
-              <a:buNone/>
-              <a:defRPr sz="2800"/>
-            </a:lvl2pPr>
-            <a:lvl3pPr marL="914400" indent="0">
-              <a:buNone/>
-              <a:defRPr sz="2400"/>
-            </a:lvl3pPr>
-            <a:lvl4pPr marL="1371600" indent="0">
-              <a:buNone/>
-              <a:defRPr sz="2000"/>
-            </a:lvl4pPr>
-            <a:lvl5pPr marL="1828800" indent="0">
-              <a:buNone/>
-              <a:defRPr sz="2000"/>
-            </a:lvl5pPr>
-            <a:lvl6pPr marL="2286000" indent="0">
-              <a:buNone/>
-              <a:defRPr sz="2000"/>
-            </a:lvl6pPr>
-            <a:lvl7pPr marL="2743200" indent="0">
-              <a:buNone/>
-              <a:defRPr sz="2000"/>
-            </a:lvl7pPr>
-            <a:lvl8pPr marL="3200400" indent="0">
-              <a:buNone/>
-              <a:defRPr sz="2000"/>
-            </a:lvl8pPr>
-            <a:lvl9pPr marL="3657600" indent="0">
-              <a:buNone/>
-              <a:defRPr sz="2000"/>
-            </a:lvl9pPr>
-          </a:lstStyle>
-          <a:p>
-            <a:pPr lvl="0"/>
-            <a:endParaRPr lang="zh-CN" altLang="en-US" noProof="0" smtClean="0"/>
-          </a:p>
-        </p:txBody>
-      </p:sp>
-      <p:sp>
-        <p:nvSpPr>
-          <p:cNvPr id="4" name="文本占位符 3"/>
-          <p:cNvSpPr>
-            <a:spLocks noGrp="1"/>
-          </p:cNvSpPr>
-          <p:nvPr>
-            <p:ph type="body" sz="half" idx="2"/>
-          </p:nvPr>
-        </p:nvSpPr>
-        <p:spPr>
-          <a:xfrm>
-            <a:off x="1792288" y="5367338"/>
-            <a:ext cx="5486400" cy="804862"/>
-          </a:xfrm>
-        </p:spPr>
-        <p:txBody>
-          <a:bodyPr/>
-          <a:lstStyle>
-            <a:lvl1pPr marL="0" indent="0">
-              <a:buNone/>
-              <a:defRPr sz="1400"/>
-            </a:lvl1pPr>
-            <a:lvl2pPr marL="457200" indent="0">
-              <a:buNone/>
-              <a:defRPr sz="1200"/>
-            </a:lvl2pPr>
-            <a:lvl3pPr marL="914400" indent="0">
-              <a:buNone/>
-              <a:defRPr sz="1000"/>
-            </a:lvl3pPr>
-            <a:lvl4pPr marL="1371600" indent="0">
-              <a:buNone/>
-              <a:defRPr sz="900"/>
-            </a:lvl4pPr>
-            <a:lvl5pPr marL="1828800" indent="0">
-              <a:buNone/>
-              <a:defRPr sz="900"/>
-            </a:lvl5pPr>
-            <a:lvl6pPr marL="2286000" indent="0">
-              <a:buNone/>
-              <a:defRPr sz="900"/>
-            </a:lvl6pPr>
-            <a:lvl7pPr marL="2743200" indent="0">
-              <a:buNone/>
-              <a:defRPr sz="900"/>
-            </a:lvl7pPr>
-            <a:lvl8pPr marL="3200400" indent="0">
-              <a:buNone/>
-              <a:defRPr sz="900"/>
-            </a:lvl8pPr>
-            <a:lvl9pPr marL="3657600" indent="0">
-              <a:buNone/>
-              <a:defRPr sz="900"/>
-            </a:lvl9pPr>
-          </a:lstStyle>
-          <a:p>
-            <a:pPr lvl="0"/>
-            <a:r>
-              <a:rPr lang="zh-CN" altLang="en-US" smtClean="0"/>
-              <a:t>单击此处编辑母版文本样式</a:t>
-            </a:r>
-          </a:p>
-        </p:txBody>
-      </p:sp>
-      <p:sp>
-        <p:nvSpPr>
-          <p:cNvPr id="5" name="Rectangle 6"/>
-          <p:cNvSpPr>
-            <a:spLocks noGrp="1" noChangeArrowheads="1"/>
-          </p:cNvSpPr>
-          <p:nvPr>
-            <p:ph type="dt" sz="half" idx="10"/>
-          </p:nvPr>
-        </p:nvSpPr>
-        <p:spPr>
-          <a:ln/>
-        </p:spPr>
-        <p:txBody>
-          <a:bodyPr/>
-          <a:lstStyle>
-            <a:lvl1pPr>
-              <a:defRPr/>
-            </a:lvl1pPr>
-          </a:lstStyle>
-          <a:p>
-            <a:pPr>
-              <a:defRPr/>
-            </a:pPr>
-            <a:endParaRPr lang="en-US" altLang="zh-CN"/>
-          </a:p>
-        </p:txBody>
-      </p:sp>
-      <p:sp>
-        <p:nvSpPr>
-          <p:cNvPr id="6" name="Rectangle 7"/>
-          <p:cNvSpPr>
-            <a:spLocks noGrp="1" noChangeArrowheads="1"/>
-          </p:cNvSpPr>
-          <p:nvPr>
-            <p:ph type="ftr" sz="quarter" idx="11"/>
-          </p:nvPr>
-        </p:nvSpPr>
-        <p:spPr>
-          <a:ln/>
-        </p:spPr>
-        <p:txBody>
-          <a:bodyPr/>
-          <a:lstStyle>
-            <a:lvl1pPr>
-              <a:defRPr/>
-            </a:lvl1pPr>
-          </a:lstStyle>
-          <a:p>
-            <a:pPr>
-              <a:defRPr/>
-            </a:pPr>
-            <a:endParaRPr lang="en-US" altLang="zh-CN"/>
-          </a:p>
-        </p:txBody>
-      </p:sp>
-      <p:sp>
-        <p:nvSpPr>
-          <p:cNvPr id="7" name="Rectangle 8"/>
-          <p:cNvSpPr>
-            <a:spLocks noGrp="1" noChangeArrowheads="1"/>
-          </p:cNvSpPr>
-          <p:nvPr>
-            <p:ph type="sldNum" sz="quarter" idx="12"/>
-          </p:nvPr>
-        </p:nvSpPr>
-        <p:spPr>
-          <a:ln/>
-        </p:spPr>
-        <p:txBody>
-          <a:bodyPr/>
-          <a:lstStyle>
-            <a:lvl1pPr>
-              <a:defRPr/>
-            </a:lvl1pPr>
-          </a:lstStyle>
-          <a:p>
-            <a:pPr>
-              <a:defRPr/>
-            </a:pPr>
-            <a:fld id="{C81015AC-05C6-4E54-A464-1C9D3B84D053}" type="slidenum">
-              <a:rPr lang="en-US" altLang="zh-CN"/>
-              <a:pPr>
-                <a:defRPr/>
-              </a:pPr>
-              <a:t>‹#›</a:t>
-            </a:fld>
-            <a:endParaRPr lang="en-US" altLang="zh-CN"/>
-          </a:p>
-        </p:txBody>
-      </p:sp>
-    </p:spTree>
-    <p:extLst>
-      <p:ext uri="{BB962C8B-B14F-4D97-AF65-F5344CB8AC3E}">
-        <p14:creationId xmlns:p14="http://schemas.microsoft.com/office/powerpoint/2010/main" val="619772789"/>
+        <p14:creationId xmlns:p14="http://schemas.microsoft.com/office/powerpoint/2010/main" val="3284914725"/>
       </p:ext>
     </p:extLst>
   </p:cSld>
@@ -4058,14 +2852,9 @@
   <p:cSld>
     <p:bg>
       <p:bgPr>
-        <a:pattFill prst="ltHorz">
-          <a:fgClr>
-            <a:schemeClr val="bg2"/>
-          </a:fgClr>
-          <a:bgClr>
-            <a:schemeClr val="bg1"/>
-          </a:bgClr>
-        </a:pattFill>
+        <a:solidFill>
+          <a:schemeClr val="bg1"/>
+        </a:solidFill>
         <a:effectLst/>
       </p:bgPr>
     </p:bg>
@@ -4095,8 +2884,8 @@
         </p:nvSpPr>
         <p:spPr bwMode="auto">
           <a:xfrm>
-            <a:off x="574675" y="304800"/>
-            <a:ext cx="8001000" cy="1216025"/>
+            <a:off x="684584" y="260648"/>
+            <a:ext cx="10668000" cy="720080"/>
           </a:xfrm>
           <a:prstGeom prst="rect">
             <a:avLst/>
@@ -4135,7 +2924,7 @@
           <a:p>
             <a:pPr lvl="0"/>
             <a:r>
-              <a:rPr lang="zh-CN" altLang="en-US" smtClean="0"/>
+              <a:rPr lang="zh-CN" altLang="en-US" dirty="0" smtClean="0"/>
               <a:t>单击此处编辑母版标题样式</a:t>
             </a:r>
           </a:p>
@@ -4153,8 +2942,8 @@
         </p:nvSpPr>
         <p:spPr bwMode="auto">
           <a:xfrm>
-            <a:off x="566738" y="1752600"/>
-            <a:ext cx="8001000" cy="4267200"/>
+            <a:off x="695400" y="1196752"/>
+            <a:ext cx="10668000" cy="4267200"/>
           </a:xfrm>
           <a:prstGeom prst="rect">
             <a:avLst/>
@@ -4193,36 +2982,44 @@
           <a:p>
             <a:pPr lvl="0"/>
             <a:r>
-              <a:rPr lang="zh-CN" altLang="en-US" smtClean="0"/>
+              <a:rPr lang="zh-CN" altLang="en-US" dirty="0" smtClean="0"/>
               <a:t>单击此处编辑母版文本样式</a:t>
             </a:r>
           </a:p>
           <a:p>
             <a:pPr lvl="1"/>
             <a:r>
-              <a:rPr lang="zh-CN" altLang="en-US" smtClean="0"/>
+              <a:rPr lang="zh-CN" altLang="en-US" dirty="0" smtClean="0"/>
               <a:t>第二级</a:t>
             </a:r>
           </a:p>
           <a:p>
-            <a:pPr lvl="2"/>
-            <a:r>
-              <a:rPr lang="zh-CN" altLang="en-US" smtClean="0"/>
+            <a:pPr marL="1304925" lvl="2" indent="-395288" algn="l" rtl="0" eaLnBrk="0" fontAlgn="base" hangingPunct="0">
+              <a:lnSpc>
+                <a:spcPct val="150000"/>
+              </a:lnSpc>
+              <a:spcBef>
+                <a:spcPct val="20000"/>
+              </a:spcBef>
+              <a:spcAft>
+                <a:spcPct val="0"/>
+              </a:spcAft>
+              <a:buClr>
+                <a:schemeClr val="accent2"/>
+              </a:buClr>
+              <a:buFont typeface="Arial" panose="020B0604020202020204" pitchFamily="34" charset="0"/>
+              <a:buChar char="•"/>
+            </a:pPr>
+            <a:r>
+              <a:rPr lang="zh-CN" altLang="en-US" dirty="0" smtClean="0"/>
               <a:t>第三级</a:t>
             </a:r>
           </a:p>
           <a:p>
             <a:pPr lvl="3"/>
             <a:r>
-              <a:rPr lang="zh-CN" altLang="en-US" smtClean="0"/>
+              <a:rPr lang="zh-CN" altLang="en-US" dirty="0" smtClean="0"/>
               <a:t>第四级</a:t>
-            </a:r>
-          </a:p>
-          <a:p>
-            <a:pPr lvl="4"/>
-            <a:r>
-              <a:rPr lang="zh-CN" altLang="en-US" smtClean="0"/>
-              <a:t>第五级</a:t>
             </a:r>
           </a:p>
         </p:txBody>
@@ -4237,23 +3034,23 @@
         </p:nvSpPr>
         <p:spPr bwMode="auto">
           <a:xfrm>
-            <a:off x="609600" y="1566863"/>
-            <a:ext cx="7958138" cy="109537"/>
+            <a:off x="695400" y="980728"/>
+            <a:ext cx="10610851" cy="109537"/>
           </a:xfrm>
           <a:custGeom>
             <a:avLst/>
             <a:gdLst>
               <a:gd name="T0" fmla="*/ 0 w 1000"/>
               <a:gd name="T1" fmla="*/ 0 h 1000"/>
-              <a:gd name="T2" fmla="*/ 585 w 1000"/>
+              <a:gd name="T2" fmla="*/ 4655511 w 1000"/>
               <a:gd name="T3" fmla="*/ 0 h 1000"/>
-              <a:gd name="T4" fmla="*/ 585 w 1000"/>
-              <a:gd name="T5" fmla="*/ 1000 h 1000"/>
+              <a:gd name="T4" fmla="*/ 4655511 w 1000"/>
+              <a:gd name="T5" fmla="*/ 109537 h 1000"/>
               <a:gd name="T6" fmla="*/ 0 w 1000"/>
-              <a:gd name="T7" fmla="*/ 1000 h 1000"/>
+              <a:gd name="T7" fmla="*/ 109537 h 1000"/>
               <a:gd name="T8" fmla="*/ 0 w 1000"/>
               <a:gd name="T9" fmla="*/ 0 h 1000"/>
-              <a:gd name="T10" fmla="*/ 1000 w 1000"/>
+              <a:gd name="T10" fmla="*/ 7958138 w 1000"/>
               <a:gd name="T11" fmla="*/ 0 h 1000"/>
               <a:gd name="T12" fmla="*/ 0 60000 65536"/>
               <a:gd name="T13" fmla="*/ 0 60000 65536"/>
@@ -4343,8 +3140,8 @@
         </p:nvSpPr>
         <p:spPr bwMode="auto">
           <a:xfrm flipV="1">
-            <a:off x="609600" y="6172200"/>
-            <a:ext cx="7924800" cy="0"/>
+            <a:off x="695400" y="5949280"/>
+            <a:ext cx="10566400" cy="0"/>
           </a:xfrm>
           <a:prstGeom prst="line">
             <a:avLst/>
@@ -4374,167 +3171,17 @@
           </a:p>
         </p:txBody>
       </p:sp>
-      <p:sp>
-        <p:nvSpPr>
-          <p:cNvPr id="183302" name="Rectangle 6"/>
-          <p:cNvSpPr>
-            <a:spLocks noGrp="1" noChangeArrowheads="1"/>
-          </p:cNvSpPr>
-          <p:nvPr>
-            <p:ph type="dt" sz="half" idx="2"/>
-          </p:nvPr>
-        </p:nvSpPr>
-        <p:spPr bwMode="auto">
-          <a:xfrm>
-            <a:off x="609600" y="6245225"/>
-            <a:ext cx="1981200" cy="476250"/>
-          </a:xfrm>
-          <a:prstGeom prst="rect">
-            <a:avLst/>
-          </a:prstGeom>
-          <a:noFill/>
-          <a:ln w="9525">
-            <a:noFill/>
-            <a:miter lim="800000"/>
-            <a:headEnd/>
-            <a:tailEnd/>
-          </a:ln>
-          <a:effectLst/>
-        </p:spPr>
-        <p:txBody>
-          <a:bodyPr vert="horz" wrap="square" lIns="91440" tIns="45720" rIns="91440" bIns="45720" numCol="1" anchor="t" anchorCtr="0" compatLnSpc="1">
-            <a:prstTxWarp prst="textNoShape">
-              <a:avLst/>
-            </a:prstTxWarp>
-          </a:bodyPr>
-          <a:lstStyle>
-            <a:lvl1pPr>
-              <a:defRPr sz="1200"/>
-            </a:lvl1pPr>
-          </a:lstStyle>
-          <a:p>
-            <a:pPr>
-              <a:defRPr/>
-            </a:pPr>
-            <a:endParaRPr lang="en-US" altLang="zh-CN"/>
-          </a:p>
-        </p:txBody>
-      </p:sp>
-      <p:sp>
-        <p:nvSpPr>
-          <p:cNvPr id="183303" name="Rectangle 7"/>
-          <p:cNvSpPr>
-            <a:spLocks noGrp="1" noChangeArrowheads="1"/>
-          </p:cNvSpPr>
-          <p:nvPr>
-            <p:ph type="ftr" sz="quarter" idx="3"/>
-          </p:nvPr>
-        </p:nvSpPr>
-        <p:spPr bwMode="auto">
-          <a:xfrm>
-            <a:off x="3124200" y="6245225"/>
-            <a:ext cx="2895600" cy="476250"/>
-          </a:xfrm>
-          <a:prstGeom prst="rect">
-            <a:avLst/>
-          </a:prstGeom>
-          <a:noFill/>
-          <a:ln w="9525">
-            <a:noFill/>
-            <a:miter lim="800000"/>
-            <a:headEnd/>
-            <a:tailEnd/>
-          </a:ln>
-          <a:effectLst/>
-        </p:spPr>
-        <p:txBody>
-          <a:bodyPr vert="horz" wrap="square" lIns="91440" tIns="45720" rIns="91440" bIns="45720" numCol="1" anchor="t" anchorCtr="0" compatLnSpc="1">
-            <a:prstTxWarp prst="textNoShape">
-              <a:avLst/>
-            </a:prstTxWarp>
-          </a:bodyPr>
-          <a:lstStyle>
-            <a:lvl1pPr algn="ctr">
-              <a:defRPr sz="1200"/>
-            </a:lvl1pPr>
-          </a:lstStyle>
-          <a:p>
-            <a:pPr>
-              <a:defRPr/>
-            </a:pPr>
-            <a:endParaRPr lang="en-US" altLang="zh-CN"/>
-          </a:p>
-        </p:txBody>
-      </p:sp>
-      <p:sp>
-        <p:nvSpPr>
-          <p:cNvPr id="183304" name="Rectangle 8"/>
-          <p:cNvSpPr>
-            <a:spLocks noGrp="1" noChangeArrowheads="1"/>
-          </p:cNvSpPr>
-          <p:nvPr>
-            <p:ph type="sldNum" sz="quarter" idx="4"/>
-          </p:nvPr>
-        </p:nvSpPr>
-        <p:spPr bwMode="auto">
-          <a:xfrm>
-            <a:off x="6553200" y="6245225"/>
-            <a:ext cx="1981200" cy="476250"/>
-          </a:xfrm>
-          <a:prstGeom prst="rect">
-            <a:avLst/>
-          </a:prstGeom>
-          <a:noFill/>
-          <a:ln w="9525">
-            <a:noFill/>
-            <a:miter lim="800000"/>
-            <a:headEnd/>
-            <a:tailEnd/>
-          </a:ln>
-          <a:effectLst/>
-        </p:spPr>
-        <p:txBody>
-          <a:bodyPr vert="horz" wrap="square" lIns="91440" tIns="45720" rIns="91440" bIns="45720" numCol="1" anchor="t" anchorCtr="0" compatLnSpc="1">
-            <a:prstTxWarp prst="textNoShape">
-              <a:avLst/>
-            </a:prstTxWarp>
-          </a:bodyPr>
-          <a:lstStyle>
-            <a:lvl1pPr algn="r">
-              <a:defRPr sz="1200"/>
-            </a:lvl1pPr>
-          </a:lstStyle>
-          <a:p>
-            <a:pPr>
-              <a:defRPr/>
-            </a:pPr>
-            <a:fld id="{807030D2-A4B3-4FEB-9FA1-EE311C3DAFB0}" type="slidenum">
-              <a:rPr lang="en-US" altLang="zh-CN"/>
-              <a:pPr>
-                <a:defRPr/>
-              </a:pPr>
-              <a:t>‹#›</a:t>
-            </a:fld>
-            <a:endParaRPr lang="en-US" altLang="zh-CN"/>
-          </a:p>
-        </p:txBody>
-      </p:sp>
     </p:spTree>
   </p:cSld>
   <p:clrMap bg1="lt1" tx1="dk1" bg2="lt2" tx2="dk2" accent1="accent1" accent2="accent2" accent3="accent3" accent4="accent4" accent5="accent5" accent6="accent6" hlink="hlink" folHlink="folHlink"/>
   <p:sldLayoutIdLst>
-    <p:sldLayoutId id="2147483944" r:id="rId1"/>
-    <p:sldLayoutId id="2147483933" r:id="rId2"/>
-    <p:sldLayoutId id="2147483934" r:id="rId3"/>
-    <p:sldLayoutId id="2147483935" r:id="rId4"/>
-    <p:sldLayoutId id="2147483936" r:id="rId5"/>
-    <p:sldLayoutId id="2147483937" r:id="rId6"/>
-    <p:sldLayoutId id="2147483938" r:id="rId7"/>
-    <p:sldLayoutId id="2147483939" r:id="rId8"/>
-    <p:sldLayoutId id="2147483940" r:id="rId9"/>
-    <p:sldLayoutId id="2147483941" r:id="rId10"/>
-    <p:sldLayoutId id="2147483942" r:id="rId11"/>
-    <p:sldLayoutId id="2147483943" r:id="rId12"/>
+    <p:sldLayoutId id="2147483892" r:id="rId1"/>
+    <p:sldLayoutId id="2147483881" r:id="rId2"/>
+    <p:sldLayoutId id="2147483922" r:id="rId3"/>
+    <p:sldLayoutId id="2147483882" r:id="rId4"/>
+    <p:sldLayoutId id="2147483883" r:id="rId5"/>
+    <p:sldLayoutId id="2147483885" r:id="rId6"/>
+    <p:sldLayoutId id="2147483923" r:id="rId7"/>
   </p:sldLayoutIdLst>
   <p:transition>
     <p:blinds dir="vert"/>
@@ -4546,7 +3193,7 @@
       </p:par>
     </p:tnLst>
   </p:timing>
-  <p:hf hdr="0" ftr="0" dt="0"/>
+  <p:hf sldNum="0" hdr="0" ftr="0" dt="0"/>
   <p:txStyles>
     <p:titleStyle>
       <a:lvl1pPr algn="l" rtl="0" eaLnBrk="0" fontAlgn="base" hangingPunct="0">
@@ -4556,12 +3203,12 @@
         <a:spcAft>
           <a:spcPct val="0"/>
         </a:spcAft>
-        <a:defRPr sz="3800">
+        <a:defRPr sz="3600" b="1" baseline="0">
           <a:solidFill>
             <a:schemeClr val="tx2"/>
           </a:solidFill>
-          <a:latin typeface="+mj-lt"/>
-          <a:ea typeface="+mj-ea"/>
+          <a:latin typeface="华文楷体" panose="02010600040101010101" pitchFamily="2" charset="-122"/>
+          <a:ea typeface="华文楷体" panose="02010600040101010101" pitchFamily="2" charset="-122"/>
           <a:cs typeface="+mj-cs"/>
         </a:defRPr>
       </a:lvl1pPr>
@@ -4688,6 +3335,56 @@
     </p:titleStyle>
     <p:bodyStyle>
       <a:lvl1pPr marL="469900" indent="-469900" algn="l" rtl="0" eaLnBrk="0" fontAlgn="base" hangingPunct="0">
+        <a:lnSpc>
+          <a:spcPct val="150000"/>
+        </a:lnSpc>
+        <a:spcBef>
+          <a:spcPct val="20000"/>
+        </a:spcBef>
+        <a:spcAft>
+          <a:spcPct val="0"/>
+        </a:spcAft>
+        <a:buClr>
+          <a:schemeClr val="accent2"/>
+        </a:buClr>
+        <a:buFont typeface="Wingdings" pitchFamily="2" charset="2"/>
+        <a:buChar char="Ø"/>
+        <a:defRPr sz="2800" b="1" baseline="0">
+          <a:solidFill>
+            <a:schemeClr val="tx1"/>
+          </a:solidFill>
+          <a:latin typeface="华文楷体" panose="02010600040101010101" pitchFamily="2" charset="-122"/>
+          <a:ea typeface="华文楷体" panose="02010600040101010101" pitchFamily="2" charset="-122"/>
+          <a:cs typeface="+mn-cs"/>
+        </a:defRPr>
+      </a:lvl1pPr>
+      <a:lvl2pPr marL="908050" indent="-436563" algn="l" rtl="0" eaLnBrk="0" fontAlgn="base" hangingPunct="0">
+        <a:lnSpc>
+          <a:spcPct val="150000"/>
+        </a:lnSpc>
+        <a:spcBef>
+          <a:spcPct val="20000"/>
+        </a:spcBef>
+        <a:spcAft>
+          <a:spcPct val="0"/>
+        </a:spcAft>
+        <a:buClr>
+          <a:schemeClr val="accent2"/>
+        </a:buClr>
+        <a:buFont typeface="Wingdings" pitchFamily="2" charset="2"/>
+        <a:buChar char="l"/>
+        <a:defRPr sz="2600" b="1" baseline="0">
+          <a:solidFill>
+            <a:schemeClr val="tx1"/>
+          </a:solidFill>
+          <a:latin typeface="华文楷体" panose="02010600040101010101" pitchFamily="2" charset="-122"/>
+          <a:ea typeface="华文楷体" panose="02010600040101010101" pitchFamily="2" charset="-122"/>
+        </a:defRPr>
+      </a:lvl2pPr>
+      <a:lvl3pPr marL="1304925" indent="-395288" algn="l" rtl="0" eaLnBrk="0" fontAlgn="base" hangingPunct="0">
+        <a:lnSpc>
+          <a:spcPct val="150000"/>
+        </a:lnSpc>
         <a:spcBef>
           <a:spcPct val="20000"/>
         </a:spcBef>
@@ -4699,16 +3396,18 @@
         </a:buClr>
         <a:buFont typeface="Wingdings" pitchFamily="2" charset="2"/>
         <a:buChar char="o"/>
-        <a:defRPr sz="3000">
+        <a:defRPr lang="zh-CN" altLang="en-US" sz="2400" b="1" baseline="0" dirty="0" smtClean="0">
           <a:solidFill>
             <a:schemeClr val="tx1"/>
           </a:solidFill>
-          <a:latin typeface="+mn-lt"/>
-          <a:ea typeface="+mn-ea"/>
-          <a:cs typeface="+mn-cs"/>
+          <a:latin typeface="华文楷体" panose="02010600040101010101" pitchFamily="2" charset="-122"/>
+          <a:ea typeface="楷体" panose="02010609060101010101" pitchFamily="49" charset="-122"/>
         </a:defRPr>
-      </a:lvl1pPr>
-      <a:lvl2pPr marL="908050" indent="-436563" algn="l" rtl="0" eaLnBrk="0" fontAlgn="base" hangingPunct="0">
+      </a:lvl3pPr>
+      <a:lvl4pPr marL="1693863" indent="-387350" algn="l" rtl="0" eaLnBrk="0" fontAlgn="base" hangingPunct="0">
+        <a:lnSpc>
+          <a:spcPct val="150000"/>
+        </a:lnSpc>
         <a:spcBef>
           <a:spcPct val="20000"/>
         </a:spcBef>
@@ -4718,57 +3417,20 @@
         <a:buClr>
           <a:schemeClr val="accent2"/>
         </a:buClr>
-        <a:buFont typeface="Wingdings" pitchFamily="2" charset="2"/>
-        <a:buChar char="n"/>
-        <a:defRPr sz="2600">
+        <a:buFont typeface="Arial" panose="020B0604020202020204" pitchFamily="34" charset="0"/>
+        <a:buChar char="•"/>
+        <a:defRPr sz="2000" b="1" baseline="0">
           <a:solidFill>
             <a:schemeClr val="tx1"/>
           </a:solidFill>
-          <a:latin typeface="+mn-lt"/>
-          <a:ea typeface="+mn-ea"/>
-        </a:defRPr>
-      </a:lvl2pPr>
-      <a:lvl3pPr marL="1304925" indent="-395288" algn="l" rtl="0" eaLnBrk="0" fontAlgn="base" hangingPunct="0">
-        <a:spcBef>
-          <a:spcPct val="20000"/>
-        </a:spcBef>
-        <a:spcAft>
-          <a:spcPct val="0"/>
-        </a:spcAft>
-        <a:buClr>
-          <a:schemeClr val="accent2"/>
-        </a:buClr>
-        <a:buFont typeface="Wingdings" pitchFamily="2" charset="2"/>
-        <a:buChar char="o"/>
-        <a:defRPr sz="2300">
-          <a:solidFill>
-            <a:schemeClr val="tx1"/>
-          </a:solidFill>
-          <a:latin typeface="+mn-lt"/>
-          <a:ea typeface="+mn-ea"/>
-        </a:defRPr>
-      </a:lvl3pPr>
-      <a:lvl4pPr marL="1693863" indent="-387350" algn="l" rtl="0" eaLnBrk="0" fontAlgn="base" hangingPunct="0">
-        <a:spcBef>
-          <a:spcPct val="20000"/>
-        </a:spcBef>
-        <a:spcAft>
-          <a:spcPct val="0"/>
-        </a:spcAft>
-        <a:buClr>
-          <a:schemeClr val="accent2"/>
-        </a:buClr>
-        <a:buFont typeface="Wingdings" pitchFamily="2" charset="2"/>
-        <a:buChar char="n"/>
-        <a:defRPr sz="2000">
-          <a:solidFill>
-            <a:schemeClr val="tx1"/>
-          </a:solidFill>
-          <a:latin typeface="+mn-lt"/>
-          <a:ea typeface="+mn-ea"/>
+          <a:latin typeface="华文楷体" panose="02010600040101010101" pitchFamily="2" charset="-122"/>
+          <a:ea typeface="华文楷体" panose="02010600040101010101" pitchFamily="2" charset="-122"/>
         </a:defRPr>
       </a:lvl4pPr>
       <a:lvl5pPr marL="2093913" indent="-398463" algn="l" rtl="0" eaLnBrk="0" fontAlgn="base" hangingPunct="0">
+        <a:lnSpc>
+          <a:spcPct val="150000"/>
+        </a:lnSpc>
         <a:spcBef>
           <a:spcPct val="25000"/>
         </a:spcBef>
@@ -4780,12 +3442,12 @@
         </a:buClr>
         <a:buFont typeface="Wingdings" pitchFamily="2" charset="2"/>
         <a:buChar char="§"/>
-        <a:defRPr sz="2000">
+        <a:defRPr sz="2000" b="1" baseline="0">
           <a:solidFill>
             <a:schemeClr val="tx1"/>
           </a:solidFill>
-          <a:latin typeface="+mn-lt"/>
-          <a:ea typeface="+mn-ea"/>
+          <a:latin typeface="华文楷体" panose="02010600040101010101" pitchFamily="2" charset="-122"/>
+          <a:ea typeface="华文楷体" panose="02010600040101010101" pitchFamily="2" charset="-122"/>
         </a:defRPr>
       </a:lvl5pPr>
       <a:lvl6pPr marL="2551113" indent="-398463" algn="l" rtl="0" fontAlgn="base">
@@ -4995,37 +3657,42 @@
             <p:ph type="ctrTitle"/>
           </p:nvPr>
         </p:nvSpPr>
-        <p:spPr/>
+        <p:spPr>
+          <a:xfrm>
+            <a:off x="551384" y="1844824"/>
+            <a:ext cx="11017224" cy="1128192"/>
+          </a:xfrm>
+        </p:spPr>
         <p:txBody>
           <a:bodyPr/>
           <a:lstStyle/>
           <a:p>
             <a:pPr algn="ctr" eaLnBrk="1" hangingPunct="1"/>
             <a:r>
-              <a:rPr lang="zh-CN" altLang="en-US" sz="6000" b="1" smtClean="0">
+              <a:rPr lang="zh-CN" altLang="en-US" sz="6000" b="1" dirty="0">
                 <a:ea typeface="华文隶书" pitchFamily="2" charset="-122"/>
               </a:rPr>
               <a:t>软件测试实用教程</a:t>
             </a:r>
             <a:r>
-              <a:rPr lang="en-US" altLang="zh-CN" sz="6000" b="1" smtClean="0">
+              <a:rPr lang="en-US" altLang="zh-CN" sz="6000" b="1" dirty="0">
                 <a:ea typeface="华文隶书" pitchFamily="2" charset="-122"/>
               </a:rPr>
               <a:t/>
             </a:r>
             <a:br>
-              <a:rPr lang="en-US" altLang="zh-CN" sz="6000" b="1" smtClean="0">
+              <a:rPr lang="en-US" altLang="zh-CN" sz="6000" b="1" dirty="0">
                 <a:ea typeface="华文隶书" pitchFamily="2" charset="-122"/>
               </a:rPr>
             </a:br>
             <a:r>
-              <a:rPr lang="en-US" altLang="zh-CN" sz="6000" b="1" smtClean="0">
+              <a:rPr lang="en-US" altLang="zh-CN" sz="6000" b="1" dirty="0">
                 <a:ea typeface="华文隶书" pitchFamily="2" charset="-122"/>
               </a:rPr>
               <a:t>——</a:t>
             </a:r>
             <a:r>
-              <a:rPr lang="zh-CN" altLang="en-US" sz="6000" b="1" smtClean="0">
+              <a:rPr lang="zh-CN" altLang="en-US" sz="6000" b="1" dirty="0">
                 <a:ea typeface="华文隶书" pitchFamily="2" charset="-122"/>
               </a:rPr>
               <a:t>方法与实践</a:t>
@@ -5050,19 +3717,51 @@
           <a:p>
             <a:pPr algn="ctr" eaLnBrk="1" hangingPunct="1"/>
             <a:r>
-              <a:rPr lang="en-US" altLang="zh-CN" sz="4400" b="1" smtClean="0">
+              <a:rPr lang="en-US" altLang="zh-CN" sz="4400" dirty="0" err="1" smtClean="0">
                 <a:latin typeface="华文隶书" pitchFamily="2" charset="-122"/>
                 <a:ea typeface="华文隶书" pitchFamily="2" charset="-122"/>
               </a:rPr>
-              <a:t>PartII I</a:t>
-            </a:r>
-            <a:r>
-              <a:rPr lang="zh-CN" altLang="en-US" sz="4400" b="1" smtClean="0">
+              <a:t>PartIII</a:t>
+            </a:r>
+            <a:r>
+              <a:rPr lang="en-US" altLang="zh-CN" sz="4400" dirty="0" smtClean="0">
                 <a:latin typeface="华文隶书" pitchFamily="2" charset="-122"/>
                 <a:ea typeface="华文隶书" pitchFamily="2" charset="-122"/>
               </a:rPr>
-              <a:t>软件测试应用</a:t>
-            </a:r>
+              <a:t>   </a:t>
+            </a:r>
+            <a:r>
+              <a:rPr lang="zh-CN" altLang="en-US" sz="4400" dirty="0" smtClean="0">
+                <a:latin typeface="华文隶书" pitchFamily="2" charset="-122"/>
+                <a:ea typeface="华文隶书" pitchFamily="2" charset="-122"/>
+              </a:rPr>
+              <a:t>软件测试</a:t>
+            </a:r>
+            <a:r>
+              <a:rPr lang="zh-CN" altLang="en-US" sz="4400" dirty="0" smtClean="0">
+                <a:latin typeface="华文隶书" pitchFamily="2" charset="-122"/>
+                <a:ea typeface="华文隶书" pitchFamily="2" charset="-122"/>
+              </a:rPr>
+              <a:t>应用</a:t>
+            </a:r>
+            <a:r>
+              <a:rPr lang="en-US" altLang="zh-CN" sz="4400" dirty="0" smtClean="0">
+                <a:latin typeface="华文隶书" pitchFamily="2" charset="-122"/>
+                <a:ea typeface="华文隶书" pitchFamily="2" charset="-122"/>
+              </a:rPr>
+              <a:t>—</a:t>
+            </a:r>
+            <a:r>
+              <a:rPr lang="zh-CN" altLang="en-US" sz="4400" dirty="0" smtClean="0">
+                <a:latin typeface="华文隶书" pitchFamily="2" charset="-122"/>
+                <a:ea typeface="华文隶书" pitchFamily="2" charset="-122"/>
+              </a:rPr>
+              <a:t>测试停止的依据</a:t>
+            </a:r>
+            <a:endParaRPr lang="zh-CN" altLang="en-US" sz="4400" b="1" dirty="0">
+              <a:latin typeface="华文隶书" pitchFamily="2" charset="-122"/>
+              <a:ea typeface="华文隶书" pitchFamily="2" charset="-122"/>
+            </a:endParaRPr>
           </a:p>
         </p:txBody>
       </p:sp>
@@ -5101,15 +3800,76 @@
       </p:grpSpPr>
       <p:sp>
         <p:nvSpPr>
+          <p:cNvPr id="5123" name="Rectangle 2"/>
+          <p:cNvSpPr>
+            <a:spLocks noGrp="1" noChangeArrowheads="1"/>
+          </p:cNvSpPr>
+          <p:nvPr>
+            <p:ph type="title"/>
+          </p:nvPr>
+        </p:nvSpPr>
+        <p:spPr/>
+        <p:txBody>
+          <a:bodyPr/>
+          <a:lstStyle/>
+          <a:p>
+            <a:r>
+              <a:rPr lang="zh-CN" altLang="en-US" smtClean="0"/>
+              <a:t>软件测试停止依据</a:t>
+            </a:r>
+            <a:endParaRPr lang="zh-CN" altLang="en-US" dirty="0" smtClean="0"/>
+          </a:p>
+        </p:txBody>
+      </p:sp>
+      <p:sp>
+        <p:nvSpPr>
+          <p:cNvPr id="5124" name="Rectangle 3"/>
+          <p:cNvSpPr>
+            <a:spLocks noGrp="1" noChangeArrowheads="1"/>
+          </p:cNvSpPr>
+          <p:nvPr>
+            <p:ph idx="1"/>
+          </p:nvPr>
+        </p:nvSpPr>
+        <p:spPr/>
+        <p:txBody>
+          <a:bodyPr/>
+          <a:lstStyle/>
+          <a:p>
+            <a:r>
+              <a:rPr lang="zh-CN" altLang="en-US" smtClean="0"/>
+              <a:t>本章重点</a:t>
+            </a:r>
+            <a:endParaRPr lang="en-US" altLang="zh-CN" smtClean="0"/>
+          </a:p>
+          <a:p>
+            <a:pPr lvl="1"/>
+            <a:r>
+              <a:rPr lang="zh-CN" altLang="en-US" smtClean="0"/>
+              <a:t>掌握测试停止的依据</a:t>
+            </a:r>
+            <a:endParaRPr lang="en-US" altLang="zh-CN" dirty="0"/>
+          </a:p>
+        </p:txBody>
+      </p:sp>
+      <p:sp>
+        <p:nvSpPr>
           <p:cNvPr id="5122" name="灯片编号占位符 5"/>
           <p:cNvSpPr>
             <a:spLocks noGrp="1"/>
           </p:cNvSpPr>
           <p:nvPr>
-            <p:ph type="sldNum" sz="quarter" idx="12"/>
+            <p:ph type="sldNum" sz="quarter" idx="4294967295"/>
           </p:nvPr>
         </p:nvSpPr>
         <p:spPr>
+          <a:xfrm>
+            <a:off x="10210800" y="6245225"/>
+            <a:ext cx="1981200" cy="476250"/>
+          </a:xfrm>
+          <a:prstGeom prst="rect">
+            <a:avLst/>
+          </a:prstGeom>
           <a:noFill/>
           <a:ln/>
           <a:extLst>
@@ -5252,70 +4012,12 @@
           </a:p>
         </p:txBody>
       </p:sp>
-      <p:sp>
-        <p:nvSpPr>
-          <p:cNvPr id="5123" name="Rectangle 2"/>
-          <p:cNvSpPr>
-            <a:spLocks noGrp="1" noChangeArrowheads="1"/>
-          </p:cNvSpPr>
-          <p:nvPr>
-            <p:ph type="title"/>
-          </p:nvPr>
-        </p:nvSpPr>
-        <p:spPr/>
-        <p:txBody>
-          <a:bodyPr/>
-          <a:lstStyle/>
-          <a:p>
-            <a:pPr eaLnBrk="1" hangingPunct="1"/>
-            <a:r>
-              <a:rPr lang="zh-CN" altLang="en-US" b="1" dirty="0" smtClean="0">
-                <a:latin typeface="黑体" pitchFamily="49" charset="-122"/>
-                <a:ea typeface="黑体" pitchFamily="49" charset="-122"/>
-              </a:rPr>
-              <a:t>软件测试停止依据</a:t>
-            </a:r>
-          </a:p>
-        </p:txBody>
-      </p:sp>
-      <p:sp>
-        <p:nvSpPr>
-          <p:cNvPr id="5124" name="Rectangle 3"/>
-          <p:cNvSpPr>
-            <a:spLocks noGrp="1" noChangeArrowheads="1"/>
-          </p:cNvSpPr>
-          <p:nvPr>
-            <p:ph type="body" idx="1"/>
-          </p:nvPr>
-        </p:nvSpPr>
-        <p:spPr/>
-        <p:txBody>
-          <a:bodyPr/>
-          <a:lstStyle/>
-          <a:p>
-            <a:pPr eaLnBrk="1" hangingPunct="1"/>
-            <a:r>
-              <a:rPr lang="zh-CN" altLang="en-US" sz="3400" b="1" dirty="0" smtClean="0"/>
-              <a:t>本章重点</a:t>
-            </a:r>
-            <a:endParaRPr lang="en-US" altLang="zh-CN" sz="3400" b="1" dirty="0" smtClean="0"/>
-          </a:p>
-          <a:p>
-            <a:pPr lvl="1" eaLnBrk="1" hangingPunct="1">
-              <a:lnSpc>
-                <a:spcPct val="150000"/>
-              </a:lnSpc>
-              <a:defRPr/>
-            </a:pPr>
-            <a:r>
-              <a:rPr lang="zh-CN" altLang="en-US" sz="3200" b="1" dirty="0"/>
-              <a:t>掌握测试停止的依据</a:t>
-            </a:r>
-            <a:endParaRPr lang="en-US" altLang="zh-CN" sz="3200" b="1" dirty="0"/>
-          </a:p>
-        </p:txBody>
-      </p:sp>
     </p:spTree>
+    <p:extLst>
+      <p:ext uri="{BB962C8B-B14F-4D97-AF65-F5344CB8AC3E}">
+        <p14:creationId xmlns:p14="http://schemas.microsoft.com/office/powerpoint/2010/main" val="1873072223"/>
+      </p:ext>
+    </p:extLst>
   </p:cSld>
   <p:clrMapOvr>
     <a:masterClrMapping/>
@@ -5363,18 +4065,11 @@
           <a:bodyPr/>
           <a:lstStyle/>
           <a:p>
-            <a:pPr eaLnBrk="1" hangingPunct="1"/>
-            <a:r>
-              <a:rPr lang="zh-CN" altLang="en-US" b="1" dirty="0" smtClean="0">
-                <a:latin typeface="黑体" pitchFamily="49" charset="-122"/>
-                <a:ea typeface="黑体" pitchFamily="49" charset="-122"/>
-              </a:rPr>
+            <a:r>
+              <a:rPr lang="zh-CN" altLang="en-US" smtClean="0"/>
               <a:t>测试停止的依据</a:t>
             </a:r>
-            <a:endParaRPr lang="zh-CN" altLang="en-US" b="1" dirty="0">
-              <a:latin typeface="黑体" pitchFamily="49" charset="-122"/>
-              <a:ea typeface="黑体" pitchFamily="49" charset="-122"/>
-            </a:endParaRPr>
+            <a:endParaRPr lang="zh-CN" altLang="en-US" dirty="0"/>
           </a:p>
         </p:txBody>
       </p:sp>
@@ -5388,85 +4083,39 @@
             <p:ph idx="1"/>
           </p:nvPr>
         </p:nvSpPr>
-        <p:spPr>
-          <a:xfrm>
-            <a:off x="107504" y="1752600"/>
-            <a:ext cx="8973814" cy="4267200"/>
-          </a:xfrm>
-        </p:spPr>
+        <p:spPr/>
         <p:txBody>
           <a:bodyPr/>
           <a:lstStyle/>
           <a:p>
-            <a:pPr lvl="1">
-              <a:spcBef>
-                <a:spcPts val="400"/>
-              </a:spcBef>
-            </a:pPr>
-            <a:r>
-              <a:rPr lang="zh-CN" altLang="en-US" sz="2800" b="1" dirty="0"/>
-              <a:t>第一类标准：测试超过了预定时间，则停止测试。</a:t>
-            </a:r>
-          </a:p>
-          <a:p>
-            <a:pPr lvl="1">
-              <a:spcBef>
-                <a:spcPts val="400"/>
-              </a:spcBef>
-            </a:pPr>
-            <a:r>
-              <a:rPr lang="zh-CN" altLang="en-US" sz="2800" b="1" dirty="0"/>
-              <a:t>第二类标准：执行了所有的测试用例，但并没有发现故障，则停止测试。 </a:t>
-            </a:r>
-          </a:p>
-          <a:p>
-            <a:pPr lvl="1">
-              <a:spcBef>
-                <a:spcPts val="400"/>
-              </a:spcBef>
-            </a:pPr>
-            <a:r>
-              <a:rPr lang="zh-CN" altLang="en-US" sz="2800" b="1" dirty="0"/>
-              <a:t>第三类标准：使用特定的测试用例设计方案作为判断测试停止的基础。 </a:t>
-            </a:r>
-            <a:endParaRPr lang="en-US" altLang="zh-CN" sz="2800" b="1" dirty="0" smtClean="0"/>
-          </a:p>
-          <a:p>
-            <a:pPr lvl="1">
-              <a:spcBef>
-                <a:spcPts val="400"/>
-              </a:spcBef>
-            </a:pPr>
-            <a:r>
-              <a:rPr lang="zh-CN" altLang="en-US" sz="2800" b="1" dirty="0"/>
-              <a:t>第四类标准：正面指出停止测试的具体要求，即停止测试的标准可定义为查出某一预订数目的故障。 </a:t>
-            </a:r>
-          </a:p>
-          <a:p>
-            <a:pPr lvl="1">
-              <a:spcBef>
-                <a:spcPts val="400"/>
-              </a:spcBef>
-            </a:pPr>
-            <a:r>
-              <a:rPr lang="zh-CN" altLang="en-US" sz="2800" b="1" dirty="0">
-                <a:solidFill>
-                  <a:srgbClr val="FF0000"/>
-                </a:solidFill>
-              </a:rPr>
-              <a:t>第五类标准：根据单位时间内查出故障的数量和严重程度决定是否停止测试。</a:t>
-            </a:r>
+            <a:r>
+              <a:rPr lang="zh-CN" altLang="en-US" dirty="0" smtClean="0"/>
+              <a:t>第一类标准：测试超过了预定时间，则停止测试</a:t>
+            </a:r>
+          </a:p>
+          <a:p>
+            <a:r>
+              <a:rPr lang="zh-CN" altLang="en-US" dirty="0" smtClean="0"/>
+              <a:t>第二类标准：执行了所有的测试用例，但并没有发现故障，则停止测试</a:t>
+            </a:r>
+          </a:p>
+          <a:p>
+            <a:r>
+              <a:rPr lang="zh-CN" altLang="en-US" dirty="0" smtClean="0"/>
+              <a:t>第三类标准：使用特定的测试用例设计方案作为判断测试停止的基础</a:t>
+            </a:r>
+            <a:endParaRPr lang="en-US" altLang="zh-CN" dirty="0" smtClean="0"/>
           </a:p>
           <a:p>
             <a:pPr lvl="1"/>
-            <a:endParaRPr lang="zh-CN" altLang="en-US" sz="2800" dirty="0"/>
+            <a:endParaRPr lang="zh-CN" altLang="en-US" dirty="0"/>
           </a:p>
         </p:txBody>
       </p:sp>
     </p:spTree>
     <p:extLst>
       <p:ext uri="{BB962C8B-B14F-4D97-AF65-F5344CB8AC3E}">
-        <p14:creationId xmlns:p14="http://schemas.microsoft.com/office/powerpoint/2010/main" val="180621234"/>
+        <p14:creationId xmlns:p14="http://schemas.microsoft.com/office/powerpoint/2010/main" val="3367038804"/>
       </p:ext>
     </p:extLst>
   </p:cSld>
@@ -5505,592 +4154,63 @@
       </p:grpSpPr>
       <p:sp>
         <p:nvSpPr>
-          <p:cNvPr id="3" name="内容占位符 2"/>
+          <p:cNvPr id="30724" name="标题 11"/>
           <p:cNvSpPr>
             <a:spLocks noGrp="1"/>
           </p:cNvSpPr>
           <p:nvPr>
-            <p:ph idx="1"/>
-          </p:nvPr>
-        </p:nvSpPr>
-        <p:spPr>
-          <a:xfrm>
-            <a:off x="539552" y="1523925"/>
-            <a:ext cx="7666037" cy="5217443"/>
-          </a:xfrm>
-        </p:spPr>
+            <p:ph type="title"/>
+          </p:nvPr>
+        </p:nvSpPr>
+        <p:spPr/>
         <p:txBody>
           <a:bodyPr/>
           <a:lstStyle/>
           <a:p>
-            <a:pPr eaLnBrk="1" hangingPunct="1">
-              <a:lnSpc>
-                <a:spcPct val="150000"/>
-              </a:lnSpc>
-            </a:pPr>
-            <a:r>
-              <a:rPr lang="zh-CN" altLang="zh-CN" sz="3400" b="1" dirty="0"/>
-              <a:t>缺陷修复率标准</a:t>
-            </a:r>
-            <a:r>
-              <a:rPr lang="en-US" altLang="zh-CN" sz="3400" b="1" dirty="0"/>
-              <a:t> </a:t>
-            </a:r>
-          </a:p>
-          <a:p>
-            <a:pPr lvl="1" eaLnBrk="1" hangingPunct="1">
-              <a:defRPr/>
-            </a:pPr>
-            <a:r>
-              <a:rPr lang="zh-CN" altLang="zh-CN" sz="2400" b="1" dirty="0" smtClean="0"/>
-              <a:t>一级</a:t>
-            </a:r>
-            <a:r>
-              <a:rPr lang="zh-CN" altLang="zh-CN" sz="2400" b="1" dirty="0"/>
-              <a:t>错误修复率应达到</a:t>
-            </a:r>
-            <a:r>
-              <a:rPr lang="en-US" altLang="zh-CN" sz="2400" b="1" dirty="0"/>
-              <a:t> 100%</a:t>
-            </a:r>
-            <a:endParaRPr lang="zh-CN" altLang="zh-CN" sz="2400" b="1" dirty="0"/>
-          </a:p>
-          <a:p>
-            <a:pPr lvl="1" eaLnBrk="1" hangingPunct="1">
-              <a:defRPr/>
-            </a:pPr>
-            <a:r>
-              <a:rPr lang="zh-CN" altLang="en-US" sz="2400" b="1" dirty="0"/>
-              <a:t>二级</a:t>
-            </a:r>
-            <a:r>
-              <a:rPr lang="zh-CN" altLang="zh-CN" sz="2400" b="1" dirty="0" smtClean="0"/>
-              <a:t>级</a:t>
-            </a:r>
-            <a:r>
-              <a:rPr lang="zh-CN" altLang="zh-CN" sz="2400" b="1" dirty="0"/>
-              <a:t>错误修复率应达到</a:t>
-            </a:r>
-            <a:r>
-              <a:rPr lang="en-US" altLang="zh-CN" sz="2400" b="1" dirty="0"/>
-              <a:t> 80%</a:t>
-            </a:r>
-            <a:r>
-              <a:rPr lang="zh-CN" altLang="zh-CN" sz="2400" b="1" dirty="0"/>
-              <a:t>以上</a:t>
-            </a:r>
-            <a:r>
-              <a:rPr lang="en-US" altLang="zh-CN" sz="2400" b="1" dirty="0"/>
-              <a:t>  </a:t>
-            </a:r>
-            <a:endParaRPr lang="zh-CN" altLang="zh-CN" sz="2400" b="1" dirty="0"/>
-          </a:p>
-          <a:p>
-            <a:pPr lvl="1" eaLnBrk="1" hangingPunct="1">
-              <a:defRPr/>
-            </a:pPr>
-            <a:r>
-              <a:rPr lang="zh-CN" altLang="en-US" sz="2400" b="1" dirty="0"/>
-              <a:t>三</a:t>
-            </a:r>
-            <a:r>
-              <a:rPr lang="zh-CN" altLang="zh-CN" sz="2400" b="1" dirty="0" smtClean="0"/>
-              <a:t>级</a:t>
-            </a:r>
-            <a:r>
-              <a:rPr lang="zh-CN" altLang="zh-CN" sz="2400" b="1" dirty="0"/>
-              <a:t>错误修复率应达到</a:t>
-            </a:r>
-            <a:r>
-              <a:rPr lang="en-US" altLang="zh-CN" sz="2400" b="1" dirty="0"/>
-              <a:t> 60%</a:t>
-            </a:r>
-            <a:r>
-              <a:rPr lang="zh-CN" altLang="zh-CN" sz="2400" b="1" dirty="0"/>
-              <a:t>以上</a:t>
-            </a:r>
-            <a:r>
-              <a:rPr lang="en-US" altLang="zh-CN" sz="2400" b="1" dirty="0"/>
-              <a:t> </a:t>
-            </a:r>
-            <a:endParaRPr lang="zh-CN" altLang="zh-CN" sz="2400" b="1" dirty="0"/>
-          </a:p>
-          <a:p>
-            <a:pPr eaLnBrk="1" hangingPunct="1">
-              <a:lnSpc>
-                <a:spcPct val="150000"/>
-              </a:lnSpc>
-            </a:pPr>
-            <a:r>
-              <a:rPr lang="en-US" altLang="zh-CN" sz="3400" b="1" dirty="0"/>
-              <a:t> </a:t>
-            </a:r>
-            <a:r>
-              <a:rPr lang="zh-CN" altLang="zh-CN" sz="3400" b="1" dirty="0"/>
-              <a:t>覆盖率标准</a:t>
-            </a:r>
-            <a:r>
-              <a:rPr lang="en-US" altLang="zh-CN" sz="3400" b="1" dirty="0"/>
-              <a:t>  </a:t>
-            </a:r>
-            <a:endParaRPr lang="zh-CN" altLang="zh-CN" sz="3400" b="1" dirty="0"/>
-          </a:p>
-          <a:p>
-            <a:pPr lvl="1" eaLnBrk="1" hangingPunct="1">
-              <a:defRPr/>
-            </a:pPr>
-            <a:r>
-              <a:rPr lang="zh-CN" altLang="zh-CN" sz="2400" b="1" dirty="0"/>
-              <a:t>语句覆盖率最低不能小于</a:t>
-            </a:r>
-            <a:r>
-              <a:rPr lang="en-US" altLang="zh-CN" sz="2400" b="1" dirty="0"/>
-              <a:t>80%</a:t>
-            </a:r>
-            <a:endParaRPr lang="zh-CN" altLang="zh-CN" sz="2400" b="1" dirty="0"/>
-          </a:p>
-          <a:p>
-            <a:pPr lvl="1" eaLnBrk="1" hangingPunct="1">
-              <a:defRPr/>
-            </a:pPr>
-            <a:r>
-              <a:rPr lang="zh-CN" altLang="zh-CN" sz="2400" b="1" dirty="0"/>
-              <a:t>测试用例执行覆盖率应达到</a:t>
-            </a:r>
-            <a:r>
-              <a:rPr lang="en-US" altLang="zh-CN" sz="2400" b="1" dirty="0"/>
-              <a:t>100%</a:t>
-            </a:r>
-            <a:endParaRPr lang="zh-CN" altLang="zh-CN" sz="2400" b="1" dirty="0"/>
-          </a:p>
-          <a:p>
-            <a:pPr lvl="1" eaLnBrk="1" hangingPunct="1">
-              <a:defRPr/>
-            </a:pPr>
-            <a:r>
-              <a:rPr lang="zh-CN" altLang="zh-CN" sz="2400" b="1" dirty="0"/>
-              <a:t>测试需求执行覆盖率应达到</a:t>
-            </a:r>
-            <a:r>
-              <a:rPr lang="en-US" altLang="zh-CN" sz="2400" b="1" dirty="0"/>
-              <a:t>100%</a:t>
-            </a:r>
-            <a:endParaRPr lang="zh-CN" altLang="en-US" sz="2400" b="1" dirty="0"/>
-          </a:p>
-        </p:txBody>
-      </p:sp>
-      <p:sp>
-        <p:nvSpPr>
-          <p:cNvPr id="4" name="Text Box 1"/>
-          <p:cNvSpPr txBox="1">
-            <a:spLocks noChangeArrowheads="1"/>
-          </p:cNvSpPr>
-          <p:nvPr/>
-        </p:nvSpPr>
-        <p:spPr bwMode="auto">
-          <a:xfrm>
-            <a:off x="607963" y="836712"/>
-            <a:ext cx="3118459" cy="679290"/>
-          </a:xfrm>
-          <a:prstGeom prst="rect">
-            <a:avLst/>
-          </a:prstGeom>
-          <a:noFill/>
-          <a:ln>
-            <a:noFill/>
-          </a:ln>
-          <a:effectLst/>
-          <a:extLst>
-            <a:ext uri="{909E8E84-426E-40DD-AFC4-6F175D3DCCD1}">
-              <a14:hiddenFill xmlns:a14="http://schemas.microsoft.com/office/drawing/2010/main">
-                <a:solidFill>
-                  <a:srgbClr val="FFFFFF"/>
-                </a:solidFill>
-              </a14:hiddenFill>
-            </a:ext>
-            <a:ext uri="{91240B29-F687-4F45-9708-019B960494DF}">
-              <a14:hiddenLine xmlns:a14="http://schemas.microsoft.com/office/drawing/2010/main" w="9525">
-                <a:solidFill>
-                  <a:srgbClr val="808080"/>
-                </a:solidFill>
-                <a:round/>
-                <a:headEnd/>
-                <a:tailEnd/>
-              </a14:hiddenLine>
-            </a:ext>
-            <a:ext uri="{AF507438-7753-43E0-B8FC-AC1667EBCBE1}">
-              <a14:hiddenEffects xmlns:a14="http://schemas.microsoft.com/office/drawing/2010/main">
-                <a:effectLst>
-                  <a:outerShdw dist="35921" dir="2700000" algn="ctr" rotWithShape="0">
-                    <a:srgbClr val="808080"/>
-                  </a:outerShdw>
-                </a:effectLst>
-              </a14:hiddenEffects>
-            </a:ext>
-          </a:extLst>
-        </p:spPr>
-        <p:txBody>
-          <a:bodyPr wrap="none" lIns="90000" tIns="46800" rIns="90000" bIns="46800">
-            <a:spAutoFit/>
-          </a:bodyPr>
-          <a:lstStyle>
-            <a:lvl1pPr marL="166688" indent="-163513">
-              <a:tabLst>
-                <a:tab pos="166688" algn="l"/>
-                <a:tab pos="614363" algn="l"/>
-                <a:tab pos="1063625" algn="l"/>
-                <a:tab pos="1512888" algn="l"/>
-                <a:tab pos="1962150" algn="l"/>
-                <a:tab pos="2411413" algn="l"/>
-                <a:tab pos="2860675" algn="l"/>
-                <a:tab pos="3309938" algn="l"/>
-                <a:tab pos="3759200" algn="l"/>
-                <a:tab pos="4208463" algn="l"/>
-                <a:tab pos="4657725" algn="l"/>
-                <a:tab pos="5106988" algn="l"/>
-                <a:tab pos="5556250" algn="l"/>
-                <a:tab pos="6005513" algn="l"/>
-                <a:tab pos="6454775" algn="l"/>
-                <a:tab pos="6904038" algn="l"/>
-                <a:tab pos="7353300" algn="l"/>
-                <a:tab pos="7802563" algn="l"/>
-                <a:tab pos="8251825" algn="l"/>
-                <a:tab pos="8701088" algn="l"/>
-                <a:tab pos="9150350" algn="l"/>
-              </a:tabLst>
-              <a:defRPr sz="3200">
-                <a:solidFill>
-                  <a:srgbClr val="000000"/>
-                </a:solidFill>
-                <a:latin typeface="Arial" charset="0"/>
-                <a:ea typeface="微软雅黑" pitchFamily="34" charset="-122"/>
-              </a:defRPr>
-            </a:lvl1pPr>
-            <a:lvl2pPr>
-              <a:tabLst>
-                <a:tab pos="166688" algn="l"/>
-                <a:tab pos="614363" algn="l"/>
-                <a:tab pos="1063625" algn="l"/>
-                <a:tab pos="1512888" algn="l"/>
-                <a:tab pos="1962150" algn="l"/>
-                <a:tab pos="2411413" algn="l"/>
-                <a:tab pos="2860675" algn="l"/>
-                <a:tab pos="3309938" algn="l"/>
-                <a:tab pos="3759200" algn="l"/>
-                <a:tab pos="4208463" algn="l"/>
-                <a:tab pos="4657725" algn="l"/>
-                <a:tab pos="5106988" algn="l"/>
-                <a:tab pos="5556250" algn="l"/>
-                <a:tab pos="6005513" algn="l"/>
-                <a:tab pos="6454775" algn="l"/>
-                <a:tab pos="6904038" algn="l"/>
-                <a:tab pos="7353300" algn="l"/>
-                <a:tab pos="7802563" algn="l"/>
-                <a:tab pos="8251825" algn="l"/>
-                <a:tab pos="8701088" algn="l"/>
-                <a:tab pos="9150350" algn="l"/>
-              </a:tabLst>
-              <a:defRPr sz="3200">
-                <a:solidFill>
-                  <a:srgbClr val="000000"/>
-                </a:solidFill>
-                <a:latin typeface="Arial" charset="0"/>
-                <a:ea typeface="微软雅黑" pitchFamily="34" charset="-122"/>
-              </a:defRPr>
-            </a:lvl2pPr>
-            <a:lvl3pPr>
-              <a:tabLst>
-                <a:tab pos="166688" algn="l"/>
-                <a:tab pos="614363" algn="l"/>
-                <a:tab pos="1063625" algn="l"/>
-                <a:tab pos="1512888" algn="l"/>
-                <a:tab pos="1962150" algn="l"/>
-                <a:tab pos="2411413" algn="l"/>
-                <a:tab pos="2860675" algn="l"/>
-                <a:tab pos="3309938" algn="l"/>
-                <a:tab pos="3759200" algn="l"/>
-                <a:tab pos="4208463" algn="l"/>
-                <a:tab pos="4657725" algn="l"/>
-                <a:tab pos="5106988" algn="l"/>
-                <a:tab pos="5556250" algn="l"/>
-                <a:tab pos="6005513" algn="l"/>
-                <a:tab pos="6454775" algn="l"/>
-                <a:tab pos="6904038" algn="l"/>
-                <a:tab pos="7353300" algn="l"/>
-                <a:tab pos="7802563" algn="l"/>
-                <a:tab pos="8251825" algn="l"/>
-                <a:tab pos="8701088" algn="l"/>
-                <a:tab pos="9150350" algn="l"/>
-              </a:tabLst>
-              <a:defRPr sz="3200">
-                <a:solidFill>
-                  <a:srgbClr val="000000"/>
-                </a:solidFill>
-                <a:latin typeface="Arial" charset="0"/>
-                <a:ea typeface="微软雅黑" pitchFamily="34" charset="-122"/>
-              </a:defRPr>
-            </a:lvl3pPr>
-            <a:lvl4pPr>
-              <a:tabLst>
-                <a:tab pos="166688" algn="l"/>
-                <a:tab pos="614363" algn="l"/>
-                <a:tab pos="1063625" algn="l"/>
-                <a:tab pos="1512888" algn="l"/>
-                <a:tab pos="1962150" algn="l"/>
-                <a:tab pos="2411413" algn="l"/>
-                <a:tab pos="2860675" algn="l"/>
-                <a:tab pos="3309938" algn="l"/>
-                <a:tab pos="3759200" algn="l"/>
-                <a:tab pos="4208463" algn="l"/>
-                <a:tab pos="4657725" algn="l"/>
-                <a:tab pos="5106988" algn="l"/>
-                <a:tab pos="5556250" algn="l"/>
-                <a:tab pos="6005513" algn="l"/>
-                <a:tab pos="6454775" algn="l"/>
-                <a:tab pos="6904038" algn="l"/>
-                <a:tab pos="7353300" algn="l"/>
-                <a:tab pos="7802563" algn="l"/>
-                <a:tab pos="8251825" algn="l"/>
-                <a:tab pos="8701088" algn="l"/>
-                <a:tab pos="9150350" algn="l"/>
-              </a:tabLst>
-              <a:defRPr sz="3200">
-                <a:solidFill>
-                  <a:srgbClr val="000000"/>
-                </a:solidFill>
-                <a:latin typeface="Arial" charset="0"/>
-                <a:ea typeface="微软雅黑" pitchFamily="34" charset="-122"/>
-              </a:defRPr>
-            </a:lvl4pPr>
-            <a:lvl5pPr>
-              <a:tabLst>
-                <a:tab pos="166688" algn="l"/>
-                <a:tab pos="614363" algn="l"/>
-                <a:tab pos="1063625" algn="l"/>
-                <a:tab pos="1512888" algn="l"/>
-                <a:tab pos="1962150" algn="l"/>
-                <a:tab pos="2411413" algn="l"/>
-                <a:tab pos="2860675" algn="l"/>
-                <a:tab pos="3309938" algn="l"/>
-                <a:tab pos="3759200" algn="l"/>
-                <a:tab pos="4208463" algn="l"/>
-                <a:tab pos="4657725" algn="l"/>
-                <a:tab pos="5106988" algn="l"/>
-                <a:tab pos="5556250" algn="l"/>
-                <a:tab pos="6005513" algn="l"/>
-                <a:tab pos="6454775" algn="l"/>
-                <a:tab pos="6904038" algn="l"/>
-                <a:tab pos="7353300" algn="l"/>
-                <a:tab pos="7802563" algn="l"/>
-                <a:tab pos="8251825" algn="l"/>
-                <a:tab pos="8701088" algn="l"/>
-                <a:tab pos="9150350" algn="l"/>
-              </a:tabLst>
-              <a:defRPr sz="3200">
-                <a:solidFill>
-                  <a:srgbClr val="000000"/>
-                </a:solidFill>
-                <a:latin typeface="Arial" charset="0"/>
-                <a:ea typeface="微软雅黑" pitchFamily="34" charset="-122"/>
-              </a:defRPr>
-            </a:lvl5pPr>
-            <a:lvl6pPr marL="2514600" indent="-228600" defTabSz="449263" fontAlgn="base">
-              <a:spcBef>
-                <a:spcPct val="0"/>
-              </a:spcBef>
-              <a:spcAft>
-                <a:spcPct val="0"/>
-              </a:spcAft>
-              <a:buClr>
-                <a:srgbClr val="000000"/>
-              </a:buClr>
-              <a:buSzPct val="100000"/>
-              <a:buFont typeface="Times New Roman" pitchFamily="16" charset="0"/>
-              <a:tabLst>
-                <a:tab pos="166688" algn="l"/>
-                <a:tab pos="614363" algn="l"/>
-                <a:tab pos="1063625" algn="l"/>
-                <a:tab pos="1512888" algn="l"/>
-                <a:tab pos="1962150" algn="l"/>
-                <a:tab pos="2411413" algn="l"/>
-                <a:tab pos="2860675" algn="l"/>
-                <a:tab pos="3309938" algn="l"/>
-                <a:tab pos="3759200" algn="l"/>
-                <a:tab pos="4208463" algn="l"/>
-                <a:tab pos="4657725" algn="l"/>
-                <a:tab pos="5106988" algn="l"/>
-                <a:tab pos="5556250" algn="l"/>
-                <a:tab pos="6005513" algn="l"/>
-                <a:tab pos="6454775" algn="l"/>
-                <a:tab pos="6904038" algn="l"/>
-                <a:tab pos="7353300" algn="l"/>
-                <a:tab pos="7802563" algn="l"/>
-                <a:tab pos="8251825" algn="l"/>
-                <a:tab pos="8701088" algn="l"/>
-                <a:tab pos="9150350" algn="l"/>
-              </a:tabLst>
-              <a:defRPr sz="3200">
-                <a:solidFill>
-                  <a:srgbClr val="000000"/>
-                </a:solidFill>
-                <a:latin typeface="Arial" charset="0"/>
-                <a:ea typeface="微软雅黑" pitchFamily="34" charset="-122"/>
-              </a:defRPr>
-            </a:lvl6pPr>
-            <a:lvl7pPr marL="2971800" indent="-228600" defTabSz="449263" fontAlgn="base">
-              <a:spcBef>
-                <a:spcPct val="0"/>
-              </a:spcBef>
-              <a:spcAft>
-                <a:spcPct val="0"/>
-              </a:spcAft>
-              <a:buClr>
-                <a:srgbClr val="000000"/>
-              </a:buClr>
-              <a:buSzPct val="100000"/>
-              <a:buFont typeface="Times New Roman" pitchFamily="16" charset="0"/>
-              <a:tabLst>
-                <a:tab pos="166688" algn="l"/>
-                <a:tab pos="614363" algn="l"/>
-                <a:tab pos="1063625" algn="l"/>
-                <a:tab pos="1512888" algn="l"/>
-                <a:tab pos="1962150" algn="l"/>
-                <a:tab pos="2411413" algn="l"/>
-                <a:tab pos="2860675" algn="l"/>
-                <a:tab pos="3309938" algn="l"/>
-                <a:tab pos="3759200" algn="l"/>
-                <a:tab pos="4208463" algn="l"/>
-                <a:tab pos="4657725" algn="l"/>
-                <a:tab pos="5106988" algn="l"/>
-                <a:tab pos="5556250" algn="l"/>
-                <a:tab pos="6005513" algn="l"/>
-                <a:tab pos="6454775" algn="l"/>
-                <a:tab pos="6904038" algn="l"/>
-                <a:tab pos="7353300" algn="l"/>
-                <a:tab pos="7802563" algn="l"/>
-                <a:tab pos="8251825" algn="l"/>
-                <a:tab pos="8701088" algn="l"/>
-                <a:tab pos="9150350" algn="l"/>
-              </a:tabLst>
-              <a:defRPr sz="3200">
-                <a:solidFill>
-                  <a:srgbClr val="000000"/>
-                </a:solidFill>
-                <a:latin typeface="Arial" charset="0"/>
-                <a:ea typeface="微软雅黑" pitchFamily="34" charset="-122"/>
-              </a:defRPr>
-            </a:lvl7pPr>
-            <a:lvl8pPr marL="3429000" indent="-228600" defTabSz="449263" fontAlgn="base">
-              <a:spcBef>
-                <a:spcPct val="0"/>
-              </a:spcBef>
-              <a:spcAft>
-                <a:spcPct val="0"/>
-              </a:spcAft>
-              <a:buClr>
-                <a:srgbClr val="000000"/>
-              </a:buClr>
-              <a:buSzPct val="100000"/>
-              <a:buFont typeface="Times New Roman" pitchFamily="16" charset="0"/>
-              <a:tabLst>
-                <a:tab pos="166688" algn="l"/>
-                <a:tab pos="614363" algn="l"/>
-                <a:tab pos="1063625" algn="l"/>
-                <a:tab pos="1512888" algn="l"/>
-                <a:tab pos="1962150" algn="l"/>
-                <a:tab pos="2411413" algn="l"/>
-                <a:tab pos="2860675" algn="l"/>
-                <a:tab pos="3309938" algn="l"/>
-                <a:tab pos="3759200" algn="l"/>
-                <a:tab pos="4208463" algn="l"/>
-                <a:tab pos="4657725" algn="l"/>
-                <a:tab pos="5106988" algn="l"/>
-                <a:tab pos="5556250" algn="l"/>
-                <a:tab pos="6005513" algn="l"/>
-                <a:tab pos="6454775" algn="l"/>
-                <a:tab pos="6904038" algn="l"/>
-                <a:tab pos="7353300" algn="l"/>
-                <a:tab pos="7802563" algn="l"/>
-                <a:tab pos="8251825" algn="l"/>
-                <a:tab pos="8701088" algn="l"/>
-                <a:tab pos="9150350" algn="l"/>
-              </a:tabLst>
-              <a:defRPr sz="3200">
-                <a:solidFill>
-                  <a:srgbClr val="000000"/>
-                </a:solidFill>
-                <a:latin typeface="Arial" charset="0"/>
-                <a:ea typeface="微软雅黑" pitchFamily="34" charset="-122"/>
-              </a:defRPr>
-            </a:lvl8pPr>
-            <a:lvl9pPr marL="3886200" indent="-228600" defTabSz="449263" fontAlgn="base">
-              <a:spcBef>
-                <a:spcPct val="0"/>
-              </a:spcBef>
-              <a:spcAft>
-                <a:spcPct val="0"/>
-              </a:spcAft>
-              <a:buClr>
-                <a:srgbClr val="000000"/>
-              </a:buClr>
-              <a:buSzPct val="100000"/>
-              <a:buFont typeface="Times New Roman" pitchFamily="16" charset="0"/>
-              <a:tabLst>
-                <a:tab pos="166688" algn="l"/>
-                <a:tab pos="614363" algn="l"/>
-                <a:tab pos="1063625" algn="l"/>
-                <a:tab pos="1512888" algn="l"/>
-                <a:tab pos="1962150" algn="l"/>
-                <a:tab pos="2411413" algn="l"/>
-                <a:tab pos="2860675" algn="l"/>
-                <a:tab pos="3309938" algn="l"/>
-                <a:tab pos="3759200" algn="l"/>
-                <a:tab pos="4208463" algn="l"/>
-                <a:tab pos="4657725" algn="l"/>
-                <a:tab pos="5106988" algn="l"/>
-                <a:tab pos="5556250" algn="l"/>
-                <a:tab pos="6005513" algn="l"/>
-                <a:tab pos="6454775" algn="l"/>
-                <a:tab pos="6904038" algn="l"/>
-                <a:tab pos="7353300" algn="l"/>
-                <a:tab pos="7802563" algn="l"/>
-                <a:tab pos="8251825" algn="l"/>
-                <a:tab pos="8701088" algn="l"/>
-                <a:tab pos="9150350" algn="l"/>
-              </a:tabLst>
-              <a:defRPr sz="3200">
-                <a:solidFill>
-                  <a:srgbClr val="000000"/>
-                </a:solidFill>
-                <a:latin typeface="Arial" charset="0"/>
-                <a:ea typeface="微软雅黑" pitchFamily="34" charset="-122"/>
-              </a:defRPr>
-            </a:lvl9pPr>
-          </a:lstStyle>
-          <a:p>
-            <a:pPr>
-              <a:buClrTx/>
-              <a:buFontTx/>
-              <a:buNone/>
-            </a:pPr>
-            <a:r>
-              <a:rPr lang="zh-CN" altLang="en-US" sz="3800" b="1" dirty="0">
-                <a:solidFill>
-                  <a:schemeClr val="tx2"/>
-                </a:solidFill>
-                <a:latin typeface="黑体" pitchFamily="49" charset="-122"/>
-                <a:ea typeface="黑体" pitchFamily="49" charset="-122"/>
-                <a:cs typeface="+mj-cs"/>
-              </a:rPr>
-              <a:t>测试停止依据</a:t>
-            </a:r>
+            <a:r>
+              <a:rPr lang="zh-CN" altLang="en-US" smtClean="0"/>
+              <a:t>测试停止的依据</a:t>
+            </a:r>
+            <a:endParaRPr lang="zh-CN" altLang="en-US" dirty="0"/>
+          </a:p>
+        </p:txBody>
+      </p:sp>
+      <p:sp>
+        <p:nvSpPr>
+          <p:cNvPr id="30723" name="内容占位符 2"/>
+          <p:cNvSpPr>
+            <a:spLocks noGrp="1"/>
+          </p:cNvSpPr>
+          <p:nvPr>
+            <p:ph idx="1"/>
+          </p:nvPr>
+        </p:nvSpPr>
+        <p:spPr/>
+        <p:txBody>
+          <a:bodyPr/>
+          <a:lstStyle/>
+          <a:p>
+            <a:r>
+              <a:rPr lang="zh-CN" altLang="en-US" dirty="0" smtClean="0"/>
+              <a:t>第四类标准：正面指出停止测试的具体要求，即停止测试的标准可定义为查出某一预订数目的故障</a:t>
+            </a:r>
+          </a:p>
+          <a:p>
+            <a:r>
+              <a:rPr lang="zh-CN" altLang="en-US" dirty="0" smtClean="0"/>
+              <a:t>第五类标准：根据单位时间内查出故障的数量和严重程度决定是否停止测试</a:t>
+            </a:r>
+          </a:p>
+          <a:p>
+            <a:pPr lvl="1"/>
+            <a:endParaRPr lang="zh-CN" altLang="en-US" dirty="0"/>
           </a:p>
         </p:txBody>
       </p:sp>
     </p:spTree>
     <p:extLst>
       <p:ext uri="{BB962C8B-B14F-4D97-AF65-F5344CB8AC3E}">
-        <p14:creationId xmlns:p14="http://schemas.microsoft.com/office/powerpoint/2010/main" val="1937601247"/>
+        <p14:creationId xmlns:p14="http://schemas.microsoft.com/office/powerpoint/2010/main" val="1354177076"/>
       </p:ext>
     </p:extLst>
   </p:cSld>
@@ -6098,7 +4218,7 @@
     <a:masterClrMapping/>
   </p:clrMapOvr>
   <p:transition>
-    <p:blinds dir="vert"/>
+    <p:randomBar dir="vert"/>
   </p:transition>
   <p:timing>
     <p:tnLst>
@@ -6129,199 +4249,330 @@
       </p:grpSpPr>
       <p:sp>
         <p:nvSpPr>
-          <p:cNvPr id="66562" name="标题 1"/>
+          <p:cNvPr id="9" name="标题 8"/>
           <p:cNvSpPr>
             <a:spLocks noGrp="1"/>
           </p:cNvSpPr>
           <p:nvPr>
-            <p:ph type="title" idx="4294967295"/>
-          </p:nvPr>
-        </p:nvSpPr>
-        <p:spPr>
-          <a:xfrm>
-            <a:off x="755576" y="3212976"/>
-            <a:ext cx="8001000" cy="1216025"/>
-          </a:xfrm>
-        </p:spPr>
+            <p:ph type="title"/>
+          </p:nvPr>
+        </p:nvSpPr>
+        <p:spPr/>
         <p:txBody>
           <a:bodyPr/>
           <a:lstStyle/>
           <a:p>
-            <a:pPr algn="ctr"/>
-            <a:r>
-              <a:rPr lang="zh-CN" b="1" dirty="0" smtClean="0">
-                <a:latin typeface="黑体" pitchFamily="49" charset="-122"/>
-                <a:ea typeface="黑体" pitchFamily="49" charset="-122"/>
-              </a:rPr>
-              <a:t>谢 谢</a:t>
-            </a:r>
-          </a:p>
-        </p:txBody>
-      </p:sp>
-      <p:sp>
-        <p:nvSpPr>
-          <p:cNvPr id="66564" name="灯片编号占位符 3"/>
-          <p:cNvSpPr txBox="1">
-            <a:spLocks noGrp="1" noChangeArrowheads="1"/>
-          </p:cNvSpPr>
-          <p:nvPr/>
-        </p:nvSpPr>
-        <p:spPr bwMode="auto">
-          <a:xfrm>
-            <a:off x="6553200" y="6245225"/>
-            <a:ext cx="1981200" cy="476250"/>
-          </a:xfrm>
-          <a:prstGeom prst="rect">
-            <a:avLst/>
-          </a:prstGeom>
-          <a:noFill/>
-          <a:ln>
-            <a:noFill/>
-          </a:ln>
-          <a:extLst>
-            <a:ext uri="{909E8E84-426E-40DD-AFC4-6F175D3DCCD1}">
-              <a14:hiddenFill xmlns:a14="http://schemas.microsoft.com/office/drawing/2010/main">
-                <a:solidFill>
-                  <a:srgbClr val="FFFFFF"/>
-                </a:solidFill>
-              </a14:hiddenFill>
-            </a:ext>
-            <a:ext uri="{91240B29-F687-4F45-9708-019B960494DF}">
-              <a14:hiddenLine xmlns:a14="http://schemas.microsoft.com/office/drawing/2010/main" w="9525">
-                <a:solidFill>
-                  <a:srgbClr val="000000"/>
-                </a:solidFill>
-                <a:miter lim="800000"/>
-                <a:headEnd/>
-                <a:tailEnd/>
-              </a14:hiddenLine>
-            </a:ext>
-          </a:extLst>
-        </p:spPr>
+            <a:r>
+              <a:rPr lang="zh-CN" altLang="en-US" smtClean="0"/>
+              <a:t>测试停止依据</a:t>
+            </a:r>
+            <a:endParaRPr lang="zh-CN" altLang="en-US" dirty="0"/>
+          </a:p>
+        </p:txBody>
+      </p:sp>
+      <p:sp>
+        <p:nvSpPr>
+          <p:cNvPr id="3" name="内容占位符 2"/>
+          <p:cNvSpPr>
+            <a:spLocks noGrp="1"/>
+          </p:cNvSpPr>
+          <p:nvPr>
+            <p:ph idx="1"/>
+          </p:nvPr>
+        </p:nvSpPr>
+        <p:spPr/>
         <p:txBody>
           <a:bodyPr/>
-          <a:lstStyle>
-            <a:lvl1pPr eaLnBrk="0" hangingPunct="0">
-              <a:defRPr>
-                <a:solidFill>
-                  <a:schemeClr val="tx1"/>
-                </a:solidFill>
-                <a:latin typeface="Verdana" pitchFamily="34" charset="0"/>
-                <a:ea typeface="宋体" charset="-122"/>
-              </a:defRPr>
-            </a:lvl1pPr>
-            <a:lvl2pPr marL="742950" indent="-285750" eaLnBrk="0" hangingPunct="0">
-              <a:defRPr>
-                <a:solidFill>
-                  <a:schemeClr val="tx1"/>
-                </a:solidFill>
-                <a:latin typeface="Verdana" pitchFamily="34" charset="0"/>
-                <a:ea typeface="宋体" charset="-122"/>
-              </a:defRPr>
-            </a:lvl2pPr>
-            <a:lvl3pPr marL="1143000" indent="-228600" eaLnBrk="0" hangingPunct="0">
-              <a:defRPr>
-                <a:solidFill>
-                  <a:schemeClr val="tx1"/>
-                </a:solidFill>
-                <a:latin typeface="Verdana" pitchFamily="34" charset="0"/>
-                <a:ea typeface="宋体" charset="-122"/>
-              </a:defRPr>
-            </a:lvl3pPr>
-            <a:lvl4pPr marL="1600200" indent="-228600" eaLnBrk="0" hangingPunct="0">
-              <a:defRPr>
-                <a:solidFill>
-                  <a:schemeClr val="tx1"/>
-                </a:solidFill>
-                <a:latin typeface="Verdana" pitchFamily="34" charset="0"/>
-                <a:ea typeface="宋体" charset="-122"/>
-              </a:defRPr>
-            </a:lvl4pPr>
-            <a:lvl5pPr marL="2057400" indent="-228600" eaLnBrk="0" hangingPunct="0">
-              <a:defRPr>
-                <a:solidFill>
-                  <a:schemeClr val="tx1"/>
-                </a:solidFill>
-                <a:latin typeface="Verdana" pitchFamily="34" charset="0"/>
-                <a:ea typeface="宋体" charset="-122"/>
-              </a:defRPr>
-            </a:lvl5pPr>
-            <a:lvl6pPr marL="2514600" indent="-228600" eaLnBrk="0" fontAlgn="base" hangingPunct="0">
-              <a:spcBef>
-                <a:spcPct val="0"/>
-              </a:spcBef>
-              <a:spcAft>
-                <a:spcPct val="0"/>
-              </a:spcAft>
-              <a:defRPr>
-                <a:solidFill>
-                  <a:schemeClr val="tx1"/>
-                </a:solidFill>
-                <a:latin typeface="Verdana" pitchFamily="34" charset="0"/>
-                <a:ea typeface="宋体" charset="-122"/>
-              </a:defRPr>
-            </a:lvl6pPr>
-            <a:lvl7pPr marL="2971800" indent="-228600" eaLnBrk="0" fontAlgn="base" hangingPunct="0">
-              <a:spcBef>
-                <a:spcPct val="0"/>
-              </a:spcBef>
-              <a:spcAft>
-                <a:spcPct val="0"/>
-              </a:spcAft>
-              <a:defRPr>
-                <a:solidFill>
-                  <a:schemeClr val="tx1"/>
-                </a:solidFill>
-                <a:latin typeface="Verdana" pitchFamily="34" charset="0"/>
-                <a:ea typeface="宋体" charset="-122"/>
-              </a:defRPr>
-            </a:lvl7pPr>
-            <a:lvl8pPr marL="3429000" indent="-228600" eaLnBrk="0" fontAlgn="base" hangingPunct="0">
-              <a:spcBef>
-                <a:spcPct val="0"/>
-              </a:spcBef>
-              <a:spcAft>
-                <a:spcPct val="0"/>
-              </a:spcAft>
-              <a:defRPr>
-                <a:solidFill>
-                  <a:schemeClr val="tx1"/>
-                </a:solidFill>
-                <a:latin typeface="Verdana" pitchFamily="34" charset="0"/>
-                <a:ea typeface="宋体" charset="-122"/>
-              </a:defRPr>
-            </a:lvl8pPr>
-            <a:lvl9pPr marL="3886200" indent="-228600" eaLnBrk="0" fontAlgn="base" hangingPunct="0">
-              <a:spcBef>
-                <a:spcPct val="0"/>
-              </a:spcBef>
-              <a:spcAft>
-                <a:spcPct val="0"/>
-              </a:spcAft>
-              <a:defRPr>
-                <a:solidFill>
-                  <a:schemeClr val="tx1"/>
-                </a:solidFill>
-                <a:latin typeface="Verdana" pitchFamily="34" charset="0"/>
-                <a:ea typeface="宋体" charset="-122"/>
-              </a:defRPr>
-            </a:lvl9pPr>
-          </a:lstStyle>
-          <a:p>
-            <a:pPr algn="r" eaLnBrk="1" hangingPunct="1"/>
-            <a:fld id="{2C94674F-49E1-416F-9C4D-1B58472BEB2A}" type="slidenum">
-              <a:rPr lang="en-US" altLang="zh-CN" sz="1200"/>
-              <a:pPr algn="r" eaLnBrk="1" hangingPunct="1"/>
-              <a:t>5</a:t>
-            </a:fld>
-            <a:endParaRPr lang="en-US" altLang="zh-CN" sz="1200"/>
+          <a:lstStyle/>
+          <a:p>
+            <a:r>
+              <a:rPr lang="zh-CN" altLang="zh-CN" dirty="0" smtClean="0"/>
+              <a:t>缺陷修复率标准</a:t>
+            </a:r>
+            <a:r>
+              <a:rPr lang="en-US" altLang="zh-CN" dirty="0" smtClean="0"/>
+              <a:t> </a:t>
+            </a:r>
+          </a:p>
+          <a:p>
+            <a:pPr lvl="1"/>
+            <a:r>
+              <a:rPr lang="zh-CN" altLang="zh-CN" dirty="0" smtClean="0"/>
+              <a:t>一级错误修复率应达到</a:t>
+            </a:r>
+            <a:r>
+              <a:rPr lang="en-US" altLang="zh-CN" dirty="0" smtClean="0"/>
+              <a:t> 100%</a:t>
+            </a:r>
+            <a:endParaRPr lang="zh-CN" altLang="zh-CN" dirty="0" smtClean="0"/>
+          </a:p>
+          <a:p>
+            <a:pPr lvl="1"/>
+            <a:r>
+              <a:rPr lang="zh-CN" altLang="en-US" dirty="0" smtClean="0"/>
+              <a:t>二级</a:t>
+            </a:r>
+            <a:r>
+              <a:rPr lang="zh-CN" altLang="zh-CN" dirty="0" smtClean="0"/>
+              <a:t>级错误修复率应达到</a:t>
+            </a:r>
+            <a:r>
+              <a:rPr lang="en-US" altLang="zh-CN" dirty="0" smtClean="0"/>
+              <a:t> 80%</a:t>
+            </a:r>
+            <a:r>
+              <a:rPr lang="zh-CN" altLang="zh-CN" dirty="0" smtClean="0"/>
+              <a:t>以上</a:t>
+            </a:r>
+            <a:r>
+              <a:rPr lang="en-US" altLang="zh-CN" dirty="0" smtClean="0"/>
+              <a:t>  </a:t>
+            </a:r>
+            <a:endParaRPr lang="zh-CN" altLang="zh-CN" dirty="0" smtClean="0"/>
+          </a:p>
+          <a:p>
+            <a:pPr lvl="1"/>
+            <a:r>
+              <a:rPr lang="zh-CN" altLang="en-US" dirty="0" smtClean="0"/>
+              <a:t>三</a:t>
+            </a:r>
+            <a:r>
+              <a:rPr lang="zh-CN" altLang="zh-CN" dirty="0" smtClean="0"/>
+              <a:t>级错误修复率应达到</a:t>
+            </a:r>
+            <a:r>
+              <a:rPr lang="en-US" altLang="zh-CN" dirty="0" smtClean="0"/>
+              <a:t> 60%</a:t>
+            </a:r>
+            <a:r>
+              <a:rPr lang="zh-CN" altLang="zh-CN" dirty="0" smtClean="0"/>
+              <a:t>以上</a:t>
+            </a:r>
+            <a:r>
+              <a:rPr lang="en-US" altLang="zh-CN" dirty="0" smtClean="0"/>
+              <a:t> </a:t>
+            </a:r>
+            <a:endParaRPr lang="zh-CN" altLang="zh-CN" dirty="0" smtClean="0"/>
+          </a:p>
+          <a:p>
+            <a:r>
+              <a:rPr lang="en-US" altLang="zh-CN" dirty="0" smtClean="0"/>
+              <a:t> </a:t>
+            </a:r>
+            <a:endParaRPr lang="zh-CN" altLang="en-US" dirty="0"/>
           </a:p>
         </p:txBody>
       </p:sp>
     </p:spTree>
     <p:extLst>
       <p:ext uri="{BB962C8B-B14F-4D97-AF65-F5344CB8AC3E}">
-        <p14:creationId xmlns:p14="http://schemas.microsoft.com/office/powerpoint/2010/main" val="3860237757"/>
+        <p14:creationId xmlns:p14="http://schemas.microsoft.com/office/powerpoint/2010/main" val="3000493885"/>
+      </p:ext>
+    </p:extLst>
+  </p:cSld>
+  <p:clrMapOvr>
+    <a:masterClrMapping/>
+  </p:clrMapOvr>
+  <p:transition>
+    <p:blinds dir="vert"/>
+  </p:transition>
+  <p:timing>
+    <p:tnLst>
+      <p:par>
+        <p:cTn id="1" dur="indefinite" restart="never" nodeType="tmRoot"/>
+      </p:par>
+    </p:tnLst>
+  </p:timing>
+</p:sld>
+</file>
+
+<file path=ppt/slides/slide6.xml><?xml version="1.0" encoding="utf-8"?>
+<p:sld xmlns:a="http://schemas.openxmlformats.org/drawingml/2006/main" xmlns:r="http://schemas.openxmlformats.org/officeDocument/2006/relationships" xmlns:p="http://schemas.openxmlformats.org/presentationml/2006/main">
+  <p:cSld>
+    <p:spTree>
+      <p:nvGrpSpPr>
+        <p:cNvPr id="1" name=""/>
+        <p:cNvGrpSpPr/>
+        <p:nvPr/>
+      </p:nvGrpSpPr>
+      <p:grpSpPr>
+        <a:xfrm>
+          <a:off x="0" y="0"/>
+          <a:ext cx="0" cy="0"/>
+          <a:chOff x="0" y="0"/>
+          <a:chExt cx="0" cy="0"/>
+        </a:xfrm>
+      </p:grpSpPr>
+      <p:sp>
+        <p:nvSpPr>
+          <p:cNvPr id="9" name="标题 8"/>
+          <p:cNvSpPr>
+            <a:spLocks noGrp="1"/>
+          </p:cNvSpPr>
+          <p:nvPr>
+            <p:ph type="title"/>
+          </p:nvPr>
+        </p:nvSpPr>
+        <p:spPr/>
+        <p:txBody>
+          <a:bodyPr/>
+          <a:lstStyle/>
+          <a:p>
+            <a:r>
+              <a:rPr lang="zh-CN" altLang="en-US" smtClean="0"/>
+              <a:t>测试停止依据</a:t>
+            </a:r>
+            <a:endParaRPr lang="zh-CN" altLang="en-US" dirty="0"/>
+          </a:p>
+        </p:txBody>
+      </p:sp>
+      <p:sp>
+        <p:nvSpPr>
+          <p:cNvPr id="3" name="内容占位符 2"/>
+          <p:cNvSpPr>
+            <a:spLocks noGrp="1"/>
+          </p:cNvSpPr>
+          <p:nvPr>
+            <p:ph idx="1"/>
+          </p:nvPr>
+        </p:nvSpPr>
+        <p:spPr/>
+        <p:txBody>
+          <a:bodyPr/>
+          <a:lstStyle/>
+          <a:p>
+            <a:r>
+              <a:rPr lang="en-US" altLang="zh-CN" dirty="0" smtClean="0"/>
+              <a:t> </a:t>
+            </a:r>
+            <a:r>
+              <a:rPr lang="zh-CN" altLang="zh-CN" dirty="0" smtClean="0"/>
+              <a:t>覆盖率标准</a:t>
+            </a:r>
+            <a:r>
+              <a:rPr lang="en-US" altLang="zh-CN" dirty="0" smtClean="0"/>
+              <a:t>  </a:t>
+            </a:r>
+            <a:endParaRPr lang="zh-CN" altLang="zh-CN" dirty="0" smtClean="0"/>
+          </a:p>
+          <a:p>
+            <a:pPr lvl="1"/>
+            <a:r>
+              <a:rPr lang="zh-CN" altLang="zh-CN" dirty="0" smtClean="0"/>
+              <a:t>语句覆盖率最低不能小于</a:t>
+            </a:r>
+            <a:r>
+              <a:rPr lang="en-US" altLang="zh-CN" dirty="0" smtClean="0"/>
+              <a:t>80%</a:t>
+            </a:r>
+            <a:endParaRPr lang="zh-CN" altLang="zh-CN" dirty="0" smtClean="0"/>
+          </a:p>
+          <a:p>
+            <a:pPr lvl="1"/>
+            <a:r>
+              <a:rPr lang="zh-CN" altLang="zh-CN" dirty="0" smtClean="0"/>
+              <a:t>测试用例执行覆盖率应达到</a:t>
+            </a:r>
+            <a:r>
+              <a:rPr lang="en-US" altLang="zh-CN" dirty="0" smtClean="0"/>
+              <a:t>100%</a:t>
+            </a:r>
+            <a:endParaRPr lang="zh-CN" altLang="zh-CN" dirty="0" smtClean="0"/>
+          </a:p>
+          <a:p>
+            <a:pPr lvl="1"/>
+            <a:r>
+              <a:rPr lang="zh-CN" altLang="zh-CN" dirty="0" smtClean="0"/>
+              <a:t>测试需求执行覆盖率应达到</a:t>
+            </a:r>
+            <a:r>
+              <a:rPr lang="en-US" altLang="zh-CN" dirty="0" smtClean="0"/>
+              <a:t>100%</a:t>
+            </a:r>
+            <a:endParaRPr lang="zh-CN" altLang="en-US" dirty="0"/>
+          </a:p>
+        </p:txBody>
+      </p:sp>
+    </p:spTree>
+    <p:extLst>
+      <p:ext uri="{BB962C8B-B14F-4D97-AF65-F5344CB8AC3E}">
+        <p14:creationId xmlns:p14="http://schemas.microsoft.com/office/powerpoint/2010/main" val="3187890437"/>
+      </p:ext>
+    </p:extLst>
+  </p:cSld>
+  <p:clrMapOvr>
+    <a:masterClrMapping/>
+  </p:clrMapOvr>
+  <p:transition>
+    <p:blinds dir="vert"/>
+  </p:transition>
+  <p:timing>
+    <p:tnLst>
+      <p:par>
+        <p:cTn id="1" dur="indefinite" restart="never" nodeType="tmRoot"/>
+      </p:par>
+    </p:tnLst>
+  </p:timing>
+</p:sld>
+</file>
+
+<file path=ppt/slides/slide7.xml><?xml version="1.0" encoding="utf-8"?>
+<p:sld xmlns:a="http://schemas.openxmlformats.org/drawingml/2006/main" xmlns:r="http://schemas.openxmlformats.org/officeDocument/2006/relationships" xmlns:p="http://schemas.openxmlformats.org/presentationml/2006/main">
+  <p:cSld>
+    <p:spTree>
+      <p:nvGrpSpPr>
+        <p:cNvPr id="1" name=""/>
+        <p:cNvGrpSpPr/>
+        <p:nvPr/>
+      </p:nvGrpSpPr>
+      <p:grpSpPr>
+        <a:xfrm>
+          <a:off x="0" y="0"/>
+          <a:ext cx="0" cy="0"/>
+          <a:chOff x="0" y="0"/>
+          <a:chExt cx="0" cy="0"/>
+        </a:xfrm>
+      </p:grpSpPr>
+      <p:sp>
+        <p:nvSpPr>
+          <p:cNvPr id="15363" name="内容占位符 2"/>
+          <p:cNvSpPr>
+            <a:spLocks noGrp="1"/>
+          </p:cNvSpPr>
+          <p:nvPr>
+            <p:ph idx="1"/>
+          </p:nvPr>
+        </p:nvSpPr>
+        <p:spPr>
+          <a:xfrm>
+            <a:off x="1991544" y="2595776"/>
+            <a:ext cx="8001000" cy="1769328"/>
+          </a:xfrm>
+        </p:spPr>
+        <p:txBody>
+          <a:bodyPr/>
+          <a:lstStyle/>
+          <a:p>
+            <a:pPr marL="0" indent="0" algn="ctr">
+              <a:buNone/>
+            </a:pPr>
+            <a:r>
+              <a:rPr lang="en-US" altLang="zh-CN" sz="4400" b="1" dirty="0" smtClean="0">
+                <a:ea typeface="黑体" pitchFamily="49" charset="-122"/>
+                <a:cs typeface="Times New Roman" panose="02020603050405020304" pitchFamily="18" charset="0"/>
+              </a:rPr>
+              <a:t>Question</a:t>
+            </a:r>
+            <a:endParaRPr lang="zh-CN" altLang="en-US" sz="4400" dirty="0">
+              <a:cs typeface="Times New Roman" panose="02020603050405020304" pitchFamily="18" charset="0"/>
+            </a:endParaRPr>
+          </a:p>
+        </p:txBody>
+      </p:sp>
+    </p:spTree>
+    <p:extLst>
+      <p:ext uri="{BB962C8B-B14F-4D97-AF65-F5344CB8AC3E}">
+        <p14:creationId xmlns:p14="http://schemas.microsoft.com/office/powerpoint/2010/main" val="3700911140"/>
       </p:ext>
     </p:extLst>
   </p:cSld>
@@ -6329,6 +4580,13 @@
     <a:masterClrMapping/>
   </p:clrMapOvr>
   <p:transition/>
+  <p:timing>
+    <p:tnLst>
+      <p:par>
+        <p:cTn id="1" dur="indefinite" restart="never" nodeType="tmRoot"/>
+      </p:par>
+    </p:tnLst>
+  </p:timing>
 </p:sld>
 </file>
 
